--- a/web/b26/0 Information Meeting.pptx
+++ b/web/b26/0 Information Meeting.pptx
@@ -206,6 +206,171 @@
 </p:presentation>
 </file>
 
+<file path=ppt/revisionInfo.xml><?xml version="1.0" encoding="utf-8"?>
+<p1510:revInfo xmlns:a="http://schemas.openxmlformats.org/drawingml/2006/main" xmlns:r="http://schemas.openxmlformats.org/officeDocument/2006/relationships" xmlns:p1510="http://schemas.microsoft.com/office/powerpoint/2015/10/main">
+  <p1510:revLst>
+    <p1510:client id="{8C1C0B5B-3CA8-4923-967D-A7F68D807474}" v="10" dt="2025-10-14T08:29:16.307"/>
+  </p1510:revLst>
+</p1510:revInfo>
+</file>
+
+<file path=ppt/changesInfos/changesInfo1.xml><?xml version="1.0" encoding="utf-8"?>
+<pc:chgInfo xmlns:a="http://schemas.openxmlformats.org/drawingml/2006/main" xmlns:r="http://schemas.openxmlformats.org/officeDocument/2006/relationships" xmlns:ac="http://schemas.microsoft.com/office/drawing/2013/main/command" xmlns:pc="http://schemas.microsoft.com/office/powerpoint/2013/main/command">
+  <pc:docChgLst>
+    <pc:chgData name="Kurt Jensen" userId="536d7847-4321-45c6-997a-4b9f60543789" providerId="ADAL" clId="{E17C5AF6-11E3-421A-B6F2-416B0C981305}"/>
+    <pc:docChg chg="undo custSel modSld">
+      <pc:chgData name="Kurt Jensen" userId="536d7847-4321-45c6-997a-4b9f60543789" providerId="ADAL" clId="{E17C5AF6-11E3-421A-B6F2-416B0C981305}" dt="2025-10-14T08:39:38.778" v="300" actId="20577"/>
+      <pc:docMkLst>
+        <pc:docMk/>
+      </pc:docMkLst>
+      <pc:sldChg chg="modSp mod">
+        <pc:chgData name="Kurt Jensen" userId="536d7847-4321-45c6-997a-4b9f60543789" providerId="ADAL" clId="{E17C5AF6-11E3-421A-B6F2-416B0C981305}" dt="2025-10-14T08:29:52.301" v="144" actId="5793"/>
+        <pc:sldMkLst>
+          <pc:docMk/>
+          <pc:sldMk cId="0" sldId="314"/>
+        </pc:sldMkLst>
+        <pc:spChg chg="mod">
+          <ac:chgData name="Kurt Jensen" userId="536d7847-4321-45c6-997a-4b9f60543789" providerId="ADAL" clId="{E17C5AF6-11E3-421A-B6F2-416B0C981305}" dt="2025-10-14T08:29:52.301" v="144" actId="5793"/>
+          <ac:spMkLst>
+            <pc:docMk/>
+            <pc:sldMk cId="0" sldId="314"/>
+            <ac:spMk id="10244" creationId="{00000000-0000-0000-0000-000000000000}"/>
+          </ac:spMkLst>
+        </pc:spChg>
+      </pc:sldChg>
+      <pc:sldChg chg="modSp mod">
+        <pc:chgData name="Kurt Jensen" userId="536d7847-4321-45c6-997a-4b9f60543789" providerId="ADAL" clId="{E17C5AF6-11E3-421A-B6F2-416B0C981305}" dt="2025-10-14T08:25:13.751" v="39" actId="313"/>
+        <pc:sldMkLst>
+          <pc:docMk/>
+          <pc:sldMk cId="3828024737" sldId="375"/>
+        </pc:sldMkLst>
+        <pc:spChg chg="mod">
+          <ac:chgData name="Kurt Jensen" userId="536d7847-4321-45c6-997a-4b9f60543789" providerId="ADAL" clId="{E17C5AF6-11E3-421A-B6F2-416B0C981305}" dt="2025-10-14T08:25:13.751" v="39" actId="313"/>
+          <ac:spMkLst>
+            <pc:docMk/>
+            <pc:sldMk cId="3828024737" sldId="375"/>
+            <ac:spMk id="4" creationId="{00000000-0000-0000-0000-000000000000}"/>
+          </ac:spMkLst>
+        </pc:spChg>
+        <pc:spChg chg="mod">
+          <ac:chgData name="Kurt Jensen" userId="536d7847-4321-45c6-997a-4b9f60543789" providerId="ADAL" clId="{E17C5AF6-11E3-421A-B6F2-416B0C981305}" dt="2025-10-14T08:23:52.795" v="35" actId="20577"/>
+          <ac:spMkLst>
+            <pc:docMk/>
+            <pc:sldMk cId="3828024737" sldId="375"/>
+            <ac:spMk id="8" creationId="{00000000-0000-0000-0000-000000000000}"/>
+          </ac:spMkLst>
+        </pc:spChg>
+      </pc:sldChg>
+      <pc:sldChg chg="modSp mod">
+        <pc:chgData name="Kurt Jensen" userId="536d7847-4321-45c6-997a-4b9f60543789" providerId="ADAL" clId="{E17C5AF6-11E3-421A-B6F2-416B0C981305}" dt="2025-10-14T08:25:03.132" v="38" actId="20577"/>
+        <pc:sldMkLst>
+          <pc:docMk/>
+          <pc:sldMk cId="2366877051" sldId="403"/>
+        </pc:sldMkLst>
+        <pc:spChg chg="mod">
+          <ac:chgData name="Kurt Jensen" userId="536d7847-4321-45c6-997a-4b9f60543789" providerId="ADAL" clId="{E17C5AF6-11E3-421A-B6F2-416B0C981305}" dt="2025-10-14T08:25:03.132" v="38" actId="20577"/>
+          <ac:spMkLst>
+            <pc:docMk/>
+            <pc:sldMk cId="2366877051" sldId="403"/>
+            <ac:spMk id="10244" creationId="{00000000-0000-0000-0000-000000000000}"/>
+          </ac:spMkLst>
+        </pc:spChg>
+      </pc:sldChg>
+      <pc:sldChg chg="modSp mod">
+        <pc:chgData name="Kurt Jensen" userId="536d7847-4321-45c6-997a-4b9f60543789" providerId="ADAL" clId="{E17C5AF6-11E3-421A-B6F2-416B0C981305}" dt="2025-10-14T08:22:54.862" v="8" actId="313"/>
+        <pc:sldMkLst>
+          <pc:docMk/>
+          <pc:sldMk cId="1768001902" sldId="404"/>
+        </pc:sldMkLst>
+        <pc:spChg chg="mod">
+          <ac:chgData name="Kurt Jensen" userId="536d7847-4321-45c6-997a-4b9f60543789" providerId="ADAL" clId="{E17C5AF6-11E3-421A-B6F2-416B0C981305}" dt="2025-10-14T08:22:54.862" v="8" actId="313"/>
+          <ac:spMkLst>
+            <pc:docMk/>
+            <pc:sldMk cId="1768001902" sldId="404"/>
+            <ac:spMk id="10244" creationId="{00000000-0000-0000-0000-000000000000}"/>
+          </ac:spMkLst>
+        </pc:spChg>
+      </pc:sldChg>
+      <pc:sldChg chg="modSp mod">
+        <pc:chgData name="Kurt Jensen" userId="536d7847-4321-45c6-997a-4b9f60543789" providerId="ADAL" clId="{E17C5AF6-11E3-421A-B6F2-416B0C981305}" dt="2025-10-14T08:35:02.147" v="221" actId="20577"/>
+        <pc:sldMkLst>
+          <pc:docMk/>
+          <pc:sldMk cId="3803037258" sldId="405"/>
+        </pc:sldMkLst>
+        <pc:spChg chg="mod">
+          <ac:chgData name="Kurt Jensen" userId="536d7847-4321-45c6-997a-4b9f60543789" providerId="ADAL" clId="{E17C5AF6-11E3-421A-B6F2-416B0C981305}" dt="2025-10-14T08:35:02.147" v="221" actId="20577"/>
+          <ac:spMkLst>
+            <pc:docMk/>
+            <pc:sldMk cId="3803037258" sldId="405"/>
+            <ac:spMk id="10244" creationId="{00000000-0000-0000-0000-000000000000}"/>
+          </ac:spMkLst>
+        </pc:spChg>
+      </pc:sldChg>
+      <pc:sldChg chg="modSp mod">
+        <pc:chgData name="Kurt Jensen" userId="536d7847-4321-45c6-997a-4b9f60543789" providerId="ADAL" clId="{E17C5AF6-11E3-421A-B6F2-416B0C981305}" dt="2025-10-14T08:33:15.987" v="161" actId="20577"/>
+        <pc:sldMkLst>
+          <pc:docMk/>
+          <pc:sldMk cId="3172758156" sldId="408"/>
+        </pc:sldMkLst>
+        <pc:spChg chg="mod">
+          <ac:chgData name="Kurt Jensen" userId="536d7847-4321-45c6-997a-4b9f60543789" providerId="ADAL" clId="{E17C5AF6-11E3-421A-B6F2-416B0C981305}" dt="2025-10-14T08:33:15.987" v="161" actId="20577"/>
+          <ac:spMkLst>
+            <pc:docMk/>
+            <pc:sldMk cId="3172758156" sldId="408"/>
+            <ac:spMk id="10244" creationId="{00000000-0000-0000-0000-000000000000}"/>
+          </ac:spMkLst>
+        </pc:spChg>
+      </pc:sldChg>
+      <pc:sldChg chg="modSp mod">
+        <pc:chgData name="Kurt Jensen" userId="536d7847-4321-45c6-997a-4b9f60543789" providerId="ADAL" clId="{E17C5AF6-11E3-421A-B6F2-416B0C981305}" dt="2025-10-14T08:39:38.778" v="300" actId="20577"/>
+        <pc:sldMkLst>
+          <pc:docMk/>
+          <pc:sldMk cId="2489968259" sldId="409"/>
+        </pc:sldMkLst>
+        <pc:spChg chg="mod">
+          <ac:chgData name="Kurt Jensen" userId="536d7847-4321-45c6-997a-4b9f60543789" providerId="ADAL" clId="{E17C5AF6-11E3-421A-B6F2-416B0C981305}" dt="2025-10-14T08:39:38.778" v="300" actId="20577"/>
+          <ac:spMkLst>
+            <pc:docMk/>
+            <pc:sldMk cId="2489968259" sldId="409"/>
+            <ac:spMk id="10244" creationId="{00000000-0000-0000-0000-000000000000}"/>
+          </ac:spMkLst>
+        </pc:spChg>
+      </pc:sldChg>
+      <pc:sldChg chg="modSp mod">
+        <pc:chgData name="Kurt Jensen" userId="536d7847-4321-45c6-997a-4b9f60543789" providerId="ADAL" clId="{E17C5AF6-11E3-421A-B6F2-416B0C981305}" dt="2025-10-14T08:25:30.084" v="42" actId="20577"/>
+        <pc:sldMkLst>
+          <pc:docMk/>
+          <pc:sldMk cId="320053938" sldId="413"/>
+        </pc:sldMkLst>
+        <pc:spChg chg="mod">
+          <ac:chgData name="Kurt Jensen" userId="536d7847-4321-45c6-997a-4b9f60543789" providerId="ADAL" clId="{E17C5AF6-11E3-421A-B6F2-416B0C981305}" dt="2025-10-14T08:25:30.084" v="42" actId="20577"/>
+          <ac:spMkLst>
+            <pc:docMk/>
+            <pc:sldMk cId="320053938" sldId="413"/>
+            <ac:spMk id="8" creationId="{00000000-0000-0000-0000-000000000000}"/>
+          </ac:spMkLst>
+        </pc:spChg>
+      </pc:sldChg>
+      <pc:sldChg chg="modSp mod">
+        <pc:chgData name="Kurt Jensen" userId="536d7847-4321-45c6-997a-4b9f60543789" providerId="ADAL" clId="{E17C5AF6-11E3-421A-B6F2-416B0C981305}" dt="2025-10-14T08:36:03.637" v="253" actId="20577"/>
+        <pc:sldMkLst>
+          <pc:docMk/>
+          <pc:sldMk cId="4189121652" sldId="414"/>
+        </pc:sldMkLst>
+        <pc:spChg chg="mod">
+          <ac:chgData name="Kurt Jensen" userId="536d7847-4321-45c6-997a-4b9f60543789" providerId="ADAL" clId="{E17C5AF6-11E3-421A-B6F2-416B0C981305}" dt="2025-10-14T08:36:03.637" v="253" actId="20577"/>
+          <ac:spMkLst>
+            <pc:docMk/>
+            <pc:sldMk cId="4189121652" sldId="414"/>
+            <ac:spMk id="10244" creationId="{00000000-0000-0000-0000-000000000000}"/>
+          </ac:spMkLst>
+        </pc:spChg>
+      </pc:sldChg>
+    </pc:docChg>
+  </pc:docChgLst>
+</pc:chgInfo>
+</file>
+
 <file path=ppt/handoutMasters/handoutMaster1.xml><?xml version="1.0" encoding="utf-8"?>
 <p:handoutMaster xmlns:a="http://schemas.openxmlformats.org/drawingml/2006/main" xmlns:r="http://schemas.openxmlformats.org/officeDocument/2006/relationships" xmlns:p="http://schemas.openxmlformats.org/presentationml/2006/main">
   <p:cSld>
@@ -870,35 +1035,35 @@
           <a:p>
             <a:pPr lvl="0"/>
             <a:r>
-              <a:rPr lang="da-DK" noProof="0" smtClean="0"/>
+              <a:rPr lang="da-DK" noProof="0"/>
               <a:t>Klik for at redigere teksttypografierne i masteren</a:t>
             </a:r>
           </a:p>
           <a:p>
             <a:pPr lvl="1"/>
             <a:r>
-              <a:rPr lang="da-DK" noProof="0" smtClean="0"/>
+              <a:rPr lang="da-DK" noProof="0"/>
               <a:t>Andet niveau</a:t>
             </a:r>
           </a:p>
           <a:p>
             <a:pPr lvl="2"/>
             <a:r>
-              <a:rPr lang="da-DK" noProof="0" smtClean="0"/>
+              <a:rPr lang="da-DK" noProof="0"/>
               <a:t>Tredje niveau</a:t>
             </a:r>
           </a:p>
           <a:p>
             <a:pPr lvl="3"/>
             <a:r>
-              <a:rPr lang="da-DK" noProof="0" smtClean="0"/>
+              <a:rPr lang="da-DK" noProof="0"/>
               <a:t>Fjerde niveau</a:t>
             </a:r>
           </a:p>
           <a:p>
             <a:pPr lvl="4"/>
             <a:r>
-              <a:rPr lang="da-DK" noProof="0" smtClean="0"/>
+              <a:rPr lang="da-DK" noProof="0"/>
               <a:t>Femte niveau</a:t>
             </a:r>
           </a:p>
@@ -1462,7 +1627,7 @@
           <a:lstStyle/>
           <a:p>
             <a:pPr eaLnBrk="1" hangingPunct="1"/>
-            <a:endParaRPr lang="en-US" altLang="da-DK" dirty="0" smtClean="0">
+            <a:endParaRPr lang="en-US" altLang="da-DK" dirty="0">
               <a:latin typeface="Times New Roman" pitchFamily="18" charset="0"/>
               <a:ea typeface="ＭＳ Ｐゴシック" pitchFamily="34" charset="-128"/>
             </a:endParaRPr>
@@ -2009,7 +2174,7 @@
           <a:lstStyle/>
           <a:p>
             <a:pPr eaLnBrk="1" hangingPunct="1"/>
-            <a:endParaRPr lang="en-US" altLang="da-DK" smtClean="0">
+            <a:endParaRPr lang="en-US" altLang="da-DK">
               <a:latin typeface="Times New Roman" pitchFamily="18" charset="0"/>
               <a:ea typeface="ＭＳ Ｐゴシック" pitchFamily="34" charset="-128"/>
             </a:endParaRPr>
@@ -2286,7 +2451,7 @@
           <a:lstStyle/>
           <a:p>
             <a:pPr eaLnBrk="1" hangingPunct="1"/>
-            <a:endParaRPr lang="en-US" altLang="da-DK" dirty="0" smtClean="0">
+            <a:endParaRPr lang="en-US" altLang="da-DK" dirty="0">
               <a:latin typeface="Times New Roman" pitchFamily="18" charset="0"/>
               <a:ea typeface="ＭＳ Ｐゴシック" pitchFamily="34" charset="-128"/>
             </a:endParaRPr>
@@ -2974,7 +3139,7 @@
           <a:lstStyle/>
           <a:p>
             <a:r>
-              <a:rPr lang="da-DK" smtClean="0"/>
+              <a:rPr lang="da-DK"/>
               <a:t>Click to edit Master title style</a:t>
             </a:r>
             <a:endParaRPr lang="en-US"/>
@@ -3039,7 +3204,7 @@
           </a:lstStyle>
           <a:p>
             <a:r>
-              <a:rPr lang="da-DK" smtClean="0"/>
+              <a:rPr lang="da-DK"/>
               <a:t>Click to edit Master subtitle style</a:t>
             </a:r>
             <a:endParaRPr lang="en-US"/>
@@ -3139,7 +3304,7 @@
           <a:lstStyle/>
           <a:p>
             <a:r>
-              <a:rPr lang="da-DK" smtClean="0"/>
+              <a:rPr lang="da-DK"/>
               <a:t>Click to edit Master title style</a:t>
             </a:r>
             <a:endParaRPr lang="en-US"/>
@@ -3163,83 +3328,83 @@
           <a:p>
             <a:pPr lvl="0"/>
             <a:r>
-              <a:rPr lang="da-DK" dirty="0" err="1" smtClean="0"/>
+              <a:rPr lang="da-DK" dirty="0" err="1"/>
               <a:t>Click</a:t>
             </a:r>
             <a:r>
-              <a:rPr lang="da-DK" dirty="0" smtClean="0"/>
+              <a:rPr lang="da-DK" dirty="0"/>
               <a:t> to </a:t>
             </a:r>
             <a:r>
-              <a:rPr lang="da-DK" dirty="0" err="1" smtClean="0"/>
+              <a:rPr lang="da-DK" dirty="0" err="1"/>
               <a:t>edit</a:t>
             </a:r>
             <a:r>
-              <a:rPr lang="da-DK" dirty="0" smtClean="0"/>
+              <a:rPr lang="da-DK" dirty="0"/>
               <a:t> Master </a:t>
             </a:r>
             <a:r>
-              <a:rPr lang="da-DK" dirty="0" err="1" smtClean="0"/>
+              <a:rPr lang="da-DK" dirty="0" err="1"/>
               <a:t>text</a:t>
             </a:r>
             <a:r>
-              <a:rPr lang="da-DK" dirty="0" smtClean="0"/>
+              <a:rPr lang="da-DK" dirty="0"/>
               <a:t> </a:t>
             </a:r>
             <a:r>
-              <a:rPr lang="da-DK" dirty="0" err="1" smtClean="0"/>
+              <a:rPr lang="da-DK" dirty="0" err="1"/>
               <a:t>styles</a:t>
             </a:r>
-            <a:endParaRPr lang="da-DK" dirty="0" smtClean="0"/>
+            <a:endParaRPr lang="da-DK" dirty="0"/>
           </a:p>
           <a:p>
             <a:pPr lvl="1"/>
             <a:r>
-              <a:rPr lang="da-DK" dirty="0" smtClean="0"/>
+              <a:rPr lang="da-DK" dirty="0"/>
               <a:t>Second </a:t>
             </a:r>
             <a:r>
-              <a:rPr lang="da-DK" dirty="0" err="1" smtClean="0"/>
+              <a:rPr lang="da-DK" dirty="0" err="1"/>
               <a:t>level</a:t>
             </a:r>
-            <a:endParaRPr lang="da-DK" dirty="0" smtClean="0"/>
+            <a:endParaRPr lang="da-DK" dirty="0"/>
           </a:p>
           <a:p>
             <a:pPr lvl="2"/>
             <a:r>
-              <a:rPr lang="da-DK" dirty="0" smtClean="0"/>
+              <a:rPr lang="da-DK" dirty="0"/>
               <a:t>Third </a:t>
             </a:r>
             <a:r>
-              <a:rPr lang="da-DK" dirty="0" err="1" smtClean="0"/>
+              <a:rPr lang="da-DK" dirty="0" err="1"/>
               <a:t>level</a:t>
             </a:r>
-            <a:endParaRPr lang="da-DK" dirty="0" smtClean="0"/>
+            <a:endParaRPr lang="da-DK" dirty="0"/>
           </a:p>
           <a:p>
             <a:pPr lvl="3"/>
             <a:r>
-              <a:rPr lang="da-DK" dirty="0" err="1" smtClean="0"/>
+              <a:rPr lang="da-DK" dirty="0" err="1"/>
               <a:t>Fourth</a:t>
             </a:r>
             <a:r>
-              <a:rPr lang="da-DK" dirty="0" smtClean="0"/>
+              <a:rPr lang="da-DK" dirty="0"/>
               <a:t> </a:t>
             </a:r>
             <a:r>
-              <a:rPr lang="da-DK" dirty="0" err="1" smtClean="0"/>
+              <a:rPr lang="da-DK" dirty="0" err="1"/>
               <a:t>level</a:t>
             </a:r>
-            <a:endParaRPr lang="da-DK" dirty="0" smtClean="0"/>
+            <a:endParaRPr lang="da-DK" dirty="0"/>
           </a:p>
           <a:p>
             <a:pPr lvl="4"/>
             <a:r>
-              <a:rPr lang="da-DK" dirty="0" smtClean="0"/>
+              <a:rPr lang="da-DK" dirty="0"/>
               <a:t>Fifth </a:t>
             </a:r>
             <a:r>
-              <a:rPr lang="da-DK" dirty="0" err="1" smtClean="0"/>
+              <a:rPr lang="da-DK" dirty="0" err="1"/>
               <a:t>level</a:t>
             </a:r>
             <a:endParaRPr lang="en-US" dirty="0"/>
@@ -3341,7 +3506,7 @@
           <a:lstStyle/>
           <a:p>
             <a:r>
-              <a:rPr lang="da-DK" smtClean="0"/>
+              <a:rPr lang="da-DK"/>
               <a:t>Click to edit Master title style</a:t>
             </a:r>
             <a:endParaRPr lang="en-US"/>
@@ -3398,83 +3563,83 @@
           <a:p>
             <a:pPr lvl="0"/>
             <a:r>
-              <a:rPr lang="da-DK" dirty="0" err="1" smtClean="0"/>
+              <a:rPr lang="da-DK" dirty="0" err="1"/>
               <a:t>Click</a:t>
             </a:r>
             <a:r>
-              <a:rPr lang="da-DK" dirty="0" smtClean="0"/>
+              <a:rPr lang="da-DK" dirty="0"/>
               <a:t> to </a:t>
             </a:r>
             <a:r>
-              <a:rPr lang="da-DK" dirty="0" err="1" smtClean="0"/>
+              <a:rPr lang="da-DK" dirty="0" err="1"/>
               <a:t>edit</a:t>
             </a:r>
             <a:r>
-              <a:rPr lang="da-DK" dirty="0" smtClean="0"/>
+              <a:rPr lang="da-DK" dirty="0"/>
               <a:t> Master </a:t>
             </a:r>
             <a:r>
-              <a:rPr lang="da-DK" dirty="0" err="1" smtClean="0"/>
+              <a:rPr lang="da-DK" dirty="0" err="1"/>
               <a:t>text</a:t>
             </a:r>
             <a:r>
-              <a:rPr lang="da-DK" dirty="0" smtClean="0"/>
+              <a:rPr lang="da-DK" dirty="0"/>
               <a:t> </a:t>
             </a:r>
             <a:r>
-              <a:rPr lang="da-DK" dirty="0" err="1" smtClean="0"/>
+              <a:rPr lang="da-DK" dirty="0" err="1"/>
               <a:t>styles</a:t>
             </a:r>
-            <a:endParaRPr lang="da-DK" dirty="0" smtClean="0"/>
+            <a:endParaRPr lang="da-DK" dirty="0"/>
           </a:p>
           <a:p>
             <a:pPr lvl="1"/>
             <a:r>
-              <a:rPr lang="da-DK" dirty="0" smtClean="0"/>
+              <a:rPr lang="da-DK" dirty="0"/>
               <a:t>Second </a:t>
             </a:r>
             <a:r>
-              <a:rPr lang="da-DK" dirty="0" err="1" smtClean="0"/>
+              <a:rPr lang="da-DK" dirty="0" err="1"/>
               <a:t>level</a:t>
             </a:r>
-            <a:endParaRPr lang="da-DK" dirty="0" smtClean="0"/>
+            <a:endParaRPr lang="da-DK" dirty="0"/>
           </a:p>
           <a:p>
             <a:pPr lvl="2"/>
             <a:r>
-              <a:rPr lang="da-DK" dirty="0" smtClean="0"/>
+              <a:rPr lang="da-DK" dirty="0"/>
               <a:t>Third </a:t>
             </a:r>
             <a:r>
-              <a:rPr lang="da-DK" dirty="0" err="1" smtClean="0"/>
+              <a:rPr lang="da-DK" dirty="0" err="1"/>
               <a:t>level</a:t>
             </a:r>
-            <a:endParaRPr lang="da-DK" dirty="0" smtClean="0"/>
+            <a:endParaRPr lang="da-DK" dirty="0"/>
           </a:p>
           <a:p>
             <a:pPr lvl="3"/>
             <a:r>
-              <a:rPr lang="da-DK" dirty="0" err="1" smtClean="0"/>
+              <a:rPr lang="da-DK" dirty="0" err="1"/>
               <a:t>Fourth</a:t>
             </a:r>
             <a:r>
-              <a:rPr lang="da-DK" dirty="0" smtClean="0"/>
+              <a:rPr lang="da-DK" dirty="0"/>
               <a:t> </a:t>
             </a:r>
             <a:r>
-              <a:rPr lang="da-DK" dirty="0" err="1" smtClean="0"/>
+              <a:rPr lang="da-DK" dirty="0" err="1"/>
               <a:t>level</a:t>
             </a:r>
-            <a:endParaRPr lang="da-DK" dirty="0" smtClean="0"/>
+            <a:endParaRPr lang="da-DK" dirty="0"/>
           </a:p>
           <a:p>
             <a:pPr lvl="4"/>
             <a:r>
-              <a:rPr lang="da-DK" dirty="0" smtClean="0"/>
+              <a:rPr lang="da-DK" dirty="0"/>
               <a:t>Fifth </a:t>
             </a:r>
             <a:r>
-              <a:rPr lang="da-DK" dirty="0" err="1" smtClean="0"/>
+              <a:rPr lang="da-DK" dirty="0" err="1"/>
               <a:t>level</a:t>
             </a:r>
             <a:endParaRPr lang="en-US" dirty="0"/>
@@ -3531,35 +3696,35 @@
           <a:p>
             <a:pPr lvl="0"/>
             <a:r>
-              <a:rPr lang="da-DK" smtClean="0"/>
+              <a:rPr lang="da-DK"/>
               <a:t>Click to edit Master text styles</a:t>
             </a:r>
           </a:p>
           <a:p>
             <a:pPr lvl="1"/>
             <a:r>
-              <a:rPr lang="da-DK" smtClean="0"/>
+              <a:rPr lang="da-DK"/>
               <a:t>Second level</a:t>
             </a:r>
           </a:p>
           <a:p>
             <a:pPr lvl="2"/>
             <a:r>
-              <a:rPr lang="da-DK" smtClean="0"/>
+              <a:rPr lang="da-DK"/>
               <a:t>Third level</a:t>
             </a:r>
           </a:p>
           <a:p>
             <a:pPr lvl="3"/>
             <a:r>
-              <a:rPr lang="da-DK" smtClean="0"/>
+              <a:rPr lang="da-DK"/>
               <a:t>Fourth level</a:t>
             </a:r>
           </a:p>
           <a:p>
             <a:pPr lvl="4"/>
             <a:r>
-              <a:rPr lang="da-DK" smtClean="0"/>
+              <a:rPr lang="da-DK"/>
               <a:t>Fifth level</a:t>
             </a:r>
             <a:endParaRPr lang="en-US"/>
@@ -3656,7 +3821,7 @@
           <a:lstStyle/>
           <a:p>
             <a:r>
-              <a:rPr lang="da-DK" smtClean="0"/>
+              <a:rPr lang="da-DK"/>
               <a:t>Click to edit Master title style</a:t>
             </a:r>
             <a:endParaRPr lang="en-US"/>
@@ -4507,7 +4672,6 @@
           <a:ln>
             <a:noFill/>
           </a:ln>
-          <a:extLst/>
         </p:spPr>
         <p:txBody>
           <a:bodyPr anchor="ctr"/>
@@ -4652,10 +4816,9 @@
           <a:p>
             <a:pPr marL="358775"/>
             <a:r>
-              <a:rPr lang="en-GB" altLang="da-DK" sz="2800" dirty="0" smtClean="0"/>
-              <a:t>Welcome to the information meeting for bachelor projects in the spring of 2025</a:t>
-            </a:r>
-            <a:endParaRPr lang="en-GB" altLang="da-DK" sz="2800" dirty="0"/>
+              <a:rPr lang="en-GB" altLang="da-DK" sz="2800" dirty="0"/>
+              <a:t>Welcome to the information meeting for bachelor projects in the spring of 2026</a:t>
+            </a:r>
           </a:p>
         </p:txBody>
       </p:sp>
@@ -4839,7 +5002,7 @@
               </a:spcBef>
             </a:pPr>
             <a:r>
-              <a:rPr lang="en-GB" altLang="da-DK" sz="1800" dirty="0" smtClean="0"/>
+              <a:rPr lang="en-GB" altLang="da-DK" sz="1800" dirty="0"/>
               <a:t>Kurt Jensen – responsible for the bachelor project course</a:t>
             </a:r>
           </a:p>
@@ -4850,10 +5013,9 @@
               </a:spcBef>
             </a:pPr>
             <a:r>
-              <a:rPr lang="en-GB" altLang="da-DK" sz="1600" dirty="0" smtClean="0"/>
+              <a:rPr lang="en-GB" altLang="da-DK" sz="1600" dirty="0"/>
               <a:t>Lectures</a:t>
             </a:r>
-            <a:endParaRPr lang="en-GB" altLang="da-DK" sz="1600" dirty="0"/>
           </a:p>
           <a:p>
             <a:pPr marL="728663" lvl="1" indent="-271463">
@@ -4862,10 +5024,9 @@
               </a:spcBef>
             </a:pPr>
             <a:r>
-              <a:rPr lang="en-GB" altLang="da-DK" sz="1600" dirty="0" smtClean="0"/>
+              <a:rPr lang="en-GB" altLang="da-DK" sz="1600" dirty="0"/>
               <a:t>Brightspace pages</a:t>
             </a:r>
-            <a:endParaRPr lang="en-GB" altLang="da-DK" sz="1600" dirty="0"/>
           </a:p>
           <a:p>
             <a:pPr marL="728663" lvl="1" indent="-271463">
@@ -4874,16 +5035,8 @@
               </a:spcBef>
             </a:pPr>
             <a:r>
-              <a:rPr lang="en-GB" altLang="da-DK" sz="1600" dirty="0" smtClean="0"/>
-              <a:t>Formation </a:t>
-            </a:r>
-            <a:r>
               <a:rPr lang="en-GB" altLang="da-DK" sz="1600" dirty="0"/>
-              <a:t>of </a:t>
-            </a:r>
-            <a:r>
-              <a:rPr lang="en-GB" altLang="da-DK" sz="1600" dirty="0" smtClean="0"/>
-              <a:t>groups, etc.</a:t>
+              <a:t>Formation of groups, etc.</a:t>
             </a:r>
           </a:p>
           <a:p>
@@ -4894,28 +5047,12 @@
               <a:buChar char="•"/>
             </a:pPr>
             <a:r>
-              <a:rPr lang="en-GB" altLang="da-DK" sz="1800" b="1" dirty="0" smtClean="0">
+              <a:rPr lang="en-GB" altLang="da-DK" sz="1800" b="1" dirty="0">
                 <a:solidFill>
                   <a:srgbClr val="A50021"/>
                 </a:solidFill>
               </a:rPr>
-              <a:t>Program </a:t>
-            </a:r>
-            <a:r>
-              <a:rPr lang="en-GB" altLang="da-DK" sz="1800" b="1" dirty="0">
-                <a:solidFill>
-                  <a:srgbClr val="A50021"/>
-                </a:solidFill>
-              </a:rPr>
-              <a:t>for </a:t>
-            </a:r>
-            <a:r>
-              <a:rPr lang="en-GB" altLang="da-DK" sz="1800" b="1" dirty="0" smtClean="0">
-                <a:solidFill>
-                  <a:srgbClr val="A50021"/>
-                </a:solidFill>
-              </a:rPr>
-              <a:t>this information meeting</a:t>
+              <a:t>Program for this information meeting</a:t>
             </a:r>
           </a:p>
           <a:p>
@@ -4928,36 +5065,19 @@
             </a:pPr>
             <a:r>
               <a:rPr lang="en-GB" altLang="da-DK" sz="1600" dirty="0"/>
-              <a:t>I will give a brief presentation of the rules for bachelor projects and the organisation of the bachelor project course </a:t>
-            </a:r>
-            <a:r>
-              <a:rPr lang="en-GB" altLang="da-DK" sz="1600" dirty="0" smtClean="0"/>
-              <a:t>(20 </a:t>
-            </a:r>
-            <a:r>
+              <a:t>I will give a brief presentation of the rules for bachelor projects and the organisation of the bachelor project course (20 minutes)</a:t>
+            </a:r>
+            <a:br>
               <a:rPr lang="en-GB" altLang="da-DK" sz="1600" dirty="0"/>
-              <a:t>minutes</a:t>
-            </a:r>
-            <a:r>
-              <a:rPr lang="en-GB" altLang="da-DK" sz="1600" dirty="0" smtClean="0"/>
-              <a:t>)</a:t>
-            </a:r>
-            <a:br>
-              <a:rPr lang="en-GB" altLang="da-DK" sz="1600" dirty="0" smtClean="0"/>
             </a:br>
             <a:r>
-              <a:rPr lang="en-GB" altLang="da-DK" sz="1600" dirty="0" smtClean="0">
+              <a:rPr lang="en-GB" altLang="da-DK" sz="1600" dirty="0">
                 <a:solidFill>
                   <a:srgbClr val="FF0000"/>
                 </a:solidFill>
               </a:rPr>
               <a:t>Questions are very welcome during my talk</a:t>
             </a:r>
-            <a:endParaRPr lang="en-GB" altLang="da-DK" sz="1600" dirty="0">
-              <a:solidFill>
-                <a:srgbClr val="FF0000"/>
-              </a:solidFill>
-            </a:endParaRPr>
           </a:p>
           <a:p>
             <a:pPr marL="728663" lvl="1" indent="-271463">
@@ -4968,28 +5088,8 @@
               <a:buChar char="–"/>
             </a:pPr>
             <a:r>
-              <a:rPr lang="en-GB" altLang="da-DK" sz="1600" dirty="0" smtClean="0"/>
-              <a:t>Each </a:t>
-            </a:r>
-            <a:r>
               <a:rPr lang="en-GB" altLang="da-DK" sz="1600" dirty="0"/>
-              <a:t>of the </a:t>
-            </a:r>
-            <a:r>
-              <a:rPr lang="en-GB" altLang="da-DK" sz="1600" dirty="0" smtClean="0"/>
-              <a:t>research </a:t>
-            </a:r>
-            <a:r>
-              <a:rPr lang="en-GB" altLang="da-DK" sz="1600" dirty="0"/>
-              <a:t>groups will give </a:t>
-            </a:r>
-            <a:r>
-              <a:rPr lang="en-GB" altLang="da-DK" sz="1600" dirty="0" smtClean="0"/>
-              <a:t>an 8 minutes' </a:t>
-            </a:r>
-            <a:r>
-              <a:rPr lang="en-GB" altLang="da-DK" sz="1600" dirty="0"/>
-              <a:t>presentation of the group and the bachelor projects they offer</a:t>
+              <a:t>Each of the four sections will give a 15 minutes' presentation of the section and the bachelor projects they offer</a:t>
             </a:r>
           </a:p>
           <a:p>
@@ -5001,10 +5101,9 @@
               <a:buChar char="–"/>
             </a:pPr>
             <a:r>
-              <a:rPr lang="en-GB" altLang="da-DK" sz="1600" spc="-30" dirty="0" smtClean="0"/>
-              <a:t>Meet advisors from the different research groups (outside auditorium)</a:t>
-            </a:r>
-            <a:endParaRPr lang="en-GB" altLang="da-DK" sz="1600" spc="-30" dirty="0"/>
+              <a:rPr lang="en-GB" altLang="da-DK" sz="1600" spc="-30" dirty="0"/>
+              <a:t>Meet advisors from the different sections (outside auditorium)</a:t>
+            </a:r>
           </a:p>
           <a:p>
             <a:pPr marL="271463" lvl="1" indent="-271463">
@@ -5014,7 +5113,7 @@
               <a:buChar char="•"/>
             </a:pPr>
             <a:r>
-              <a:rPr lang="en-GB" altLang="da-DK" sz="1800" b="1" dirty="0" smtClean="0">
+              <a:rPr lang="en-GB" altLang="da-DK" sz="1800" b="1" dirty="0">
                 <a:solidFill>
                   <a:srgbClr val="A50021"/>
                 </a:solidFill>
@@ -5032,14 +5131,10 @@
             </a:pPr>
             <a:r>
               <a:rPr lang="en-GB" altLang="da-DK" sz="1600" spc="-50" dirty="0"/>
-              <a:t>All slides can be found on the </a:t>
-            </a:r>
-            <a:r>
-              <a:rPr lang="en-GB" altLang="da-DK" sz="1600" spc="-50" dirty="0" smtClean="0"/>
-              <a:t>Brightspace page </a:t>
-            </a:r>
-            <a:r>
-              <a:rPr lang="en-US" altLang="da-DK" sz="1600" b="1" spc="-50" dirty="0" smtClean="0">
+              <a:t>All slides can be found on the Brightspace page </a:t>
+            </a:r>
+            <a:r>
+              <a:rPr lang="en-US" altLang="da-DK" sz="1600" b="1" spc="-50" dirty="0">
                 <a:solidFill>
                   <a:srgbClr val="008000"/>
                 </a:solidFill>
@@ -5114,13 +5209,6 @@
   <p:clrMapOvr>
     <a:masterClrMapping/>
   </p:clrMapOvr>
-  <p:timing>
-    <p:tnLst>
-      <p:par>
-        <p:cTn id="1" dur="indefinite" restart="never" nodeType="tmRoot"/>
-      </p:par>
-    </p:tnLst>
-  </p:timing>
 </p:sld>
 </file>
 
@@ -5165,7 +5253,7 @@
               <a:defRPr/>
             </a:pPr>
             <a:r>
-              <a:rPr lang="en-GB" altLang="da-DK" sz="2800" dirty="0" smtClean="0"/>
+              <a:rPr lang="en-GB" altLang="da-DK" sz="2800" dirty="0"/>
               <a:t>Bachelor project "contract"</a:t>
             </a:r>
           </a:p>
@@ -5205,17 +5293,110 @@
                 </a:solidFill>
                 <a:cs typeface="ＭＳ Ｐゴシック" charset="0"/>
               </a:rPr>
-              <a:t>Within the first week of the semester </a:t>
-            </a:r>
-            <a:r>
-              <a:rPr lang="en-GB" altLang="da-DK" sz="1800" b="1" dirty="0" smtClean="0">
+              <a:t>Within the first week of the semester each group makes a bachelor project contract, which is a 1-3 page document containing</a:t>
+            </a:r>
+          </a:p>
+          <a:p>
+            <a:pPr marL="728663" lvl="1" indent="-271463">
+              <a:spcBef>
+                <a:spcPts val="300"/>
+              </a:spcBef>
+            </a:pPr>
+            <a:r>
+              <a:rPr lang="en-GB" altLang="da-DK" sz="1600" dirty="0"/>
+              <a:t>Provisional title, advisor, group members, language, word processing tool and other tools to be used in the project</a:t>
+            </a:r>
+          </a:p>
+          <a:p>
+            <a:pPr marL="728663" lvl="1" indent="-271463">
+              <a:spcBef>
+                <a:spcPts val="300"/>
+              </a:spcBef>
+            </a:pPr>
+            <a:r>
+              <a:rPr lang="en-GB" altLang="da-DK" sz="1600" dirty="0"/>
+              <a:t>A short description of your project (10-20 lines, which may be a slightly modified version of the project proposal)</a:t>
+            </a:r>
+          </a:p>
+          <a:p>
+            <a:pPr marL="728663" lvl="1" indent="-271463">
+              <a:spcBef>
+                <a:spcPts val="300"/>
+              </a:spcBef>
+            </a:pPr>
+            <a:r>
+              <a:rPr lang="en-GB" altLang="da-DK" sz="1600" dirty="0"/>
+              <a:t>Provisional table of contents with a number of sections (corresponding to work tasks), and the proposed number of pages for each section</a:t>
+            </a:r>
+          </a:p>
+          <a:p>
+            <a:pPr marL="728663" lvl="1" indent="-271463">
+              <a:spcBef>
+                <a:spcPts val="300"/>
+              </a:spcBef>
+            </a:pPr>
+            <a:r>
+              <a:rPr lang="en-GB" altLang="da-DK" sz="1600" dirty="0"/>
+              <a:t>A time plan describing when the different work tasks should be finished</a:t>
+            </a:r>
+          </a:p>
+          <a:p>
+            <a:pPr marL="271463" lvl="1" indent="-271463">
+              <a:spcBef>
+                <a:spcPts val="1200"/>
+              </a:spcBef>
+              <a:buChar char="•"/>
+            </a:pPr>
+            <a:r>
+              <a:rPr lang="en-GB" altLang="da-DK" sz="1800" b="1" dirty="0">
                 <a:solidFill>
                   <a:srgbClr val="A50021"/>
                 </a:solidFill>
                 <a:cs typeface="ＭＳ Ｐゴシック" charset="0"/>
               </a:rPr>
-              <a:t>each group makes </a:t>
-            </a:r>
+              <a:t>The contract helps you to</a:t>
+            </a:r>
+          </a:p>
+          <a:p>
+            <a:pPr marL="728663" lvl="1" indent="-271463">
+              <a:spcBef>
+                <a:spcPts val="300"/>
+              </a:spcBef>
+            </a:pPr>
+            <a:r>
+              <a:rPr lang="en-GB" altLang="da-DK" sz="1600" dirty="0"/>
+              <a:t>organise your work in a suitable way, so that you achieve a good final result</a:t>
+            </a:r>
+          </a:p>
+          <a:p>
+            <a:pPr marL="728663" lvl="1" indent="-271463">
+              <a:spcBef>
+                <a:spcPts val="300"/>
+              </a:spcBef>
+            </a:pPr>
+            <a:r>
+              <a:rPr lang="en-GB" altLang="da-DK" sz="1600" dirty="0"/>
+              <a:t>adjust expectations between individual group members, and between the group and the advisor</a:t>
+            </a:r>
+          </a:p>
+          <a:p>
+            <a:pPr marL="728663" lvl="1" indent="-271463">
+              <a:spcBef>
+                <a:spcPts val="300"/>
+              </a:spcBef>
+            </a:pPr>
+            <a:r>
+              <a:rPr lang="en-GB" altLang="da-DK" sz="1600" dirty="0"/>
+              <a:t>make an informed judgement of how much you will be able to do within your project</a:t>
+            </a:r>
+          </a:p>
+          <a:p>
+            <a:pPr marL="271463" lvl="1" indent="-271463">
+              <a:spcBef>
+                <a:spcPts val="1200"/>
+              </a:spcBef>
+              <a:buChar char="•"/>
+            </a:pPr>
             <a:r>
               <a:rPr lang="en-GB" altLang="da-DK" sz="1800" b="1" dirty="0">
                 <a:solidFill>
@@ -5223,16 +5404,42 @@
                 </a:solidFill>
                 <a:cs typeface="ＭＳ Ｐゴシック" charset="0"/>
               </a:rPr>
-              <a:t>a </a:t>
-            </a:r>
-            <a:r>
-              <a:rPr lang="en-GB" altLang="da-DK" sz="1800" b="1" dirty="0" smtClean="0">
+              <a:t>Having 4½ months may seem as "infinite time"</a:t>
+            </a:r>
+          </a:p>
+          <a:p>
+            <a:pPr marL="728663" lvl="1" indent="-271463">
+              <a:spcBef>
+                <a:spcPts val="300"/>
+              </a:spcBef>
+            </a:pPr>
+            <a:r>
+              <a:rPr lang="en-GB" altLang="da-DK" sz="1600" dirty="0"/>
+              <a:t>But with 4 work tasks and time to write the introduction and summary, plus time to collect existing drafts of sections into the final report, you actually have at most</a:t>
+            </a:r>
+            <a:br>
+              <a:rPr lang="en-GB" altLang="da-DK" sz="1600" dirty="0"/>
+            </a:br>
+            <a:r>
+              <a:rPr lang="en-GB" altLang="da-DK" sz="1600" dirty="0"/>
+              <a:t>2 full time weeks per work task</a:t>
+            </a:r>
+          </a:p>
+          <a:p>
+            <a:pPr marL="271463" lvl="1" indent="-271463">
+              <a:spcBef>
+                <a:spcPts val="1200"/>
+              </a:spcBef>
+              <a:buChar char="•"/>
+            </a:pPr>
+            <a:r>
+              <a:rPr lang="en-GB" altLang="da-DK" sz="1800" b="1" spc="-100" dirty="0">
                 <a:solidFill>
                   <a:srgbClr val="A50021"/>
                 </a:solidFill>
                 <a:cs typeface="ＭＳ Ｐゴシック" charset="0"/>
               </a:rPr>
-              <a:t>bachelor project contract, which is a 1-3 page document containing</a:t>
+              <a:t>It is a good idea to update the contract with regular intervals during your project</a:t>
             </a:r>
           </a:p>
           <a:p>
@@ -5241,10 +5448,7 @@
                 <a:spcPts val="300"/>
               </a:spcBef>
             </a:pPr>
-            <a:r>
-              <a:rPr lang="en-GB" altLang="da-DK" sz="1600" dirty="0" smtClean="0"/>
-              <a:t>Provisional title, advisor, group members, language, word processing tool and other tools to be used in the project</a:t>
-            </a:r>
+            <a:endParaRPr lang="en-GB" altLang="da-DK" sz="1600" dirty="0"/>
           </a:p>
           <a:p>
             <a:pPr marL="728663" lvl="1" indent="-271463">
@@ -5252,10 +5456,7 @@
                 <a:spcPts val="300"/>
               </a:spcBef>
             </a:pPr>
-            <a:r>
-              <a:rPr lang="en-GB" altLang="da-DK" sz="1600" dirty="0" smtClean="0"/>
-              <a:t>A short description of your project (10-20 lines, which may be a slightly modified version of the project proposal)</a:t>
-            </a:r>
+            <a:endParaRPr lang="en-GB" altLang="da-DK" sz="1600" dirty="0"/>
           </a:p>
           <a:p>
             <a:pPr marL="728663" lvl="1" indent="-271463">
@@ -5263,10 +5464,7 @@
                 <a:spcPts val="300"/>
               </a:spcBef>
             </a:pPr>
-            <a:r>
-              <a:rPr lang="en-GB" altLang="da-DK" sz="1600" dirty="0" smtClean="0"/>
-              <a:t>Provisional table of contents with a number of sections (corresponding to work tasks), and the proposed number of pages for each section</a:t>
-            </a:r>
+            <a:endParaRPr lang="en-GB" altLang="da-DK" sz="1600" dirty="0"/>
           </a:p>
           <a:p>
             <a:pPr marL="728663" lvl="1" indent="-271463">
@@ -5274,149 +5472,7 @@
                 <a:spcPts val="300"/>
               </a:spcBef>
             </a:pPr>
-            <a:r>
-              <a:rPr lang="en-GB" altLang="da-DK" sz="1600" dirty="0" smtClean="0"/>
-              <a:t>A time plan describing when the different work tasks should be finished</a:t>
-            </a:r>
-          </a:p>
-          <a:p>
-            <a:pPr marL="271463" lvl="1" indent="-271463">
-              <a:spcBef>
-                <a:spcPts val="1200"/>
-              </a:spcBef>
-              <a:buChar char="•"/>
-            </a:pPr>
-            <a:r>
-              <a:rPr lang="en-GB" altLang="da-DK" sz="1800" b="1" dirty="0" smtClean="0">
-                <a:solidFill>
-                  <a:srgbClr val="A50021"/>
-                </a:solidFill>
-                <a:cs typeface="ＭＳ Ｐゴシック" charset="0"/>
-              </a:rPr>
-              <a:t>The contract helps you to</a:t>
-            </a:r>
-          </a:p>
-          <a:p>
-            <a:pPr marL="728663" lvl="1" indent="-271463">
-              <a:spcBef>
-                <a:spcPts val="300"/>
-              </a:spcBef>
-            </a:pPr>
-            <a:r>
-              <a:rPr lang="en-GB" altLang="da-DK" sz="1600" dirty="0" smtClean="0"/>
-              <a:t>organise your work in a suitable way, so that you achieve a good final result</a:t>
-            </a:r>
-          </a:p>
-          <a:p>
-            <a:pPr marL="728663" lvl="1" indent="-271463">
-              <a:spcBef>
-                <a:spcPts val="300"/>
-              </a:spcBef>
-            </a:pPr>
-            <a:r>
-              <a:rPr lang="en-GB" altLang="da-DK" sz="1600" dirty="0" smtClean="0"/>
-              <a:t>adjust expectations between individual group members, and between the group and the advisor</a:t>
-            </a:r>
-          </a:p>
-          <a:p>
-            <a:pPr marL="728663" lvl="1" indent="-271463">
-              <a:spcBef>
-                <a:spcPts val="300"/>
-              </a:spcBef>
-            </a:pPr>
-            <a:r>
-              <a:rPr lang="en-GB" altLang="da-DK" sz="1600" dirty="0"/>
-              <a:t>m</a:t>
-            </a:r>
-            <a:r>
-              <a:rPr lang="en-GB" altLang="da-DK" sz="1600" dirty="0" smtClean="0"/>
-              <a:t>ake an informed judgement of how much you will be able to do within your project</a:t>
-            </a:r>
-            <a:endParaRPr lang="en-GB" altLang="da-DK" sz="1600" dirty="0"/>
-          </a:p>
-          <a:p>
-            <a:pPr marL="271463" lvl="1" indent="-271463">
-              <a:spcBef>
-                <a:spcPts val="1200"/>
-              </a:spcBef>
-              <a:buChar char="•"/>
-            </a:pPr>
-            <a:r>
-              <a:rPr lang="en-GB" altLang="da-DK" sz="1800" b="1" dirty="0" smtClean="0">
-                <a:solidFill>
-                  <a:srgbClr val="A50021"/>
-                </a:solidFill>
-                <a:cs typeface="ＭＳ Ｐゴシック" charset="0"/>
-              </a:rPr>
-              <a:t>Having 4½ months may </a:t>
-            </a:r>
-            <a:r>
-              <a:rPr lang="en-GB" altLang="da-DK" sz="1800" b="1" dirty="0">
-                <a:solidFill>
-                  <a:srgbClr val="A50021"/>
-                </a:solidFill>
-                <a:cs typeface="ＭＳ Ｐゴシック" charset="0"/>
-              </a:rPr>
-              <a:t>seem as </a:t>
-            </a:r>
-            <a:r>
-              <a:rPr lang="en-GB" altLang="da-DK" sz="1800" b="1" dirty="0" smtClean="0">
-                <a:solidFill>
-                  <a:srgbClr val="A50021"/>
-                </a:solidFill>
-                <a:cs typeface="ＭＳ Ｐゴシック" charset="0"/>
-              </a:rPr>
-              <a:t>"infinite </a:t>
-            </a:r>
-            <a:r>
-              <a:rPr lang="en-GB" altLang="da-DK" sz="1800" b="1" dirty="0">
-                <a:solidFill>
-                  <a:srgbClr val="A50021"/>
-                </a:solidFill>
-                <a:cs typeface="ＭＳ Ｐゴシック" charset="0"/>
-              </a:rPr>
-              <a:t>time"</a:t>
-            </a:r>
-          </a:p>
-          <a:p>
-            <a:pPr marL="728663" lvl="1" indent="-271463">
-              <a:spcBef>
-                <a:spcPts val="300"/>
-              </a:spcBef>
-            </a:pPr>
-            <a:r>
-              <a:rPr lang="en-GB" altLang="da-DK" sz="1600" dirty="0"/>
-              <a:t>B</a:t>
-            </a:r>
-            <a:r>
-              <a:rPr lang="en-GB" altLang="da-DK" sz="1600" dirty="0" smtClean="0"/>
-              <a:t>ut with 4 work tasks and time to write the introduction and summary, plus time to collect existing drafts of sections into the final report, you actually have at most</a:t>
-            </a:r>
-            <a:br>
-              <a:rPr lang="en-GB" altLang="da-DK" sz="1600" dirty="0" smtClean="0"/>
-            </a:br>
-            <a:r>
-              <a:rPr lang="en-GB" altLang="da-DK" sz="1600" dirty="0" smtClean="0"/>
-              <a:t>2 full time weeks per work task</a:t>
-            </a:r>
-          </a:p>
-          <a:p>
-            <a:pPr marL="271463" lvl="1" indent="-271463">
-              <a:spcBef>
-                <a:spcPts val="1200"/>
-              </a:spcBef>
-              <a:buChar char="•"/>
-            </a:pPr>
-            <a:r>
-              <a:rPr lang="en-GB" altLang="da-DK" sz="1800" b="1" spc="-100" dirty="0" smtClean="0">
-                <a:solidFill>
-                  <a:srgbClr val="A50021"/>
-                </a:solidFill>
-                <a:cs typeface="ＭＳ Ｐゴシック" charset="0"/>
-              </a:rPr>
-              <a:t>It is a good idea to update the contract with regular intervals during your project</a:t>
-            </a:r>
-            <a:endParaRPr lang="en-GB" altLang="da-DK" sz="1800" b="1" spc="-100" dirty="0">
+            <a:endParaRPr lang="en-GB" altLang="da-DK" sz="1600" b="1" dirty="0">
               <a:solidFill>
                 <a:srgbClr val="A50021"/>
               </a:solidFill>
@@ -5429,31 +5485,7 @@
                 <a:spcPts val="300"/>
               </a:spcBef>
             </a:pPr>
-            <a:endParaRPr lang="en-GB" altLang="da-DK" sz="1600" dirty="0"/>
-          </a:p>
-          <a:p>
-            <a:pPr marL="728663" lvl="1" indent="-271463">
-              <a:spcBef>
-                <a:spcPts val="300"/>
-              </a:spcBef>
-            </a:pPr>
-            <a:endParaRPr lang="en-GB" altLang="da-DK" sz="1600" dirty="0" smtClean="0"/>
-          </a:p>
-          <a:p>
-            <a:pPr marL="728663" lvl="1" indent="-271463">
-              <a:spcBef>
-                <a:spcPts val="300"/>
-              </a:spcBef>
-            </a:pPr>
-            <a:endParaRPr lang="en-GB" altLang="da-DK" sz="1600" dirty="0" smtClean="0"/>
-          </a:p>
-          <a:p>
-            <a:pPr marL="728663" lvl="1" indent="-271463">
-              <a:spcBef>
-                <a:spcPts val="300"/>
-              </a:spcBef>
-            </a:pPr>
-            <a:endParaRPr lang="en-GB" altLang="da-DK" sz="1600" b="1" dirty="0" smtClean="0">
+            <a:endParaRPr lang="en-GB" altLang="da-DK" sz="1800" b="1" dirty="0">
               <a:solidFill>
                 <a:srgbClr val="A50021"/>
               </a:solidFill>
@@ -5466,20 +5498,7 @@
                 <a:spcPts val="300"/>
               </a:spcBef>
             </a:pPr>
-            <a:endParaRPr lang="en-GB" altLang="da-DK" sz="1800" b="1" dirty="0" smtClean="0">
-              <a:solidFill>
-                <a:srgbClr val="A50021"/>
-              </a:solidFill>
-              <a:cs typeface="ＭＳ Ｐゴシック" charset="0"/>
-            </a:endParaRPr>
-          </a:p>
-          <a:p>
-            <a:pPr marL="728663" lvl="1" indent="-271463">
-              <a:spcBef>
-                <a:spcPts val="300"/>
-              </a:spcBef>
-            </a:pPr>
-            <a:endParaRPr lang="en-GB" altLang="da-DK" sz="1600" dirty="0" smtClean="0"/>
+            <a:endParaRPr lang="en-GB" altLang="da-DK" sz="1600" dirty="0"/>
           </a:p>
         </p:txBody>
       </p:sp>
@@ -5522,13 +5541,6 @@
   <p:clrMapOvr>
     <a:masterClrMapping/>
   </p:clrMapOvr>
-  <p:timing>
-    <p:tnLst>
-      <p:par>
-        <p:cTn id="1" dur="indefinite" restart="never" nodeType="tmRoot"/>
-      </p:par>
-    </p:tnLst>
-  </p:timing>
 </p:sld>
 </file>
 
@@ -5573,7 +5585,7 @@
               <a:defRPr/>
             </a:pPr>
             <a:r>
-              <a:rPr lang="en-GB" altLang="da-DK" sz="2800" dirty="0" smtClean="0"/>
+              <a:rPr lang="en-GB" altLang="da-DK" sz="2800" dirty="0"/>
               <a:t>Lectures</a:t>
             </a:r>
           </a:p>
@@ -5607,7 +5619,7 @@
               <a:buChar char="•"/>
             </a:pPr>
             <a:r>
-              <a:rPr lang="en-GB" altLang="da-DK" sz="1800" b="1" dirty="0" smtClean="0">
+              <a:rPr lang="en-GB" altLang="da-DK" sz="1800" b="1" dirty="0">
                 <a:solidFill>
                   <a:srgbClr val="A50021"/>
                 </a:solidFill>
@@ -5615,12 +5627,6 @@
               </a:rPr>
               <a:t>Week 5</a:t>
             </a:r>
-            <a:endParaRPr lang="en-GB" altLang="da-DK" sz="1800" b="1" dirty="0">
-              <a:solidFill>
-                <a:srgbClr val="A50021"/>
-              </a:solidFill>
-              <a:cs typeface="ＭＳ Ｐゴシック" charset="0"/>
-            </a:endParaRPr>
           </a:p>
           <a:p>
             <a:pPr marL="728663" lvl="1" indent="-271463">
@@ -5629,24 +5635,12 @@
               </a:spcBef>
             </a:pPr>
             <a:r>
-              <a:rPr lang="en-GB" altLang="da-DK" sz="1600" b="1" dirty="0" smtClean="0"/>
-              <a:t>How </a:t>
-            </a:r>
-            <a:r>
               <a:rPr lang="en-GB" altLang="da-DK" sz="1600" b="1" dirty="0"/>
-              <a:t>to make a useful </a:t>
-            </a:r>
-            <a:r>
-              <a:rPr lang="en-GB" altLang="da-DK" sz="1600" b="1" dirty="0" smtClean="0"/>
-              <a:t>bachelor project contract</a:t>
-            </a:r>
-            <a:r>
-              <a:rPr lang="en-GB" altLang="da-DK" sz="1600" dirty="0" smtClean="0"/>
-              <a:t> </a:t>
+              <a:t>How to make a useful bachelor project contract</a:t>
             </a:r>
             <a:r>
               <a:rPr lang="en-GB" altLang="da-DK" sz="1600" dirty="0"/>
-              <a:t>(by Kurt Jensen)</a:t>
+              <a:t> (by Kurt Jensen)</a:t>
             </a:r>
           </a:p>
           <a:p>
@@ -5656,24 +5650,8 @@
               </a:spcBef>
             </a:pPr>
             <a:r>
-              <a:rPr lang="en-GB" altLang="da-DK" sz="1600" dirty="0" smtClean="0"/>
-              <a:t>Followed by a </a:t>
-            </a:r>
-            <a:r>
               <a:rPr lang="en-GB" altLang="da-DK" sz="1600" dirty="0"/>
-              <a:t>meeting with </a:t>
-            </a:r>
-            <a:r>
-              <a:rPr lang="en-GB" altLang="da-DK" sz="1600" dirty="0" smtClean="0"/>
-              <a:t>the advisors from your </a:t>
-            </a:r>
-            <a:r>
-              <a:rPr lang="en-GB" altLang="da-DK" sz="1600" dirty="0"/>
-              <a:t>research </a:t>
-            </a:r>
-            <a:r>
-              <a:rPr lang="en-GB" altLang="da-DK" sz="1600" dirty="0" smtClean="0"/>
-              <a:t>group</a:t>
+              <a:t>Followed by a meeting with the advisors from your section</a:t>
             </a:r>
           </a:p>
           <a:p>
@@ -5684,7 +5662,7 @@
               <a:buChar char="•"/>
             </a:pPr>
             <a:r>
-              <a:rPr lang="en-US" altLang="da-DK" sz="1800" b="1" dirty="0" smtClean="0">
+              <a:rPr lang="en-US" altLang="da-DK" sz="1800" b="1" dirty="0">
                 <a:solidFill>
                   <a:srgbClr val="A50021"/>
                 </a:solidFill>
@@ -5692,12 +5670,6 @@
               </a:rPr>
               <a:t>Week 7</a:t>
             </a:r>
-            <a:endParaRPr lang="en-US" altLang="da-DK" sz="1800" b="1" dirty="0">
-              <a:solidFill>
-                <a:srgbClr val="A50021"/>
-              </a:solidFill>
-              <a:cs typeface="ＭＳ Ｐゴシック" charset="0"/>
-            </a:endParaRPr>
           </a:p>
           <a:p>
             <a:pPr marL="728663" lvl="1" indent="-271463">
@@ -5706,19 +5678,11 @@
               </a:spcBef>
             </a:pPr>
             <a:r>
-              <a:rPr lang="en-US" altLang="da-DK" sz="1600" b="1" spc="-30" dirty="0" smtClean="0"/>
-              <a:t>How </a:t>
-            </a:r>
-            <a:r>
               <a:rPr lang="en-US" altLang="da-DK" sz="1600" b="1" spc="-30" dirty="0"/>
-              <a:t>to write an academic </a:t>
-            </a:r>
-            <a:r>
-              <a:rPr lang="en-US" altLang="da-DK" sz="1600" b="1" spc="-30" dirty="0" smtClean="0"/>
-              <a:t>paper and make an oral presentation of it</a:t>
-            </a:r>
-            <a:r>
-              <a:rPr lang="en-US" altLang="da-DK" sz="1600" spc="-30" dirty="0" smtClean="0"/>
+              <a:t>How to write an academic paper and make an oral presentation of it</a:t>
+            </a:r>
+            <a:r>
+              <a:rPr lang="en-US" altLang="da-DK" sz="1600" spc="-30" dirty="0"/>
               <a:t> </a:t>
             </a:r>
             <a:r>
@@ -5734,7 +5698,7 @@
               <a:buChar char="•"/>
             </a:pPr>
             <a:r>
-              <a:rPr lang="en-US" altLang="da-DK" sz="1800" b="1" dirty="0" smtClean="0">
+              <a:rPr lang="en-US" altLang="da-DK" sz="1800" b="1" dirty="0">
                 <a:solidFill>
                   <a:srgbClr val="A50021"/>
                 </a:solidFill>
@@ -5742,12 +5706,6 @@
               </a:rPr>
               <a:t>Week 9</a:t>
             </a:r>
-            <a:endParaRPr lang="en-US" altLang="da-DK" sz="1800" b="1" dirty="0">
-              <a:solidFill>
-                <a:srgbClr val="A50021"/>
-              </a:solidFill>
-              <a:cs typeface="ＭＳ Ｐゴシック" charset="0"/>
-            </a:endParaRPr>
           </a:p>
           <a:p>
             <a:pPr marL="728663" lvl="1" indent="-271463">
@@ -5756,12 +5714,8 @@
               </a:spcBef>
             </a:pPr>
             <a:r>
-              <a:rPr lang="en-US" altLang="da-DK" sz="1600" b="1" dirty="0" smtClean="0"/>
-              <a:t>Publication </a:t>
-            </a:r>
-            <a:r>
               <a:rPr lang="en-US" altLang="da-DK" sz="1600" b="1" dirty="0"/>
-              <a:t>traditions and literature search</a:t>
+              <a:t>Publication traditions and literature search</a:t>
             </a:r>
             <a:r>
               <a:rPr lang="en-US" altLang="da-DK" sz="1600" dirty="0"/>
@@ -5776,7 +5730,7 @@
               <a:buChar char="•"/>
             </a:pPr>
             <a:r>
-              <a:rPr lang="en-US" altLang="da-DK" sz="1800" b="1" dirty="0" smtClean="0">
+              <a:rPr lang="en-US" altLang="da-DK" sz="1800" b="1" dirty="0">
                 <a:solidFill>
                   <a:srgbClr val="A50021"/>
                 </a:solidFill>
@@ -5784,12 +5738,6 @@
               </a:rPr>
               <a:t>Week 11</a:t>
             </a:r>
-            <a:endParaRPr lang="en-US" altLang="da-DK" sz="1800" b="1" dirty="0">
-              <a:solidFill>
-                <a:srgbClr val="A50021"/>
-              </a:solidFill>
-              <a:cs typeface="ＭＳ Ｐゴシック" charset="0"/>
-            </a:endParaRPr>
           </a:p>
           <a:p>
             <a:pPr marL="728663" lvl="1" indent="-271463">
@@ -5801,19 +5749,13 @@
               <a:rPr lang="en-US" altLang="da-DK" sz="1600" b="1" dirty="0"/>
               <a:t>Generative AI in bachelor projects (rules and possibilities)</a:t>
             </a:r>
-            <a:r>
-              <a:rPr lang="en-US" altLang="da-DK" sz="1600" dirty="0" smtClean="0"/>
-              <a:t> </a:t>
-            </a:r>
-            <a:r>
+            <a:br>
               <a:rPr lang="en-US" altLang="da-DK" sz="1600" dirty="0"/>
-              <a:t>(by </a:t>
-            </a:r>
-            <a:r>
-              <a:rPr lang="en-US" altLang="da-DK" sz="1600" dirty="0" smtClean="0"/>
-              <a:t>Niels Olof Bouvin)</a:t>
-            </a:r>
-            <a:endParaRPr lang="en-US" altLang="da-DK" sz="1600" dirty="0"/>
+            </a:br>
+            <a:r>
+              <a:rPr lang="en-US" altLang="da-DK" sz="1600" dirty="0"/>
+              <a:t>(by Clemens Nylandsted Klokmose)</a:t>
+            </a:r>
           </a:p>
           <a:p>
             <a:pPr marL="271463" lvl="1" indent="-271463">
@@ -5823,7 +5765,7 @@
               <a:buChar char="•"/>
             </a:pPr>
             <a:r>
-              <a:rPr lang="en-US" altLang="da-DK" sz="1800" b="1" dirty="0" smtClean="0">
+              <a:rPr lang="en-US" altLang="da-DK" sz="1800" b="1" dirty="0">
                 <a:solidFill>
                   <a:srgbClr val="A50021"/>
                 </a:solidFill>
@@ -5831,12 +5773,6 @@
               </a:rPr>
               <a:t>Week 13</a:t>
             </a:r>
-            <a:endParaRPr lang="en-US" altLang="da-DK" sz="1800" b="1" dirty="0">
-              <a:solidFill>
-                <a:srgbClr val="A50021"/>
-              </a:solidFill>
-              <a:cs typeface="ＭＳ Ｐゴシック" charset="0"/>
-            </a:endParaRPr>
           </a:p>
           <a:p>
             <a:pPr marL="728663" lvl="1" indent="-271463">
@@ -5845,18 +5781,13 @@
               </a:spcBef>
             </a:pPr>
             <a:r>
-              <a:rPr lang="en-US" altLang="da-DK" sz="1600" b="1" dirty="0" smtClean="0"/>
-              <a:t>How </a:t>
-            </a:r>
-            <a:r>
               <a:rPr lang="en-US" altLang="da-DK" sz="1600" b="1" dirty="0"/>
-              <a:t>to make proper charts and graphs</a:t>
+              <a:t>How to make proper charts and graphs</a:t>
             </a:r>
             <a:r>
               <a:rPr lang="en-US" altLang="da-DK" sz="1600" dirty="0"/>
               <a:t> (by Hans-Jörg Schulz)</a:t>
             </a:r>
-            <a:endParaRPr lang="en-US" altLang="da-DK" sz="1600" dirty="0" smtClean="0"/>
           </a:p>
           <a:p>
             <a:pPr marL="271463" lvl="1" indent="-271463">
@@ -5867,33 +5798,24 @@
               <a:buChar char="•"/>
             </a:pPr>
             <a:r>
-              <a:rPr lang="en-GB" altLang="da-DK" sz="1800" b="1" spc="-20" dirty="0" smtClean="0">
+              <a:rPr lang="en-GB" altLang="da-DK" sz="1800" b="1" spc="-20" dirty="0">
                 <a:solidFill>
                   <a:srgbClr val="A50021"/>
                 </a:solidFill>
                 <a:cs typeface="ＭＳ Ｐゴシック" charset="0"/>
               </a:rPr>
-              <a:t>If </a:t>
-            </a:r>
-            <a:r>
-              <a:rPr lang="en-GB" altLang="da-DK" sz="1800" b="1" spc="-20" dirty="0">
+              <a:t>If you have proposals for additional lectures (or other common activities), please send me a mail or make a posting on the </a:t>
+            </a:r>
+            <a:r>
+              <a:rPr lang="en-US" altLang="da-DK" sz="1800" b="1" spc="-20" dirty="0">
                 <a:solidFill>
                   <a:srgbClr val="A50021"/>
                 </a:solidFill>
                 <a:cs typeface="ＭＳ Ｐゴシック" charset="0"/>
               </a:rPr>
-              <a:t>you have proposals for additional lectures (or other common activities), please send me a mail or make a posting on the </a:t>
-            </a:r>
-            <a:r>
-              <a:rPr lang="en-US" altLang="da-DK" sz="1800" b="1" spc="-20" dirty="0" smtClean="0">
-                <a:solidFill>
-                  <a:srgbClr val="A50021"/>
-                </a:solidFill>
-                <a:cs typeface="ＭＳ Ｐゴシック" charset="0"/>
-              </a:rPr>
               <a:t>discussion forum</a:t>
             </a:r>
-            <a:endParaRPr lang="en-US" altLang="da-DK" sz="1600" spc="-20" dirty="0" smtClean="0"/>
+            <a:endParaRPr lang="en-US" altLang="da-DK" sz="1600" spc="-20" dirty="0"/>
           </a:p>
           <a:p>
             <a:pPr marL="728663" lvl="1" indent="-271463">
@@ -5944,13 +5866,6 @@
   <p:clrMapOvr>
     <a:masterClrMapping/>
   </p:clrMapOvr>
-  <p:timing>
-    <p:tnLst>
-      <p:par>
-        <p:cTn id="1" dur="indefinite" restart="never" nodeType="tmRoot"/>
-      </p:par>
-    </p:tnLst>
-  </p:timing>
 </p:sld>
 </file>
 
@@ -5995,7 +5910,7 @@
               <a:defRPr/>
             </a:pPr>
             <a:r>
-              <a:rPr lang="en-GB" altLang="da-DK" sz="2800" dirty="0" smtClean="0"/>
+              <a:rPr lang="en-GB" altLang="da-DK" sz="2800" dirty="0"/>
               <a:t>Brightspace page for the course</a:t>
             </a:r>
           </a:p>
@@ -6045,34 +5960,17 @@
               </a:spcBef>
             </a:pPr>
             <a:r>
-              <a:rPr lang="en-GB" altLang="da-DK" sz="1600" dirty="0" smtClean="0"/>
-              <a:t>Postings on “</a:t>
-            </a:r>
-            <a:r>
-              <a:rPr lang="en-GB" altLang="da-DK" sz="1600" noProof="1" smtClean="0"/>
-              <a:t>Vigtige meddelelser</a:t>
-            </a:r>
-            <a:r>
-              <a:rPr lang="en-GB" altLang="da-DK" sz="1600" dirty="0" smtClean="0"/>
-              <a:t>” (announcements) </a:t>
-            </a:r>
-            <a:r>
               <a:rPr lang="en-GB" altLang="da-DK" sz="1600" dirty="0"/>
-              <a:t>which contain important information </a:t>
-            </a:r>
-            <a:r>
-              <a:rPr lang="en-GB" altLang="da-DK" sz="1600" dirty="0" smtClean="0"/>
-              <a:t>from me about </a:t>
+              <a:t>Postings on </a:t>
+            </a:r>
+            <a:r>
+              <a:rPr lang="en-GB" altLang="da-DK" sz="1600" b="1" i="1" dirty="0"/>
+              <a:t>Announcements</a:t>
             </a:r>
             <a:r>
               <a:rPr lang="en-GB" altLang="da-DK" sz="1600" dirty="0"/>
-              <a:t>things you must remember to do </a:t>
-            </a:r>
-            <a:r>
-              <a:rPr lang="en-GB" altLang="da-DK" sz="1600" dirty="0" smtClean="0"/>
-              <a:t>(or avoid)</a:t>
-            </a:r>
-            <a:endParaRPr lang="en-GB" altLang="da-DK" sz="1600" dirty="0"/>
+              <a:t> which contain important information from me about things you must remember to do (or avoid)</a:t>
+            </a:r>
           </a:p>
           <a:p>
             <a:pPr marL="728663" lvl="1" indent="-271463">
@@ -6081,10 +5979,13 @@
               </a:spcBef>
             </a:pPr>
             <a:r>
-              <a:rPr lang="en-GB" altLang="da-DK" sz="1600" dirty="0" smtClean="0"/>
-              <a:t>Postings on the “Discussion forum”</a:t>
-            </a:r>
-            <a:endParaRPr lang="en-GB" altLang="da-DK" sz="1600" dirty="0"/>
+              <a:rPr lang="en-GB" altLang="da-DK" sz="1600" dirty="0"/>
+              <a:t>Postings on the </a:t>
+            </a:r>
+            <a:r>
+              <a:rPr lang="en-GB" altLang="da-DK" sz="1600" b="1" i="1" dirty="0"/>
+              <a:t>Discussions</a:t>
+            </a:r>
           </a:p>
           <a:p>
             <a:pPr marL="728663" lvl="1" indent="-271463">
@@ -6094,44 +5995,19 @@
             </a:pPr>
             <a:r>
               <a:rPr lang="en-GB" altLang="da-DK" sz="1600" dirty="0"/>
-              <a:t>Mails which I send to you via </a:t>
-            </a:r>
-            <a:r>
-              <a:rPr lang="en-GB" altLang="da-DK" sz="1600" dirty="0" smtClean="0"/>
-              <a:t>Brightspace (to </a:t>
-            </a:r>
+              <a:t>Mails which I send to you via Brightspace (to your AU mail account)</a:t>
+            </a:r>
+          </a:p>
+          <a:p>
+            <a:pPr marL="728663" lvl="1" indent="-271463">
+              <a:spcBef>
+                <a:spcPts val="300"/>
+              </a:spcBef>
+            </a:pPr>
             <a:r>
               <a:rPr lang="en-GB" altLang="da-DK" sz="1600" dirty="0"/>
-              <a:t>your AU mail account)</a:t>
-            </a:r>
-          </a:p>
-          <a:p>
-            <a:pPr marL="728663" lvl="1" indent="-271463">
-              <a:spcBef>
-                <a:spcPts val="300"/>
-              </a:spcBef>
-            </a:pPr>
-            <a:r>
-              <a:rPr lang="en-GB" altLang="da-DK" sz="1600" dirty="0" smtClean="0"/>
-              <a:t>If </a:t>
-            </a:r>
-            <a:r>
-              <a:rPr lang="en-GB" altLang="da-DK" sz="1600" dirty="0"/>
-              <a:t>you miss some of this information for a longer period of </a:t>
-            </a:r>
-            <a:r>
-              <a:rPr lang="en-GB" altLang="da-DK" sz="1600" dirty="0" smtClean="0"/>
-              <a:t>time, you may </a:t>
-            </a:r>
-            <a:r>
-              <a:rPr lang="en-GB" altLang="da-DK" sz="1600" dirty="0"/>
-              <a:t>get into serious </a:t>
-            </a:r>
-            <a:r>
-              <a:rPr lang="en-GB" altLang="da-DK" sz="1600" dirty="0" smtClean="0"/>
-              <a:t>problems (or loose valuable efforts/time) </a:t>
-            </a:r>
-            <a:endParaRPr lang="en-GB" altLang="da-DK" sz="1600" dirty="0"/>
+              <a:t>If you miss some of this information for a longer period of time, you may get into serious problems (or loose valuable efforts/time) </a:t>
+            </a:r>
           </a:p>
           <a:p>
             <a:pPr marL="271463" lvl="1" indent="-271463">
@@ -6141,42 +6017,24 @@
               <a:buChar char="•"/>
             </a:pPr>
             <a:r>
-              <a:rPr lang="en-GB" altLang="da-DK" sz="1800" b="1" dirty="0" smtClean="0">
+              <a:rPr lang="en-GB" altLang="da-DK" sz="1800" b="1" dirty="0">
                 <a:solidFill>
                   <a:srgbClr val="A50021"/>
                 </a:solidFill>
                 <a:cs typeface="ＭＳ Ｐゴシック" charset="0"/>
               </a:rPr>
-              <a:t>Each research group has a separate Brightspace subpage where </a:t>
-            </a:r>
-            <a:r>
-              <a:rPr lang="en-US" altLang="da-DK" sz="1800" b="1" dirty="0" smtClean="0">
+              <a:t>Each section has a separate Brightspace subpage where </a:t>
+            </a:r>
+            <a:r>
+              <a:rPr lang="en-US" altLang="da-DK" sz="1800" b="1" dirty="0">
                 <a:solidFill>
                   <a:srgbClr val="A50021"/>
                 </a:solidFill>
                 <a:cs typeface="ＭＳ Ｐゴシック" charset="0"/>
               </a:rPr>
-              <a:t>you </a:t>
-            </a:r>
-            <a:r>
-              <a:rPr lang="en-US" altLang="da-DK" sz="1800" b="1" dirty="0">
-                <a:solidFill>
-                  <a:srgbClr val="A50021"/>
-                </a:solidFill>
-                <a:cs typeface="ＭＳ Ｐゴシック" charset="0"/>
-              </a:rPr>
-              <a:t>can find different kinds of material from the research </a:t>
-            </a:r>
-            <a:r>
-              <a:rPr lang="en-US" altLang="da-DK" sz="1800" b="1" dirty="0" smtClean="0">
-                <a:solidFill>
-                  <a:srgbClr val="A50021"/>
-                </a:solidFill>
-                <a:cs typeface="ＭＳ Ｐゴシック" charset="0"/>
-              </a:rPr>
-              <a:t>group</a:t>
-            </a:r>
-            <a:endParaRPr lang="en-GB" altLang="da-DK" sz="1800" b="1" dirty="0" smtClean="0">
+              <a:t>you can find different kinds of material from the section</a:t>
+            </a:r>
+            <a:endParaRPr lang="en-GB" altLang="da-DK" sz="1800" b="1" dirty="0">
               <a:solidFill>
                 <a:srgbClr val="A50021"/>
               </a:solidFill>
@@ -6190,23 +6048,15 @@
               </a:spcBef>
             </a:pPr>
             <a:r>
-              <a:rPr lang="en-GB" altLang="da-DK" sz="1600" dirty="0" smtClean="0"/>
-              <a:t>You </a:t>
-            </a:r>
-            <a:r>
               <a:rPr lang="en-GB" altLang="da-DK" sz="1600" dirty="0"/>
-              <a:t>will find these pages under </a:t>
-            </a:r>
-            <a:r>
-              <a:rPr lang="en-GB" altLang="da-DK" sz="1600" dirty="0" smtClean="0"/>
-              <a:t>"</a:t>
-            </a:r>
-            <a:r>
-              <a:rPr lang="en-GB" altLang="da-DK" sz="1600" b="1" dirty="0" smtClean="0"/>
-              <a:t>Material from the individual research groups</a:t>
-            </a:r>
-            <a:r>
-              <a:rPr lang="en-GB" altLang="da-DK" sz="1600" dirty="0" smtClean="0"/>
+              <a:t>You will find these pages under "</a:t>
+            </a:r>
+            <a:r>
+              <a:rPr lang="en-GB" altLang="da-DK" sz="1600" b="1" dirty="0"/>
+              <a:t>Material from the individual sections</a:t>
+            </a:r>
+            <a:r>
+              <a:rPr lang="en-GB" altLang="da-DK" sz="1600" dirty="0"/>
               <a:t>“</a:t>
             </a:r>
           </a:p>
@@ -6217,9 +6067,14 @@
               </a:spcBef>
             </a:pPr>
             <a:r>
-              <a:rPr lang="en-GB" altLang="da-DK" sz="1600" dirty="0" smtClean="0"/>
-              <a:t>Most of these pages are empty, but 2-3 research groups use them</a:t>
-            </a:r>
+              <a:rPr lang="en-GB" altLang="da-DK" sz="1600" dirty="0"/>
+              <a:t>Not all sections use </a:t>
+            </a:r>
+            <a:r>
+              <a:rPr lang="en-GB" altLang="da-DK" sz="1600"/>
+              <a:t>these subpages</a:t>
+            </a:r>
+            <a:endParaRPr lang="en-GB" altLang="da-DK" sz="1600" dirty="0"/>
           </a:p>
         </p:txBody>
       </p:sp>
@@ -6262,13 +6117,6 @@
   <p:clrMapOvr>
     <a:masterClrMapping/>
   </p:clrMapOvr>
-  <p:timing>
-    <p:tnLst>
-      <p:par>
-        <p:cTn id="1" dur="indefinite" restart="never" nodeType="tmRoot"/>
-      </p:par>
-    </p:tnLst>
-  </p:timing>
 </p:sld>
 </file>
 
@@ -6311,13 +6159,13 @@
           <a:p>
             <a:pPr eaLnBrk="1" hangingPunct="1"/>
             <a:r>
-              <a:rPr lang="en-GB" altLang="da-DK" sz="2800" dirty="0" smtClean="0">
+              <a:rPr lang="en-GB" altLang="da-DK" sz="2800" dirty="0">
                 <a:ea typeface="ＭＳ Ｐゴシック" pitchFamily="34" charset="-128"/>
               </a:rPr>
               <a:t>That's</a:t>
             </a:r>
             <a:r>
-              <a:rPr lang="en-GB" altLang="da-DK" sz="3200" noProof="0" dirty="0" smtClean="0">
+              <a:rPr lang="en-GB" altLang="da-DK" sz="3200" noProof="0" dirty="0">
                 <a:ea typeface="ＭＳ Ｐゴシック" pitchFamily="34" charset="-128"/>
               </a:rPr>
               <a:t> all for now…                 … questions</a:t>
@@ -6937,10 +6785,9 @@
           <a:p>
             <a:pPr marL="271463" indent="-271463"/>
             <a:r>
-              <a:rPr lang="en-GB" altLang="da-DK" sz="2800" dirty="0" smtClean="0"/>
+              <a:rPr lang="en-GB" altLang="da-DK" sz="2800" dirty="0"/>
               <a:t>Number of students and workload</a:t>
             </a:r>
-            <a:endParaRPr lang="en-GB" altLang="da-DK" sz="2800" dirty="0"/>
           </a:p>
         </p:txBody>
       </p:sp>
@@ -7125,28 +6972,12 @@
               <a:buChar char="•"/>
             </a:pPr>
             <a:r>
-              <a:rPr lang="en-GB" altLang="da-DK" sz="1800" b="1" dirty="0" smtClean="0">
+              <a:rPr lang="en-GB" altLang="da-DK" sz="1800" b="1" dirty="0">
                 <a:solidFill>
                   <a:srgbClr val="A50021"/>
                 </a:solidFill>
               </a:rPr>
-              <a:t>There will be a total of </a:t>
-            </a:r>
-            <a:r>
-              <a:rPr lang="en-GB" altLang="da-DK" sz="1800" b="1" dirty="0" smtClean="0">
-                <a:solidFill>
-                  <a:srgbClr val="A50021"/>
-                </a:solidFill>
-              </a:rPr>
-              <a:t>119 </a:t>
-            </a:r>
-            <a:r>
-              <a:rPr lang="en-GB" altLang="da-DK" sz="1800" b="1" dirty="0" smtClean="0">
-                <a:solidFill>
-                  <a:srgbClr val="A50021"/>
-                </a:solidFill>
-              </a:rPr>
-              <a:t>students doing their cs / it bachelor project in the Spring of 2025</a:t>
+              <a:t>There will be a total of ??? students doing their cs / it bachelor project in the Spring of 2026</a:t>
             </a:r>
           </a:p>
           <a:p>
@@ -7156,18 +6987,18 @@
               </a:spcBef>
             </a:pPr>
             <a:r>
-              <a:rPr lang="en-GB" altLang="da-DK" sz="1600" dirty="0" smtClean="0"/>
+              <a:rPr lang="en-GB" altLang="da-DK" sz="1600" dirty="0"/>
               <a:t>Officially, there are three different bachelor project courses (one for </a:t>
             </a:r>
             <a:r>
-              <a:rPr lang="en-GB" altLang="da-DK" sz="1600" dirty="0" err="1" smtClean="0"/>
+              <a:rPr lang="en-GB" altLang="da-DK" sz="1600" dirty="0" err="1"/>
               <a:t>cs</a:t>
             </a:r>
             <a:r>
-              <a:rPr lang="en-GB" altLang="da-DK" sz="1600" dirty="0" smtClean="0"/>
+              <a:rPr lang="en-GB" altLang="da-DK" sz="1600" dirty="0"/>
               <a:t>, one for it and one for 10 ECTS projects), but in practice, they are organised as a single course with one Brightspace page and common lectures</a:t>
             </a:r>
-            <a:endParaRPr lang="en-GB" altLang="da-DK" sz="1600" dirty="0" smtClean="0">
+            <a:endParaRPr lang="en-GB" altLang="da-DK" sz="1600" dirty="0">
               <a:solidFill>
                 <a:srgbClr val="00B050"/>
               </a:solidFill>
@@ -7186,31 +7017,7 @@
                   <a:srgbClr val="A50021"/>
                 </a:solidFill>
               </a:rPr>
-              <a:t>The workload </a:t>
-            </a:r>
-            <a:r>
-              <a:rPr lang="en-GB" altLang="da-DK" sz="1800" b="1" dirty="0" smtClean="0">
-                <a:solidFill>
-                  <a:srgbClr val="A50021"/>
-                </a:solidFill>
-              </a:rPr>
-              <a:t>of the bachelor project is </a:t>
-            </a:r>
-            <a:r>
-              <a:rPr lang="en-GB" altLang="da-DK" sz="1800" b="1" dirty="0">
-                <a:solidFill>
-                  <a:srgbClr val="A50021"/>
-                </a:solidFill>
-              </a:rPr>
-              <a:t>15 </a:t>
-            </a:r>
-            <a:r>
-              <a:rPr lang="en-GB" altLang="da-DK" sz="1800" b="1" dirty="0" smtClean="0">
-                <a:solidFill>
-                  <a:srgbClr val="A50021"/>
-                </a:solidFill>
-              </a:rPr>
-              <a:t>ECTS (with a few exceptions)</a:t>
+              <a:t>The workload of the bachelor project is 15 ECTS (with a few exceptions)</a:t>
             </a:r>
           </a:p>
           <a:p>
@@ -7221,68 +7028,19 @@
             </a:pPr>
             <a:r>
               <a:rPr lang="en-GB" altLang="da-DK" sz="1600" dirty="0"/>
-              <a:t>In the first half of the </a:t>
-            </a:r>
-            <a:r>
-              <a:rPr lang="en-GB" altLang="da-DK" sz="1600" dirty="0" smtClean="0"/>
-              <a:t>semester, </a:t>
-            </a:r>
+              <a:t>In the first half of the semester, you are expected to spend 15 hours per week</a:t>
+            </a:r>
+          </a:p>
+          <a:p>
+            <a:pPr marL="728663" lvl="1" indent="-271463">
+              <a:spcBef>
+                <a:spcPts val="600"/>
+              </a:spcBef>
+            </a:pPr>
             <a:r>
               <a:rPr lang="en-GB" altLang="da-DK" sz="1600" dirty="0"/>
-              <a:t>you are expected to </a:t>
-            </a:r>
-            <a:r>
-              <a:rPr lang="en-GB" altLang="da-DK" sz="1600" dirty="0" smtClean="0"/>
-              <a:t>spend </a:t>
-            </a:r>
-            <a:r>
-              <a:rPr lang="en-GB" altLang="da-DK" sz="1600" dirty="0"/>
-              <a:t>15 hours per </a:t>
-            </a:r>
-            <a:r>
-              <a:rPr lang="en-GB" altLang="da-DK" sz="1600" dirty="0" smtClean="0"/>
-              <a:t>week</a:t>
-            </a:r>
-          </a:p>
-          <a:p>
-            <a:pPr marL="728663" lvl="1" indent="-271463">
-              <a:spcBef>
-                <a:spcPts val="600"/>
-              </a:spcBef>
-            </a:pPr>
-            <a:r>
-              <a:rPr lang="en-GB" altLang="da-DK" sz="1600" dirty="0"/>
-              <a:t>In the </a:t>
-            </a:r>
-            <a:r>
-              <a:rPr lang="en-GB" altLang="da-DK" sz="1600" dirty="0" smtClean="0"/>
-              <a:t>second </a:t>
-            </a:r>
-            <a:r>
-              <a:rPr lang="en-GB" altLang="da-DK" sz="1600" dirty="0"/>
-              <a:t>half of the </a:t>
-            </a:r>
-            <a:r>
-              <a:rPr lang="en-GB" altLang="da-DK" sz="1600" dirty="0" smtClean="0"/>
-              <a:t>semester, </a:t>
-            </a:r>
-            <a:r>
-              <a:rPr lang="en-GB" altLang="da-DK" sz="1600" dirty="0"/>
-              <a:t>you are expected to </a:t>
-            </a:r>
-            <a:r>
-              <a:rPr lang="en-GB" altLang="da-DK" sz="1600" dirty="0" smtClean="0"/>
-              <a:t>spend 30 </a:t>
-            </a:r>
-            <a:r>
-              <a:rPr lang="en-GB" altLang="da-DK" sz="1600" dirty="0"/>
-              <a:t>hours per </a:t>
-            </a:r>
-            <a:r>
-              <a:rPr lang="en-GB" altLang="da-DK" sz="1600" dirty="0" smtClean="0"/>
-              <a:t>week</a:t>
-            </a:r>
-            <a:endParaRPr lang="en-GB" altLang="da-DK" sz="1600" dirty="0"/>
+              <a:t>In the second half of the semester, you are expected to spend 30 hours per week</a:t>
+            </a:r>
           </a:p>
           <a:p>
             <a:pPr>
@@ -7344,13 +7102,6 @@
   <p:clrMapOvr>
     <a:masterClrMapping/>
   </p:clrMapOvr>
-  <p:timing>
-    <p:tnLst>
-      <p:par>
-        <p:cTn id="1" dur="indefinite" restart="never" nodeType="tmRoot"/>
-      </p:par>
-    </p:tnLst>
-  </p:timing>
 </p:sld>
 </file>
 
@@ -7390,7 +7141,7 @@
               <a:defRPr/>
             </a:pPr>
             <a:r>
-              <a:rPr lang="en-GB" altLang="da-DK" sz="2800" dirty="0" smtClean="0"/>
+              <a:rPr lang="en-GB" altLang="da-DK" sz="2800" dirty="0"/>
               <a:t>Advisors</a:t>
             </a:r>
           </a:p>
@@ -7421,16 +7172,8 @@
               <a:defRPr/>
             </a:pPr>
             <a:r>
-              <a:rPr lang="en-GB" altLang="da-DK" sz="1800" noProof="0" dirty="0" smtClean="0"/>
-              <a:t>It will be possible to make the bachelor projects within the following </a:t>
-            </a:r>
-            <a:r>
-              <a:rPr lang="en-GB" altLang="da-DK" sz="1800" noProof="0" dirty="0" smtClean="0"/>
-              <a:t>seven research </a:t>
-            </a:r>
-            <a:r>
-              <a:rPr lang="en-GB" altLang="da-DK" sz="1800" noProof="0" dirty="0" smtClean="0"/>
-              <a:t>groups</a:t>
+              <a:rPr lang="en-GB" altLang="da-DK" sz="1800" noProof="0" dirty="0"/>
+              <a:t>It will be possible to make the bachelor projects within the following four sections</a:t>
             </a:r>
           </a:p>
           <a:p>
@@ -7439,342 +7182,164 @@
                 <a:spcPts val="300"/>
               </a:spcBef>
             </a:pPr>
-            <a:r>
-              <a:rPr lang="en-US" sz="1600" kern="1200" dirty="0" smtClean="0">
-                <a:latin typeface="Arial" pitchFamily="34" charset="0"/>
-                <a:ea typeface="ＭＳ Ｐゴシック" pitchFamily="34" charset="-128"/>
-                <a:cs typeface="+mn-cs"/>
-              </a:rPr>
-              <a:t>Algorithms, Data Structures and Machine Learning (Chris </a:t>
-            </a:r>
             <a:r>
               <a:rPr lang="en-US" sz="1600" kern="1200" dirty="0">
                 <a:latin typeface="Arial" pitchFamily="34" charset="0"/>
                 <a:ea typeface="ＭＳ Ｐゴシック" pitchFamily="34" charset="-128"/>
                 <a:cs typeface="+mn-cs"/>
               </a:rPr>
-              <a:t>Rene </a:t>
-            </a:r>
-            <a:r>
-              <a:rPr lang="en-US" sz="1600" kern="1200" dirty="0" smtClean="0">
+              <a:t>Algorithms, Data Structures and Artificial Intelligence (ADA</a:t>
+            </a:r>
+          </a:p>
+          <a:p>
+            <a:pPr marL="728663" lvl="1" indent="-271463">
+              <a:spcBef>
+                <a:spcPts val="300"/>
+              </a:spcBef>
+            </a:pPr>
+            <a:r>
+              <a:rPr lang="en-US" sz="1600" kern="1200" dirty="0">
                 <a:latin typeface="Arial" pitchFamily="34" charset="0"/>
                 <a:ea typeface="ＭＳ Ｐゴシック" pitchFamily="34" charset="-128"/>
                 <a:cs typeface="+mn-cs"/>
               </a:rPr>
-              <a:t>Schwiegelshohn)</a:t>
-            </a:r>
-            <a:endParaRPr lang="en-US" sz="1600" kern="1200" dirty="0">
+              <a:t>Cryptography and Cybersecurity (CC).</a:t>
+            </a:r>
+          </a:p>
+          <a:p>
+            <a:pPr marL="728663" lvl="1" indent="-271463">
+              <a:spcBef>
+                <a:spcPts val="300"/>
+              </a:spcBef>
+            </a:pPr>
+            <a:r>
+              <a:rPr lang="en-US" sz="1600" kern="1200" dirty="0">
+                <a:latin typeface="Arial" pitchFamily="34" charset="0"/>
+                <a:ea typeface="ＭＳ Ｐゴシック" pitchFamily="34" charset="-128"/>
+                <a:cs typeface="+mn-cs"/>
+              </a:rPr>
+              <a:t>Human-Centered Computing (HCC).</a:t>
+            </a:r>
+          </a:p>
+          <a:p>
+            <a:pPr marL="728663" lvl="1" indent="-271463">
+              <a:spcBef>
+                <a:spcPts val="300"/>
+              </a:spcBef>
+            </a:pPr>
+            <a:r>
+              <a:rPr lang="en-US" sz="1600" kern="1200" dirty="0">
+                <a:latin typeface="Arial" pitchFamily="34" charset="0"/>
+                <a:ea typeface="ＭＳ Ｐゴシック" pitchFamily="34" charset="-128"/>
+                <a:cs typeface="+mn-cs"/>
+              </a:rPr>
+              <a:t>Programming Languages, Logic, and Software Security (PLS).</a:t>
+            </a:r>
+          </a:p>
+          <a:p>
+            <a:pPr marL="342900" lvl="1" indent="-342900" eaLnBrk="1" hangingPunct="1">
+              <a:spcBef>
+                <a:spcPts val="1800"/>
+              </a:spcBef>
+              <a:buChar char="•"/>
+              <a:defRPr/>
+            </a:pPr>
+            <a:r>
+              <a:rPr lang="en-US" sz="1800" b="1" dirty="0">
+                <a:solidFill>
+                  <a:srgbClr val="A50021"/>
+                </a:solidFill>
+                <a:cs typeface="ＭＳ Ｐゴシック" charset="0"/>
+              </a:rPr>
+              <a:t>The four sections have the following contact persons for bachelor projects</a:t>
+            </a:r>
+          </a:p>
+          <a:p>
+            <a:pPr marL="728663" lvl="1" indent="-271463">
+              <a:spcBef>
+                <a:spcPts val="300"/>
+              </a:spcBef>
+            </a:pPr>
+            <a:r>
+              <a:rPr lang="en-US" sz="1600" kern="1200" spc="-40" dirty="0">
+                <a:latin typeface="Arial" pitchFamily="34" charset="0"/>
+                <a:ea typeface="ＭＳ Ｐゴシック" pitchFamily="34" charset="-128"/>
+                <a:cs typeface="+mn-cs"/>
+              </a:rPr>
+              <a:t>ADA section: Chris Schwiegelshohn, Kristoffer Arnsfelt Hansen &amp; Akhil Arora</a:t>
+            </a:r>
+          </a:p>
+          <a:p>
+            <a:pPr marL="728663" lvl="1" indent="-271463">
+              <a:spcBef>
+                <a:spcPts val="300"/>
+              </a:spcBef>
+            </a:pPr>
+            <a:r>
+              <a:rPr lang="en-US" sz="1600" kern="1200" spc="-40" dirty="0">
+                <a:latin typeface="Arial" pitchFamily="34" charset="0"/>
+                <a:ea typeface="ＭＳ Ｐゴシック" pitchFamily="34" charset="-128"/>
+                <a:cs typeface="+mn-cs"/>
+              </a:rPr>
+              <a:t>CC section: Ivan Bjerre Damgård.</a:t>
+            </a:r>
+          </a:p>
+          <a:p>
+            <a:pPr marL="728663" lvl="1" indent="-271463">
+              <a:spcBef>
+                <a:spcPts val="300"/>
+              </a:spcBef>
+            </a:pPr>
+            <a:r>
+              <a:rPr lang="en-US" sz="1600" kern="1200" spc="-40" dirty="0">
+                <a:latin typeface="Arial" pitchFamily="34" charset="0"/>
+                <a:ea typeface="ＭＳ Ｐゴシック" pitchFamily="34" charset="-128"/>
+                <a:cs typeface="+mn-cs"/>
+              </a:rPr>
+              <a:t>HCC section: Eve Hoggan.</a:t>
+            </a:r>
+          </a:p>
+          <a:p>
+            <a:pPr marL="728663" lvl="1" indent="-271463">
+              <a:spcBef>
+                <a:spcPts val="300"/>
+              </a:spcBef>
+            </a:pPr>
+            <a:r>
+              <a:rPr lang="en-US" sz="1600" kern="1200" spc="-40" dirty="0">
+                <a:latin typeface="Arial" pitchFamily="34" charset="0"/>
+                <a:ea typeface="ＭＳ Ｐゴシック" pitchFamily="34" charset="-128"/>
+                <a:cs typeface="+mn-cs"/>
+              </a:rPr>
+              <a:t>PLS section: Andreas Pavlogiannis &amp; Jaco van de Pol.</a:t>
+            </a:r>
+          </a:p>
+          <a:p>
+            <a:pPr marL="728663" lvl="1" indent="-271463">
+              <a:spcBef>
+                <a:spcPts val="300"/>
+              </a:spcBef>
+            </a:pPr>
+            <a:endParaRPr lang="en-US" sz="1600" kern="1200" spc="-40" dirty="0">
               <a:latin typeface="Arial" pitchFamily="34" charset="0"/>
               <a:ea typeface="ＭＳ Ｐゴシック" pitchFamily="34" charset="-128"/>
               <a:cs typeface="+mn-cs"/>
             </a:endParaRPr>
           </a:p>
           <a:p>
-            <a:pPr marL="728663" lvl="1" indent="-271463">
+            <a:pPr marL="457200" lvl="1" indent="0">
               <a:spcBef>
                 <a:spcPts val="300"/>
               </a:spcBef>
-            </a:pPr>
-            <a:r>
-              <a:rPr lang="en-US" sz="1600" kern="1200" dirty="0" smtClean="0">
+              <a:buNone/>
+            </a:pPr>
+            <a:r>
+              <a:rPr lang="en-US" sz="1600" kern="1200" spc="-40" dirty="0">
                 <a:latin typeface="Arial" pitchFamily="34" charset="0"/>
                 <a:ea typeface="ＭＳ Ｐゴシック" pitchFamily="34" charset="-128"/>
-              </a:rPr>
-              <a:t>Collaboration </a:t>
-            </a:r>
-            <a:r>
-              <a:rPr lang="en-US" sz="1600" kern="1200" dirty="0">
-                <a:latin typeface="Arial" pitchFamily="34" charset="0"/>
-                <a:ea typeface="ＭＳ Ｐゴシック" pitchFamily="34" charset="-128"/>
-              </a:rPr>
-              <a:t>and Computer-Human Interaction </a:t>
-            </a:r>
-            <a:r>
-              <a:rPr lang="en-US" sz="1600" kern="1200" dirty="0" smtClean="0">
-                <a:latin typeface="Arial" pitchFamily="34" charset="0"/>
-                <a:ea typeface="ＭＳ Ｐゴシック" pitchFamily="34" charset="-128"/>
-              </a:rPr>
-              <a:t>(Eve Hoggan)</a:t>
-            </a:r>
-            <a:endParaRPr lang="en-US" sz="1600" kern="1200" dirty="0">
-              <a:latin typeface="Arial" pitchFamily="34" charset="0"/>
-              <a:ea typeface="ＭＳ Ｐゴシック" pitchFamily="34" charset="-128"/>
-            </a:endParaRPr>
-          </a:p>
-          <a:p>
-            <a:pPr marL="728663" lvl="1" indent="-271463">
-              <a:spcBef>
-                <a:spcPts val="300"/>
-              </a:spcBef>
-            </a:pPr>
-            <a:r>
-              <a:rPr lang="en-US" sz="1600" kern="1200" dirty="0" smtClean="0">
-                <a:latin typeface="Arial" pitchFamily="34" charset="0"/>
-                <a:ea typeface="ＭＳ Ｐゴシック" pitchFamily="34" charset="-128"/>
                 <a:cs typeface="+mn-cs"/>
               </a:rPr>
-              <a:t>Computational </a:t>
-            </a:r>
-            <a:r>
-              <a:rPr lang="en-US" sz="1600" kern="1200" dirty="0">
-                <a:latin typeface="Arial" pitchFamily="34" charset="0"/>
-                <a:ea typeface="ＭＳ Ｐゴシック" pitchFamily="34" charset="-128"/>
-                <a:cs typeface="+mn-cs"/>
-              </a:rPr>
-              <a:t>Complexity and Game </a:t>
-            </a:r>
-            <a:r>
-              <a:rPr lang="en-US" sz="1600" kern="1200" dirty="0" smtClean="0">
-                <a:latin typeface="Arial" pitchFamily="34" charset="0"/>
-                <a:ea typeface="ＭＳ Ｐゴシック" pitchFamily="34" charset="-128"/>
-                <a:cs typeface="+mn-cs"/>
-              </a:rPr>
-              <a:t>Theory </a:t>
-            </a:r>
-            <a:r>
-              <a:rPr lang="en-US" sz="1600" kern="1200" dirty="0">
-                <a:latin typeface="Arial" pitchFamily="34" charset="0"/>
-                <a:ea typeface="ＭＳ Ｐゴシック" pitchFamily="34" charset="-128"/>
-                <a:cs typeface="+mn-cs"/>
-              </a:rPr>
-              <a:t>(Kristoffer Arnsfelt Hansen) </a:t>
-            </a:r>
-          </a:p>
-          <a:p>
-            <a:pPr marL="728663" lvl="1" indent="-271463">
-              <a:spcBef>
-                <a:spcPts val="300"/>
-              </a:spcBef>
-            </a:pPr>
-            <a:r>
-              <a:rPr lang="en-US" sz="1600" kern="1200" dirty="0" smtClean="0">
-                <a:latin typeface="Arial" pitchFamily="34" charset="0"/>
-                <a:ea typeface="ＭＳ Ｐゴシック" pitchFamily="34" charset="-128"/>
-                <a:cs typeface="+mn-cs"/>
-              </a:rPr>
-              <a:t>Cryptography </a:t>
-            </a:r>
-            <a:r>
-              <a:rPr lang="en-US" sz="1600" kern="1200" dirty="0">
-                <a:latin typeface="Arial" pitchFamily="34" charset="0"/>
-                <a:ea typeface="ＭＳ Ｐゴシック" pitchFamily="34" charset="-128"/>
-                <a:cs typeface="+mn-cs"/>
-              </a:rPr>
-              <a:t>and </a:t>
-            </a:r>
-            <a:r>
-              <a:rPr lang="en-US" sz="1600" kern="1200" dirty="0" smtClean="0">
-                <a:latin typeface="Arial" pitchFamily="34" charset="0"/>
-                <a:ea typeface="ＭＳ Ｐゴシック" pitchFamily="34" charset="-128"/>
-                <a:cs typeface="+mn-cs"/>
-              </a:rPr>
-              <a:t>Security (Ivan </a:t>
-            </a:r>
-            <a:r>
-              <a:rPr lang="en-US" sz="1600" kern="1200" dirty="0">
-                <a:latin typeface="Arial" pitchFamily="34" charset="0"/>
-                <a:ea typeface="ＭＳ Ｐゴシック" pitchFamily="34" charset="-128"/>
-                <a:cs typeface="+mn-cs"/>
-              </a:rPr>
-              <a:t>Bjerre </a:t>
-            </a:r>
-            <a:r>
-              <a:rPr lang="en-US" sz="1600" kern="1200" dirty="0" smtClean="0">
-                <a:latin typeface="Arial" pitchFamily="34" charset="0"/>
-                <a:ea typeface="ＭＳ Ｐゴシック" pitchFamily="34" charset="-128"/>
-                <a:cs typeface="+mn-cs"/>
-              </a:rPr>
-              <a:t>Damgård)</a:t>
-            </a:r>
-            <a:endParaRPr lang="en-US" sz="1600" kern="1200" dirty="0">
-              <a:latin typeface="Arial" pitchFamily="34" charset="0"/>
-              <a:ea typeface="ＭＳ Ｐゴシック" pitchFamily="34" charset="-128"/>
-              <a:cs typeface="+mn-cs"/>
-            </a:endParaRPr>
-          </a:p>
-          <a:p>
-            <a:pPr marL="728663" lvl="1" indent="-271463">
-              <a:spcBef>
-                <a:spcPts val="300"/>
-              </a:spcBef>
-            </a:pPr>
-            <a:r>
-              <a:rPr lang="en-US" sz="1600" kern="1200" dirty="0">
-                <a:latin typeface="Arial" pitchFamily="34" charset="0"/>
-                <a:ea typeface="ＭＳ Ｐゴシック" pitchFamily="34" charset="-128"/>
-                <a:cs typeface="+mn-cs"/>
-              </a:rPr>
-              <a:t>Data-Intensive </a:t>
-            </a:r>
-            <a:r>
-              <a:rPr lang="en-US" sz="1600" kern="1200" dirty="0" smtClean="0">
-                <a:latin typeface="Arial" pitchFamily="34" charset="0"/>
-                <a:ea typeface="ＭＳ Ｐゴシック" pitchFamily="34" charset="-128"/>
-                <a:cs typeface="+mn-cs"/>
-              </a:rPr>
-              <a:t>Systems (</a:t>
-            </a:r>
-            <a:r>
-              <a:rPr lang="en-US" sz="1600" kern="1200" dirty="0" err="1" smtClean="0">
-                <a:latin typeface="Arial" pitchFamily="34" charset="0"/>
-                <a:ea typeface="ＭＳ Ｐゴシック" pitchFamily="34" charset="-128"/>
-                <a:cs typeface="+mn-cs"/>
-              </a:rPr>
-              <a:t>Akhil</a:t>
-            </a:r>
-            <a:r>
-              <a:rPr lang="en-US" sz="1600" kern="1200" dirty="0" smtClean="0">
-                <a:latin typeface="Arial" pitchFamily="34" charset="0"/>
-                <a:ea typeface="ＭＳ Ｐゴシック" pitchFamily="34" charset="-128"/>
-                <a:cs typeface="+mn-cs"/>
-              </a:rPr>
-              <a:t> Arora)</a:t>
-            </a:r>
-            <a:endParaRPr lang="en-US" sz="1600" kern="1200" dirty="0">
-              <a:latin typeface="Arial" pitchFamily="34" charset="0"/>
-              <a:ea typeface="ＭＳ Ｐゴシック" pitchFamily="34" charset="-128"/>
-              <a:cs typeface="+mn-cs"/>
-            </a:endParaRPr>
-          </a:p>
-          <a:p>
-            <a:pPr marL="728663" lvl="1" indent="-271463">
-              <a:spcBef>
-                <a:spcPts val="300"/>
-              </a:spcBef>
-            </a:pPr>
-            <a:r>
-              <a:rPr lang="en-US" sz="1600" kern="1200" spc="-70" dirty="0">
-                <a:latin typeface="Arial" pitchFamily="34" charset="0"/>
-                <a:ea typeface="ＭＳ Ｐゴシック" pitchFamily="34" charset="-128"/>
-                <a:cs typeface="+mn-cs"/>
-              </a:rPr>
-              <a:t>Logic and Semantics &amp; Programming </a:t>
-            </a:r>
-            <a:r>
-              <a:rPr lang="en-US" sz="1600" kern="1200" spc="-70" dirty="0" smtClean="0">
-                <a:latin typeface="Arial" pitchFamily="34" charset="0"/>
-                <a:ea typeface="ＭＳ Ｐゴシック" pitchFamily="34" charset="-128"/>
-                <a:cs typeface="+mn-cs"/>
-              </a:rPr>
-              <a:t>Languages (Andreas </a:t>
-            </a:r>
-            <a:r>
-              <a:rPr lang="en-US" sz="1600" kern="1200" spc="-70" dirty="0">
-                <a:latin typeface="Arial" pitchFamily="34" charset="0"/>
-                <a:ea typeface="ＭＳ Ｐゴシック" pitchFamily="34" charset="-128"/>
-                <a:cs typeface="+mn-cs"/>
-              </a:rPr>
-              <a:t>Pavlogiannis &amp; Jaco van de </a:t>
-            </a:r>
-            <a:r>
-              <a:rPr lang="en-US" sz="1600" kern="1200" spc="-70" dirty="0" smtClean="0">
-                <a:latin typeface="Arial" pitchFamily="34" charset="0"/>
-                <a:ea typeface="ＭＳ Ｐゴシック" pitchFamily="34" charset="-128"/>
-                <a:cs typeface="+mn-cs"/>
-              </a:rPr>
-              <a:t>Pol)</a:t>
-            </a:r>
-            <a:endParaRPr lang="en-US" sz="1600" kern="1200" spc="-70" dirty="0">
-              <a:latin typeface="Arial" pitchFamily="34" charset="0"/>
-              <a:ea typeface="ＭＳ Ｐゴシック" pitchFamily="34" charset="-128"/>
-              <a:cs typeface="+mn-cs"/>
-            </a:endParaRPr>
-          </a:p>
-          <a:p>
-            <a:pPr marL="728663" lvl="1" indent="-271463">
-              <a:spcBef>
-                <a:spcPts val="300"/>
-              </a:spcBef>
-            </a:pPr>
-            <a:r>
-              <a:rPr lang="en-US" sz="1600" kern="1200" dirty="0">
-                <a:latin typeface="Arial" pitchFamily="34" charset="0"/>
-                <a:ea typeface="ＭＳ Ｐゴシック" pitchFamily="34" charset="-128"/>
-                <a:cs typeface="+mn-cs"/>
-              </a:rPr>
-              <a:t>Ubiquitous Computing and </a:t>
-            </a:r>
-            <a:r>
-              <a:rPr lang="en-US" sz="1600" kern="1200" dirty="0" smtClean="0">
-                <a:latin typeface="Arial" pitchFamily="34" charset="0"/>
-                <a:ea typeface="ＭＳ Ｐゴシック" pitchFamily="34" charset="-128"/>
-                <a:cs typeface="+mn-cs"/>
-              </a:rPr>
-              <a:t>Interaction (Hans-Jörg Schulz)</a:t>
-            </a:r>
-          </a:p>
-          <a:p>
-            <a:pPr marL="728663" lvl="1" indent="-271463">
-              <a:spcBef>
-                <a:spcPts val="300"/>
-              </a:spcBef>
-            </a:pPr>
-            <a:endParaRPr lang="en-US" sz="1600" kern="1200" dirty="0">
-              <a:latin typeface="Arial" pitchFamily="34" charset="0"/>
-              <a:ea typeface="ＭＳ Ｐゴシック" pitchFamily="34" charset="-128"/>
-              <a:cs typeface="+mn-cs"/>
-            </a:endParaRPr>
-          </a:p>
-          <a:p>
-            <a:pPr marL="457200" lvl="1" indent="0">
-              <a:spcBef>
-                <a:spcPts val="300"/>
-              </a:spcBef>
-              <a:buNone/>
-            </a:pPr>
-            <a:r>
-              <a:rPr lang="en-US" sz="1600" kern="1200" dirty="0" smtClean="0">
-                <a:latin typeface="Arial" pitchFamily="34" charset="0"/>
-                <a:ea typeface="ＭＳ Ｐゴシック" pitchFamily="34" charset="-128"/>
-                <a:cs typeface="+mn-cs"/>
-              </a:rPr>
-              <a:t>It is no longer possible to make bachelor projects within </a:t>
-            </a:r>
-            <a:r>
-              <a:rPr lang="en-US" sz="1600" kern="1200" dirty="0" smtClean="0">
-                <a:latin typeface="Arial" pitchFamily="34" charset="0"/>
-                <a:ea typeface="ＭＳ Ｐゴシック" pitchFamily="34" charset="-128"/>
-                <a:cs typeface="+mn-cs"/>
-              </a:rPr>
-              <a:t>Bioinformatics</a:t>
-            </a:r>
-            <a:endParaRPr lang="en-US" sz="1600" kern="1200" dirty="0">
-              <a:latin typeface="Arial" pitchFamily="34" charset="0"/>
-              <a:ea typeface="ＭＳ Ｐゴシック" pitchFamily="34" charset="-128"/>
-              <a:cs typeface="+mn-cs"/>
-            </a:endParaRPr>
-          </a:p>
-          <a:p>
-            <a:pPr marL="342900" lvl="1" indent="-342900" eaLnBrk="1" hangingPunct="1">
-              <a:spcBef>
-                <a:spcPts val="1800"/>
-              </a:spcBef>
-              <a:buChar char="•"/>
-              <a:defRPr/>
-            </a:pPr>
-            <a:r>
-              <a:rPr lang="en-US" sz="1800" b="1" dirty="0">
-                <a:solidFill>
-                  <a:srgbClr val="A50021"/>
-                </a:solidFill>
-                <a:cs typeface="ＭＳ Ｐゴシック" charset="0"/>
-              </a:rPr>
-              <a:t>The person(s) in parenthesis is the point of contact for the research group</a:t>
-            </a:r>
-          </a:p>
-          <a:p>
-            <a:pPr marL="728663" lvl="1" indent="-271463">
-              <a:spcBef>
-                <a:spcPts val="300"/>
-              </a:spcBef>
-            </a:pPr>
-            <a:r>
-              <a:rPr lang="en-US" sz="1600" kern="1200" spc="-40" dirty="0" smtClean="0">
-                <a:latin typeface="Arial" pitchFamily="34" charset="0"/>
-                <a:ea typeface="ＭＳ Ｐゴシック" pitchFamily="34" charset="-128"/>
-                <a:cs typeface="+mn-cs"/>
-              </a:rPr>
-              <a:t>The actual advisor for a given project may be another person from the research group</a:t>
+              <a:t>The actual advisor for a given project may be another person from the section</a:t>
             </a:r>
             <a:endParaRPr lang="da-DK" sz="1600" kern="1200" spc="-40" dirty="0">
               <a:latin typeface="Arial" pitchFamily="34" charset="0"/>
@@ -7786,7 +7351,7 @@
             <a:pPr eaLnBrk="1" hangingPunct="1">
               <a:defRPr/>
             </a:pPr>
-            <a:endParaRPr lang="en-GB" altLang="da-DK" sz="2000" noProof="0" dirty="0" smtClean="0"/>
+            <a:endParaRPr lang="en-GB" altLang="da-DK" sz="2000" noProof="0" dirty="0"/>
           </a:p>
         </p:txBody>
       </p:sp>
@@ -7824,13 +7389,6 @@
   <p:clrMapOvr>
     <a:masterClrMapping/>
   </p:clrMapOvr>
-  <p:timing>
-    <p:tnLst>
-      <p:par>
-        <p:cTn id="1" dur="indefinite" restart="never" nodeType="tmRoot"/>
-      </p:par>
-    </p:tnLst>
-  </p:timing>
 </p:sld>
 </file>
 
@@ -7875,7 +7433,7 @@
               <a:defRPr/>
             </a:pPr>
             <a:r>
-              <a:rPr lang="en-GB" altLang="da-DK" sz="2800" dirty="0" smtClean="0"/>
+              <a:rPr lang="en-GB" altLang="da-DK" sz="2800" dirty="0"/>
               <a:t>Learning goals (from official course descriptions)</a:t>
             </a:r>
           </a:p>
@@ -7906,7 +7464,7 @@
               <a:defRPr/>
             </a:pPr>
             <a:r>
-              <a:rPr lang="en-GB" altLang="da-DK" sz="1800" noProof="0" dirty="0" smtClean="0"/>
+              <a:rPr lang="en-GB" altLang="da-DK" sz="1800" noProof="0" dirty="0"/>
               <a:t>Qualifications</a:t>
             </a:r>
           </a:p>
@@ -7917,35 +7475,35 @@
               </a:spcBef>
             </a:pPr>
             <a:r>
-              <a:rPr lang="en-GB" sz="1600" kern="1200" dirty="0" smtClean="0">
+              <a:rPr lang="en-GB" sz="1600" kern="1200" dirty="0">
                 <a:latin typeface="Arial" pitchFamily="34" charset="0"/>
                 <a:ea typeface="ＭＳ Ｐゴシック" pitchFamily="34" charset="-128"/>
               </a:rPr>
               <a:t>After the course you will have obtained </a:t>
             </a:r>
             <a:r>
-              <a:rPr lang="en-GB" sz="1600" b="1" kern="1200" dirty="0" smtClean="0">
+              <a:rPr lang="en-GB" sz="1600" b="1" kern="1200" dirty="0">
                 <a:latin typeface="Arial" pitchFamily="34" charset="0"/>
                 <a:ea typeface="ＭＳ Ｐゴシック" pitchFamily="34" charset="-128"/>
               </a:rPr>
               <a:t>detailed knowledge</a:t>
             </a:r>
             <a:r>
-              <a:rPr lang="en-GB" sz="1600" kern="1200" dirty="0" smtClean="0">
+              <a:rPr lang="en-GB" sz="1600" kern="1200" dirty="0">
                 <a:latin typeface="Arial" pitchFamily="34" charset="0"/>
                 <a:ea typeface="ＭＳ Ｐゴシック" pitchFamily="34" charset="-128"/>
               </a:rPr>
               <a:t> and practical experience with a </a:t>
             </a:r>
             <a:r>
-              <a:rPr lang="en-GB" sz="1600" b="1" kern="1200" dirty="0" smtClean="0">
+              <a:rPr lang="en-GB" sz="1600" b="1" kern="1200" dirty="0">
                 <a:latin typeface="Arial" pitchFamily="34" charset="0"/>
                 <a:ea typeface="ＭＳ Ｐゴシック" pitchFamily="34" charset="-128"/>
               </a:rPr>
               <a:t>specific area</a:t>
             </a:r>
             <a:r>
-              <a:rPr lang="en-GB" sz="1600" kern="1200" dirty="0" smtClean="0">
+              <a:rPr lang="en-GB" sz="1600" kern="1200" dirty="0">
                 <a:latin typeface="Arial" pitchFamily="34" charset="0"/>
                 <a:ea typeface="ＭＳ Ｐゴシック" pitchFamily="34" charset="-128"/>
               </a:rPr>
@@ -7959,63 +7517,63 @@
               </a:spcBef>
             </a:pPr>
             <a:r>
-              <a:rPr lang="en-GB" sz="1600" kern="1200" dirty="0" smtClean="0">
+              <a:rPr lang="en-GB" sz="1600" kern="1200" dirty="0">
                 <a:latin typeface="Arial" pitchFamily="34" charset="0"/>
                 <a:ea typeface="ＭＳ Ｐゴシック" pitchFamily="34" charset="-128"/>
               </a:rPr>
               <a:t>The course will train you in independently </a:t>
             </a:r>
             <a:r>
-              <a:rPr lang="en-GB" sz="1600" b="1" kern="1200" dirty="0" smtClean="0">
+              <a:rPr lang="en-GB" sz="1600" b="1" kern="1200" dirty="0">
                 <a:latin typeface="Arial" pitchFamily="34" charset="0"/>
                 <a:ea typeface="ＭＳ Ｐゴシック" pitchFamily="34" charset="-128"/>
               </a:rPr>
               <a:t>seeking information</a:t>
             </a:r>
             <a:r>
-              <a:rPr lang="en-GB" sz="1600" kern="1200" dirty="0" smtClean="0">
+              <a:rPr lang="en-GB" sz="1600" kern="1200" dirty="0">
                 <a:latin typeface="Arial" pitchFamily="34" charset="0"/>
                 <a:ea typeface="ＭＳ Ｐゴシック" pitchFamily="34" charset="-128"/>
               </a:rPr>
               <a:t>, </a:t>
             </a:r>
             <a:r>
-              <a:rPr lang="en-GB" sz="1600" b="1" kern="1200" dirty="0" smtClean="0">
+              <a:rPr lang="en-GB" sz="1600" b="1" kern="1200" dirty="0">
                 <a:latin typeface="Arial" pitchFamily="34" charset="0"/>
                 <a:ea typeface="ＭＳ Ｐゴシック" pitchFamily="34" charset="-128"/>
               </a:rPr>
               <a:t>planning</a:t>
             </a:r>
             <a:r>
-              <a:rPr lang="en-GB" sz="1600" kern="1200" dirty="0" smtClean="0">
+              <a:rPr lang="en-GB" sz="1600" kern="1200" dirty="0">
                 <a:latin typeface="Arial" pitchFamily="34" charset="0"/>
                 <a:ea typeface="ＭＳ Ｐゴシック" pitchFamily="34" charset="-128"/>
               </a:rPr>
               <a:t> and </a:t>
             </a:r>
             <a:r>
-              <a:rPr lang="en-GB" sz="1600" b="1" kern="1200" dirty="0" smtClean="0">
+              <a:rPr lang="en-GB" sz="1600" b="1" kern="1200" dirty="0">
                 <a:latin typeface="Arial" pitchFamily="34" charset="0"/>
                 <a:ea typeface="ＭＳ Ｐゴシック" pitchFamily="34" charset="-128"/>
               </a:rPr>
               <a:t>conducting</a:t>
             </a:r>
             <a:r>
-              <a:rPr lang="en-GB" sz="1600" kern="1200" dirty="0" smtClean="0">
+              <a:rPr lang="en-GB" sz="1600" kern="1200" dirty="0">
                 <a:latin typeface="Arial" pitchFamily="34" charset="0"/>
                 <a:ea typeface="ＭＳ Ｐゴシック" pitchFamily="34" charset="-128"/>
               </a:rPr>
               <a:t> a project, and </a:t>
             </a:r>
             <a:r>
-              <a:rPr lang="en-GB" sz="1600" b="1" kern="1200" dirty="0" smtClean="0">
+              <a:rPr lang="en-GB" sz="1600" b="1" kern="1200" dirty="0">
                 <a:latin typeface="Arial" pitchFamily="34" charset="0"/>
                 <a:ea typeface="ＭＳ Ｐゴシック" pitchFamily="34" charset="-128"/>
               </a:rPr>
               <a:t>communicating</a:t>
             </a:r>
             <a:r>
-              <a:rPr lang="en-GB" sz="1600" kern="1200" dirty="0" smtClean="0">
+              <a:rPr lang="en-GB" sz="1600" kern="1200" dirty="0">
                 <a:latin typeface="Arial" pitchFamily="34" charset="0"/>
                 <a:ea typeface="ＭＳ Ｐゴシック" pitchFamily="34" charset="-128"/>
               </a:rPr>
@@ -8029,14 +7587,14 @@
               </a:spcBef>
             </a:pPr>
             <a:r>
-              <a:rPr lang="en-GB" sz="1600" kern="1200" dirty="0" smtClean="0">
+              <a:rPr lang="en-GB" sz="1600" kern="1200" dirty="0">
                 <a:latin typeface="Arial" pitchFamily="34" charset="0"/>
                 <a:ea typeface="ＭＳ Ｐゴシック" pitchFamily="34" charset="-128"/>
               </a:rPr>
               <a:t>You will obtain experience in reading and understanding </a:t>
             </a:r>
             <a:r>
-              <a:rPr lang="en-GB" sz="1600" b="1" kern="1200" dirty="0" smtClean="0">
+              <a:rPr lang="en-GB" sz="1600" b="1" kern="1200" dirty="0">
                 <a:latin typeface="Arial" pitchFamily="34" charset="0"/>
                 <a:ea typeface="ＭＳ Ｐゴシック" pitchFamily="34" charset="-128"/>
               </a:rPr>
@@ -8050,7 +7608,7 @@
               </a:spcBef>
             </a:pPr>
             <a:r>
-              <a:rPr lang="en-GB" sz="1600" kern="1200" dirty="0" smtClean="0">
+              <a:rPr lang="en-GB" sz="1600" kern="1200" dirty="0">
                 <a:latin typeface="Arial" pitchFamily="34" charset="0"/>
                 <a:ea typeface="ＭＳ Ｐゴシック" pitchFamily="34" charset="-128"/>
               </a:rPr>
@@ -8064,35 +7622,35 @@
               </a:spcBef>
             </a:pPr>
             <a:r>
-              <a:rPr lang="en-GB" b="1" kern="1200" dirty="0" smtClean="0">
+              <a:rPr lang="en-GB" b="1" kern="1200" dirty="0">
                 <a:latin typeface="Arial" pitchFamily="34" charset="0"/>
                 <a:ea typeface="ＭＳ Ｐゴシック" pitchFamily="34" charset="-128"/>
               </a:rPr>
               <a:t>formulate</a:t>
             </a:r>
             <a:r>
-              <a:rPr lang="en-GB" kern="1200" dirty="0" smtClean="0">
+              <a:rPr lang="en-GB" kern="1200" dirty="0">
                 <a:latin typeface="Arial" pitchFamily="34" charset="0"/>
                 <a:ea typeface="ＭＳ Ｐゴシック" pitchFamily="34" charset="-128"/>
               </a:rPr>
               <a:t> a cs/it </a:t>
             </a:r>
             <a:r>
-              <a:rPr lang="en-GB" b="1" kern="1200" dirty="0" smtClean="0">
+              <a:rPr lang="en-GB" b="1" kern="1200" dirty="0">
                 <a:latin typeface="Arial" pitchFamily="34" charset="0"/>
                 <a:ea typeface="ＭＳ Ｐゴシック" pitchFamily="34" charset="-128"/>
               </a:rPr>
               <a:t>academic problem</a:t>
             </a:r>
             <a:r>
-              <a:rPr lang="en-GB" kern="1200" dirty="0" smtClean="0">
+              <a:rPr lang="en-GB" kern="1200" dirty="0">
                 <a:latin typeface="Arial" pitchFamily="34" charset="0"/>
                 <a:ea typeface="ＭＳ Ｐゴシック" pitchFamily="34" charset="-128"/>
               </a:rPr>
               <a:t> based on </a:t>
             </a:r>
             <a:r>
-              <a:rPr lang="en-GB" b="1" kern="1200" dirty="0" smtClean="0">
+              <a:rPr lang="en-GB" b="1" kern="1200" dirty="0">
                 <a:latin typeface="Arial" pitchFamily="34" charset="0"/>
                 <a:ea typeface="ＭＳ Ｐゴシック" pitchFamily="34" charset="-128"/>
               </a:rPr>
@@ -8106,35 +7664,35 @@
               </a:spcBef>
             </a:pPr>
             <a:r>
-              <a:rPr lang="en-GB" b="1" kern="1200" dirty="0" smtClean="0">
+              <a:rPr lang="en-GB" b="1" kern="1200" dirty="0">
                 <a:latin typeface="Arial" pitchFamily="34" charset="0"/>
                 <a:ea typeface="ＭＳ Ｐゴシック" pitchFamily="34" charset="-128"/>
               </a:rPr>
               <a:t>implement</a:t>
             </a:r>
             <a:r>
-              <a:rPr lang="en-GB" kern="1200" dirty="0" smtClean="0">
+              <a:rPr lang="en-GB" kern="1200" dirty="0">
                 <a:latin typeface="Arial" pitchFamily="34" charset="0"/>
                 <a:ea typeface="ＭＳ Ｐゴシック" pitchFamily="34" charset="-128"/>
               </a:rPr>
               <a:t> a </a:t>
             </a:r>
             <a:r>
-              <a:rPr lang="en-GB" b="1" kern="1200" dirty="0" smtClean="0">
+              <a:rPr lang="en-GB" b="1" kern="1200" dirty="0">
                 <a:latin typeface="Arial" pitchFamily="34" charset="0"/>
                 <a:ea typeface="ＭＳ Ｐゴシック" pitchFamily="34" charset="-128"/>
               </a:rPr>
               <a:t>written assignment</a:t>
             </a:r>
             <a:r>
-              <a:rPr lang="en-GB" kern="1200" dirty="0" smtClean="0">
+              <a:rPr lang="en-GB" kern="1200" dirty="0">
                 <a:latin typeface="Arial" pitchFamily="34" charset="0"/>
                 <a:ea typeface="ＭＳ Ｐゴシック" pitchFamily="34" charset="-128"/>
               </a:rPr>
               <a:t> during the use of cs/it academic </a:t>
             </a:r>
             <a:r>
-              <a:rPr lang="en-GB" b="1" kern="1200" dirty="0" smtClean="0">
+              <a:rPr lang="en-GB" b="1" kern="1200" dirty="0">
                 <a:latin typeface="Arial" pitchFamily="34" charset="0"/>
                 <a:ea typeface="ＭＳ Ｐゴシック" pitchFamily="34" charset="-128"/>
               </a:rPr>
@@ -8148,42 +7706,42 @@
               </a:spcBef>
             </a:pPr>
             <a:r>
-              <a:rPr lang="en-GB" b="1" kern="1200" dirty="0" smtClean="0">
+              <a:rPr lang="en-GB" b="1" kern="1200" dirty="0">
                 <a:latin typeface="Arial" pitchFamily="34" charset="0"/>
                 <a:ea typeface="ＭＳ Ｐゴシック" pitchFamily="34" charset="-128"/>
               </a:rPr>
               <a:t>apply</a:t>
             </a:r>
             <a:r>
-              <a:rPr lang="en-GB" kern="1200" dirty="0" smtClean="0">
+              <a:rPr lang="en-GB" kern="1200" dirty="0">
                 <a:latin typeface="Arial" pitchFamily="34" charset="0"/>
                 <a:ea typeface="ＭＳ Ｐゴシック" pitchFamily="34" charset="-128"/>
               </a:rPr>
               <a:t> cs/it </a:t>
             </a:r>
             <a:r>
-              <a:rPr lang="en-GB" b="1" kern="1200" dirty="0" smtClean="0">
+              <a:rPr lang="en-GB" b="1" kern="1200" dirty="0">
                 <a:latin typeface="Arial" pitchFamily="34" charset="0"/>
                 <a:ea typeface="ＭＳ Ｐゴシック" pitchFamily="34" charset="-128"/>
               </a:rPr>
               <a:t>theories</a:t>
             </a:r>
             <a:r>
-              <a:rPr lang="en-GB" kern="1200" dirty="0" smtClean="0">
+              <a:rPr lang="en-GB" kern="1200" dirty="0">
                 <a:latin typeface="Arial" pitchFamily="34" charset="0"/>
                 <a:ea typeface="ＭＳ Ｐゴシック" pitchFamily="34" charset="-128"/>
               </a:rPr>
               <a:t> and </a:t>
             </a:r>
             <a:r>
-              <a:rPr lang="en-GB" b="1" kern="1200" dirty="0" smtClean="0">
+              <a:rPr lang="en-GB" b="1" kern="1200" dirty="0">
                 <a:latin typeface="Arial" pitchFamily="34" charset="0"/>
                 <a:ea typeface="ＭＳ Ｐゴシック" pitchFamily="34" charset="-128"/>
               </a:rPr>
               <a:t>methods</a:t>
             </a:r>
             <a:r>
-              <a:rPr lang="en-GB" kern="1200" dirty="0" smtClean="0">
+              <a:rPr lang="en-GB" kern="1200" dirty="0">
                 <a:latin typeface="Arial" pitchFamily="34" charset="0"/>
                 <a:ea typeface="ＭＳ Ｐゴシック" pitchFamily="34" charset="-128"/>
               </a:rPr>
@@ -8197,35 +7755,35 @@
               </a:spcBef>
             </a:pPr>
             <a:r>
-              <a:rPr lang="en-GB" b="1" kern="1200" dirty="0" smtClean="0">
+              <a:rPr lang="en-GB" b="1" kern="1200" dirty="0">
                 <a:latin typeface="Arial" pitchFamily="34" charset="0"/>
                 <a:ea typeface="ＭＳ Ｐゴシック" pitchFamily="34" charset="-128"/>
               </a:rPr>
               <a:t>analyse</a:t>
             </a:r>
             <a:r>
-              <a:rPr lang="en-GB" kern="1200" dirty="0" smtClean="0">
+              <a:rPr lang="en-GB" kern="1200" dirty="0">
                 <a:latin typeface="Arial" pitchFamily="34" charset="0"/>
                 <a:ea typeface="ＭＳ Ｐゴシック" pitchFamily="34" charset="-128"/>
               </a:rPr>
               <a:t> a cs/it </a:t>
             </a:r>
             <a:r>
-              <a:rPr lang="en-GB" b="1" kern="1200" dirty="0" smtClean="0">
+              <a:rPr lang="en-GB" b="1" kern="1200" dirty="0">
                 <a:latin typeface="Arial" pitchFamily="34" charset="0"/>
                 <a:ea typeface="ＭＳ Ｐゴシック" pitchFamily="34" charset="-128"/>
               </a:rPr>
               <a:t>academic problem</a:t>
             </a:r>
             <a:r>
-              <a:rPr lang="en-GB" kern="1200" dirty="0" smtClean="0">
+              <a:rPr lang="en-GB" kern="1200" dirty="0">
                 <a:latin typeface="Arial" pitchFamily="34" charset="0"/>
                 <a:ea typeface="ＭＳ Ｐゴシック" pitchFamily="34" charset="-128"/>
               </a:rPr>
               <a:t> using </a:t>
             </a:r>
             <a:r>
-              <a:rPr lang="en-GB" b="1" kern="1200" dirty="0" smtClean="0">
+              <a:rPr lang="en-GB" b="1" kern="1200" dirty="0">
                 <a:latin typeface="Arial" pitchFamily="34" charset="0"/>
                 <a:ea typeface="ＭＳ Ｐゴシック" pitchFamily="34" charset="-128"/>
               </a:rPr>
@@ -8239,34 +7797,34 @@
               </a:spcBef>
             </a:pPr>
             <a:r>
-              <a:rPr lang="en-GB" b="1" kern="1200" dirty="0" smtClean="0">
+              <a:rPr lang="en-GB" b="1" kern="1200" dirty="0">
                 <a:latin typeface="Arial" pitchFamily="34" charset="0"/>
                 <a:ea typeface="ＭＳ Ｐゴシック" pitchFamily="34" charset="-128"/>
               </a:rPr>
               <a:t>discuss</a:t>
             </a:r>
             <a:r>
-              <a:rPr lang="en-GB" kern="1200" dirty="0" smtClean="0">
+              <a:rPr lang="en-GB" kern="1200" dirty="0">
                 <a:latin typeface="Arial" pitchFamily="34" charset="0"/>
                 <a:ea typeface="ＭＳ Ｐゴシック" pitchFamily="34" charset="-128"/>
               </a:rPr>
               <a:t> and put in </a:t>
             </a:r>
             <a:r>
-              <a:rPr lang="en-GB" b="1" kern="1200" dirty="0" smtClean="0">
+              <a:rPr lang="en-GB" b="1" kern="1200" dirty="0">
                 <a:latin typeface="Arial" pitchFamily="34" charset="0"/>
                 <a:ea typeface="ＭＳ Ｐゴシック" pitchFamily="34" charset="-128"/>
               </a:rPr>
               <a:t>perspective</a:t>
             </a:r>
             <a:r>
-              <a:rPr lang="en-GB" kern="1200" dirty="0" smtClean="0">
+              <a:rPr lang="en-GB" kern="1200" dirty="0">
                 <a:latin typeface="Arial" pitchFamily="34" charset="0"/>
                 <a:ea typeface="ＭＳ Ｐゴシック" pitchFamily="34" charset="-128"/>
               </a:rPr>
               <a:t> a cs/it academic problem</a:t>
             </a:r>
-            <a:endParaRPr lang="en-GB" sz="1200" kern="1200" dirty="0" smtClean="0">
+            <a:endParaRPr lang="en-GB" sz="1200" kern="1200" dirty="0">
               <a:latin typeface="Arial" pitchFamily="34" charset="0"/>
               <a:ea typeface="ＭＳ Ｐゴシック" pitchFamily="34" charset="-128"/>
             </a:endParaRPr>
@@ -8279,7 +7837,7 @@
               <a:defRPr/>
             </a:pPr>
             <a:r>
-              <a:rPr lang="en-GB" sz="1800" b="1" dirty="0" smtClean="0">
+              <a:rPr lang="en-GB" sz="1800" b="1" dirty="0">
                 <a:solidFill>
                   <a:srgbClr val="A50021"/>
                 </a:solidFill>
@@ -8295,49 +7853,49 @@
               </a:spcBef>
             </a:pPr>
             <a:r>
-              <a:rPr lang="en-GB" sz="1600" kern="1200" dirty="0" smtClean="0">
+              <a:rPr lang="en-GB" sz="1600" kern="1200" dirty="0">
                 <a:latin typeface="Arial" pitchFamily="34" charset="0"/>
                 <a:ea typeface="ＭＳ Ｐゴシック" pitchFamily="34" charset="-128"/>
               </a:rPr>
               <a:t>The course will give an </a:t>
             </a:r>
             <a:r>
-              <a:rPr lang="en-GB" sz="1600" b="1" kern="1200" dirty="0" smtClean="0">
+              <a:rPr lang="en-GB" sz="1600" b="1" kern="1200" dirty="0">
                 <a:latin typeface="Arial" pitchFamily="34" charset="0"/>
                 <a:ea typeface="ＭＳ Ｐゴシック" pitchFamily="34" charset="-128"/>
               </a:rPr>
               <a:t>introduction</a:t>
             </a:r>
             <a:r>
-              <a:rPr lang="en-GB" sz="1600" kern="1200" dirty="0" smtClean="0">
+              <a:rPr lang="en-GB" sz="1600" kern="1200" dirty="0">
                 <a:latin typeface="Arial" pitchFamily="34" charset="0"/>
                 <a:ea typeface="ＭＳ Ｐゴシック" pitchFamily="34" charset="-128"/>
               </a:rPr>
               <a:t> to key texts and results within </a:t>
             </a:r>
             <a:r>
-              <a:rPr lang="en-GB" sz="1600" b="1" kern="1200" dirty="0" smtClean="0">
+              <a:rPr lang="en-GB" sz="1600" b="1" kern="1200" dirty="0">
                 <a:latin typeface="Arial" pitchFamily="34" charset="0"/>
                 <a:ea typeface="ＭＳ Ｐゴシック" pitchFamily="34" charset="-128"/>
               </a:rPr>
               <a:t>several</a:t>
             </a:r>
             <a:r>
-              <a:rPr lang="en-GB" sz="1600" kern="1200" dirty="0" smtClean="0">
+              <a:rPr lang="en-GB" sz="1600" kern="1200" dirty="0">
                 <a:latin typeface="Arial" pitchFamily="34" charset="0"/>
                 <a:ea typeface="ＭＳ Ｐゴシック" pitchFamily="34" charset="-128"/>
               </a:rPr>
               <a:t> </a:t>
             </a:r>
             <a:r>
-              <a:rPr lang="en-GB" sz="1600" b="1" kern="1200" dirty="0" smtClean="0">
+              <a:rPr lang="en-GB" sz="1600" b="1" kern="1200" dirty="0">
                 <a:latin typeface="Arial" pitchFamily="34" charset="0"/>
                 <a:ea typeface="ＭＳ Ｐゴシック" pitchFamily="34" charset="-128"/>
               </a:rPr>
               <a:t>emerging areas</a:t>
             </a:r>
             <a:r>
-              <a:rPr lang="en-GB" sz="1600" kern="1200" dirty="0" smtClean="0">
+              <a:rPr lang="en-GB" sz="1600" kern="1200" dirty="0">
                 <a:latin typeface="Arial" pitchFamily="34" charset="0"/>
                 <a:ea typeface="ＭＳ Ｐゴシック" pitchFamily="34" charset="-128"/>
               </a:rPr>
@@ -8351,21 +7909,21 @@
               </a:spcBef>
             </a:pPr>
             <a:r>
-              <a:rPr lang="en-GB" sz="1600" kern="1200" dirty="0" smtClean="0">
+              <a:rPr lang="en-GB" sz="1600" kern="1200" dirty="0">
                 <a:latin typeface="Arial" pitchFamily="34" charset="0"/>
                 <a:ea typeface="ＭＳ Ｐゴシック" pitchFamily="34" charset="-128"/>
               </a:rPr>
               <a:t>You are required to obtain further overview through </a:t>
             </a:r>
             <a:r>
-              <a:rPr lang="en-GB" sz="1600" b="1" kern="1200" dirty="0" smtClean="0">
+              <a:rPr lang="en-GB" sz="1600" b="1" kern="1200" dirty="0">
                 <a:latin typeface="Arial" pitchFamily="34" charset="0"/>
                 <a:ea typeface="ＭＳ Ｐゴシック" pitchFamily="34" charset="-128"/>
               </a:rPr>
               <a:t>independently seeking additional literature</a:t>
             </a:r>
             <a:r>
-              <a:rPr lang="en-GB" sz="1600" kern="1200" dirty="0" smtClean="0">
+              <a:rPr lang="en-GB" sz="1600" kern="1200" dirty="0">
                 <a:latin typeface="Arial" pitchFamily="34" charset="0"/>
                 <a:ea typeface="ＭＳ Ｐゴシック" pitchFamily="34" charset="-128"/>
               </a:rPr>
@@ -8379,21 +7937,21 @@
               </a:spcBef>
             </a:pPr>
             <a:r>
-              <a:rPr lang="en-GB" sz="1600" kern="1200" dirty="0" smtClean="0">
+              <a:rPr lang="en-GB" sz="1600" kern="1200" dirty="0">
                 <a:latin typeface="Arial" pitchFamily="34" charset="0"/>
                 <a:ea typeface="ＭＳ Ｐゴシック" pitchFamily="34" charset="-128"/>
               </a:rPr>
               <a:t>Under supervision you </a:t>
             </a:r>
             <a:r>
-              <a:rPr lang="en-GB" sz="1600" b="1" kern="1200" dirty="0" smtClean="0">
+              <a:rPr lang="en-GB" sz="1600" b="1" kern="1200" dirty="0">
                 <a:latin typeface="Arial" pitchFamily="34" charset="0"/>
                 <a:ea typeface="ＭＳ Ｐゴシック" pitchFamily="34" charset="-128"/>
               </a:rPr>
               <a:t>plan a project</a:t>
             </a:r>
             <a:r>
-              <a:rPr lang="en-GB" sz="1600" kern="1200" dirty="0" smtClean="0">
+              <a:rPr lang="en-GB" sz="1600" kern="1200" dirty="0">
                 <a:latin typeface="Arial" pitchFamily="34" charset="0"/>
                 <a:ea typeface="ＭＳ Ｐゴシック" pitchFamily="34" charset="-128"/>
               </a:rPr>
@@ -8407,14 +7965,14 @@
               </a:spcBef>
             </a:pPr>
             <a:r>
-              <a:rPr lang="en-GB" sz="1600" kern="1200" dirty="0" smtClean="0">
+              <a:rPr lang="en-GB" sz="1600" kern="1200" dirty="0">
                 <a:latin typeface="Arial" pitchFamily="34" charset="0"/>
                 <a:ea typeface="ＭＳ Ｐゴシック" pitchFamily="34" charset="-128"/>
               </a:rPr>
               <a:t>Finally, you report the results of your investigations in a </a:t>
             </a:r>
             <a:r>
-              <a:rPr lang="en-GB" sz="1600" b="1" kern="1200" dirty="0" smtClean="0">
+              <a:rPr lang="en-GB" sz="1600" b="1" kern="1200" dirty="0">
                 <a:latin typeface="Arial" pitchFamily="34" charset="0"/>
                 <a:ea typeface="ＭＳ Ｐゴシック" pitchFamily="34" charset="-128"/>
               </a:rPr>
@@ -8466,13 +8024,6 @@
   <p:clrMapOvr>
     <a:masterClrMapping/>
   </p:clrMapOvr>
-  <p:timing>
-    <p:tnLst>
-      <p:par>
-        <p:cTn id="1" dur="indefinite" restart="never" nodeType="tmRoot"/>
-      </p:par>
-    </p:tnLst>
-  </p:timing>
 </p:sld>
 </file>
 
@@ -8517,7 +8068,7 @@
               <a:defRPr/>
             </a:pPr>
             <a:r>
-              <a:rPr lang="en-GB" altLang="da-DK" sz="2800" dirty="0" smtClean="0"/>
+              <a:rPr lang="en-GB" altLang="da-DK" sz="2800" dirty="0"/>
               <a:t>Report and oral exam</a:t>
             </a:r>
           </a:p>
@@ -8548,7 +8099,7 @@
               <a:defRPr/>
             </a:pPr>
             <a:r>
-              <a:rPr lang="en-GB" altLang="da-DK" sz="1800" noProof="0" dirty="0" smtClean="0"/>
+              <a:rPr lang="en-GB" altLang="da-DK" sz="1800" noProof="0" dirty="0"/>
               <a:t>Bachelor project report</a:t>
             </a:r>
           </a:p>
@@ -8559,21 +8110,21 @@
               </a:spcBef>
             </a:pPr>
             <a:r>
-              <a:rPr lang="en-GB" sz="1600" kern="1200" dirty="0" smtClean="0">
+              <a:rPr lang="en-GB" sz="1600" kern="1200" dirty="0">
                 <a:latin typeface="Arial" pitchFamily="34" charset="0"/>
                 <a:ea typeface="ＭＳ Ｐゴシック" pitchFamily="34" charset="-128"/>
               </a:rPr>
               <a:t>The bachelor project report must be handed in no later than </a:t>
             </a:r>
             <a:r>
-              <a:rPr lang="en-GB" sz="1600" b="1" kern="1200" dirty="0" smtClean="0">
+              <a:rPr lang="en-GB" sz="1600" b="1" kern="1200" dirty="0">
                 <a:latin typeface="Arial" pitchFamily="34" charset="0"/>
                 <a:ea typeface="ＭＳ Ｐゴシック" pitchFamily="34" charset="-128"/>
               </a:rPr>
               <a:t>June 8</a:t>
             </a:r>
             <a:r>
-              <a:rPr lang="en-GB" sz="1600" kern="1200" dirty="0" smtClean="0">
+              <a:rPr lang="en-GB" sz="1600" kern="1200" dirty="0">
                 <a:latin typeface="Arial" pitchFamily="34" charset="0"/>
                 <a:ea typeface="ＭＳ Ｐゴシック" pitchFamily="34" charset="-128"/>
               </a:rPr>
@@ -8584,23 +8135,16 @@
                 <a:latin typeface="Arial" pitchFamily="34" charset="0"/>
                 <a:ea typeface="ＭＳ Ｐゴシック" pitchFamily="34" charset="-128"/>
               </a:rPr>
-              <a:t> (or the next working day at 13.00 if June 8 is a Saturday or a Sunday</a:t>
-            </a:r>
-            <a:r>
-              <a:rPr lang="en-US" sz="1600" kern="1200" dirty="0" smtClean="0">
+              <a:t> (or the next working day at 13.00 if June 8 is a Saturday or a Sunday) – </a:t>
+            </a:r>
+            <a:r>
+              <a:rPr lang="en-US" sz="1600" b="1" kern="1200" dirty="0">
                 <a:latin typeface="Arial" pitchFamily="34" charset="0"/>
                 <a:ea typeface="ＭＳ Ｐゴシック" pitchFamily="34" charset="-128"/>
               </a:rPr>
-              <a:t>) – </a:t>
-            </a:r>
-            <a:r>
-              <a:rPr lang="en-US" sz="1600" b="1" kern="1200" dirty="0" smtClean="0">
-                <a:latin typeface="Arial" pitchFamily="34" charset="0"/>
-                <a:ea typeface="ＭＳ Ｐゴシック" pitchFamily="34" charset="-128"/>
-              </a:rPr>
-              <a:t>2025: June 9 at 13.00</a:t>
-            </a:r>
-            <a:endParaRPr lang="en-GB" sz="1600" b="1" kern="1200" dirty="0" smtClean="0">
+              <a:t>2026: June 8 at 13.00</a:t>
+            </a:r>
+            <a:endParaRPr lang="en-GB" sz="1600" b="1" kern="1200" dirty="0">
               <a:latin typeface="Arial" pitchFamily="34" charset="0"/>
               <a:ea typeface="ＭＳ Ｐゴシック" pitchFamily="34" charset="-128"/>
             </a:endParaRPr>
@@ -8612,46 +8156,25 @@
               </a:spcBef>
             </a:pPr>
             <a:r>
-              <a:rPr lang="en-GB" sz="1600" kern="1200" dirty="0" smtClean="0">
-                <a:latin typeface="Arial" pitchFamily="34" charset="0"/>
-                <a:ea typeface="ＭＳ Ｐゴシック" pitchFamily="34" charset="-128"/>
-              </a:rPr>
-              <a:t>The size of the report i</a:t>
-            </a:r>
-            <a:r>
               <a:rPr lang="en-GB" sz="1600" kern="1200" dirty="0">
                 <a:latin typeface="Arial" pitchFamily="34" charset="0"/>
                 <a:ea typeface="ＭＳ Ｐゴシック" pitchFamily="34" charset="-128"/>
               </a:rPr>
-              <a:t>s </a:t>
-            </a:r>
-            <a:r>
-              <a:rPr lang="en-GB" sz="1600" b="1" kern="1200" dirty="0" smtClean="0">
-                <a:latin typeface="Arial" pitchFamily="34" charset="0"/>
-                <a:ea typeface="ＭＳ Ｐゴシック" pitchFamily="34" charset="-128"/>
-              </a:rPr>
-              <a:t>maximum </a:t>
+              <a:t>The size of the report is </a:t>
             </a:r>
             <a:r>
               <a:rPr lang="en-GB" sz="1600" b="1" kern="1200" dirty="0">
                 <a:latin typeface="Arial" pitchFamily="34" charset="0"/>
                 <a:ea typeface="ＭＳ Ｐゴシック" pitchFamily="34" charset="-128"/>
               </a:rPr>
-              <a:t>30 pages</a:t>
+              <a:t>maximum 30 pages</a:t>
             </a:r>
             <a:r>
               <a:rPr lang="en-GB" sz="1600" kern="1200" dirty="0">
                 <a:latin typeface="Arial" pitchFamily="34" charset="0"/>
                 <a:ea typeface="ＭＳ Ｐゴシック" pitchFamily="34" charset="-128"/>
               </a:rPr>
-              <a:t> (exc</a:t>
-            </a:r>
-            <a:r>
-              <a:rPr lang="en-GB" sz="1600" kern="1200" dirty="0" smtClean="0">
-                <a:latin typeface="Arial" pitchFamily="34" charset="0"/>
-                <a:ea typeface="ＭＳ Ｐゴシック" pitchFamily="34" charset="-128"/>
-              </a:rPr>
-              <a:t>luding front page, abstract, table of contents, appendix and bibliography)</a:t>
+              <a:t> (excluding front page, abstract, table of contents, appendix and bibliography)</a:t>
             </a:r>
           </a:p>
           <a:p>
@@ -8663,7 +8186,7 @@
               <a:defRPr/>
             </a:pPr>
             <a:r>
-              <a:rPr lang="en-GB" sz="1800" b="1" dirty="0" smtClean="0">
+              <a:rPr lang="en-GB" sz="1800" b="1" dirty="0">
                 <a:solidFill>
                   <a:srgbClr val="A50021"/>
                 </a:solidFill>
@@ -8671,12 +8194,6 @@
               </a:rPr>
               <a:t>Oral exam in June</a:t>
             </a:r>
-            <a:endParaRPr lang="en-GB" sz="1800" b="1" dirty="0">
-              <a:solidFill>
-                <a:srgbClr val="A50021"/>
-              </a:solidFill>
-              <a:cs typeface="ＭＳ Ｐゴシック" charset="0"/>
-            </a:endParaRPr>
           </a:p>
           <a:p>
             <a:pPr marL="728663" lvl="1" indent="-271463">
@@ -8684,50 +8201,43 @@
                 <a:spcPts val="300"/>
               </a:spcBef>
             </a:pPr>
-            <a:r>
-              <a:rPr lang="en-GB" sz="1600" kern="1200" dirty="0" smtClean="0">
-                <a:latin typeface="Arial" pitchFamily="34" charset="0"/>
-                <a:ea typeface="ＭＳ Ｐゴシック" pitchFamily="34" charset="-128"/>
-              </a:rPr>
-              <a:t>The report is the basis </a:t>
-            </a:r>
             <a:r>
               <a:rPr lang="en-GB" sz="1600" kern="1200" dirty="0">
                 <a:latin typeface="Arial" pitchFamily="34" charset="0"/>
                 <a:ea typeface="ＭＳ Ｐゴシック" pitchFamily="34" charset="-128"/>
               </a:rPr>
-              <a:t>for an </a:t>
-            </a:r>
-            <a:r>
-              <a:rPr lang="en-GB" sz="1600" b="1" kern="1200" dirty="0" smtClean="0">
+              <a:t>The report is the basis for an </a:t>
+            </a:r>
+            <a:r>
+              <a:rPr lang="en-GB" sz="1600" b="1" kern="1200" dirty="0">
                 <a:latin typeface="Arial" pitchFamily="34" charset="0"/>
                 <a:ea typeface="ＭＳ Ｐゴシック" pitchFamily="34" charset="-128"/>
               </a:rPr>
               <a:t>individual 30 minutes' oral exam</a:t>
             </a:r>
             <a:r>
-              <a:rPr lang="en-GB" sz="1600" kern="1200" dirty="0" smtClean="0">
+              <a:rPr lang="en-GB" sz="1600" kern="1200" dirty="0">
                 <a:latin typeface="Arial" pitchFamily="34" charset="0"/>
                 <a:ea typeface="ＭＳ Ｐゴシック" pitchFamily="34" charset="-128"/>
               </a:rPr>
               <a:t>, where you </a:t>
             </a:r>
             <a:r>
-              <a:rPr lang="en-GB" sz="1600" b="1" kern="1200" dirty="0" smtClean="0">
+              <a:rPr lang="en-GB" sz="1600" b="1" kern="1200" dirty="0">
                 <a:latin typeface="Arial" pitchFamily="34" charset="0"/>
                 <a:ea typeface="ＭＳ Ｐゴシック" pitchFamily="34" charset="-128"/>
               </a:rPr>
               <a:t>present</a:t>
             </a:r>
             <a:r>
-              <a:rPr lang="en-GB" sz="1600" kern="1200" dirty="0" smtClean="0">
+              <a:rPr lang="en-GB" sz="1600" kern="1200" dirty="0">
                 <a:latin typeface="Arial" pitchFamily="34" charset="0"/>
                 <a:ea typeface="ＭＳ Ｐゴシック" pitchFamily="34" charset="-128"/>
               </a:rPr>
               <a:t> the findings of the bachelor project </a:t>
             </a:r>
             <a:r>
-              <a:rPr lang="en-GB" sz="1600" b="1" kern="1200" dirty="0" smtClean="0">
+              <a:rPr lang="en-GB" sz="1600" b="1" kern="1200" dirty="0">
                 <a:latin typeface="Arial" pitchFamily="34" charset="0"/>
                 <a:ea typeface="ＭＳ Ｐゴシック" pitchFamily="34" charset="-128"/>
               </a:rPr>
@@ -8741,7 +8251,7 @@
               </a:spcBef>
             </a:pPr>
             <a:r>
-              <a:rPr lang="en-GB" sz="1600" kern="1200" dirty="0" smtClean="0">
+              <a:rPr lang="en-GB" sz="1600" kern="1200" dirty="0">
                 <a:latin typeface="Arial" pitchFamily="34" charset="0"/>
                 <a:ea typeface="ＭＳ Ｐゴシック" pitchFamily="34" charset="-128"/>
               </a:rPr>
@@ -8755,16 +8265,12 @@
               </a:spcBef>
             </a:pPr>
             <a:r>
-              <a:rPr lang="en-GB" sz="1600" kern="1200" spc="-60" dirty="0" smtClean="0">
+              <a:rPr lang="en-GB" sz="1600" kern="1200" spc="-60" dirty="0">
                 <a:latin typeface="Arial" pitchFamily="34" charset="0"/>
                 <a:ea typeface="ＭＳ Ｐゴシック" pitchFamily="34" charset="-128"/>
               </a:rPr>
               <a:t>An external examiner (censor) participates in the evaluation of the report and the oral exam</a:t>
             </a:r>
-            <a:endParaRPr lang="en-GB" sz="1600" kern="1200" spc="-60" dirty="0">
-              <a:latin typeface="Arial" pitchFamily="34" charset="0"/>
-              <a:ea typeface="ＭＳ Ｐゴシック" pitchFamily="34" charset="-128"/>
-            </a:endParaRPr>
           </a:p>
           <a:p>
             <a:pPr marL="342900" lvl="1" indent="-342900" eaLnBrk="1" hangingPunct="1">
@@ -8775,7 +8281,7 @@
               <a:defRPr/>
             </a:pPr>
             <a:r>
-              <a:rPr lang="en-GB" sz="1800" b="1" dirty="0" smtClean="0">
+              <a:rPr lang="en-GB" sz="1800" b="1" dirty="0">
                 <a:solidFill>
                   <a:srgbClr val="A50021"/>
                 </a:solidFill>
@@ -8795,7 +8301,7 @@
               </a:spcBef>
             </a:pPr>
             <a:r>
-              <a:rPr lang="en-GB" sz="1600" kern="1200" dirty="0" smtClean="0">
+              <a:rPr lang="en-GB" sz="1600" kern="1200" dirty="0">
                 <a:latin typeface="Arial" pitchFamily="34" charset="0"/>
                 <a:ea typeface="ＭＳ Ｐゴシック" pitchFamily="34" charset="-128"/>
               </a:rPr>
@@ -8843,13 +8349,6 @@
   <p:clrMapOvr>
     <a:masterClrMapping/>
   </p:clrMapOvr>
-  <p:timing>
-    <p:tnLst>
-      <p:par>
-        <p:cTn id="1" dur="indefinite" restart="never" nodeType="tmRoot"/>
-      </p:par>
-    </p:tnLst>
-  </p:timing>
 </p:sld>
 </file>
 
@@ -8894,7 +8393,7 @@
               <a:defRPr/>
             </a:pPr>
             <a:r>
-              <a:rPr lang="en-GB" altLang="da-DK" sz="2800" dirty="0" smtClean="0"/>
+              <a:rPr lang="en-GB" altLang="da-DK" sz="2800" dirty="0"/>
               <a:t>Proposals for bachelor projects</a:t>
             </a:r>
           </a:p>
@@ -8925,22 +8424,8 @@
               <a:defRPr/>
             </a:pPr>
             <a:r>
-              <a:rPr lang="en-GB" altLang="da-DK" sz="1800" noProof="0" dirty="0" smtClean="0"/>
+              <a:rPr lang="en-GB" altLang="da-DK" sz="1800" noProof="0" dirty="0"/>
               <a:t>On the Brightspace page of the bachelor project course you can find a number of proposals for bachelor projects</a:t>
-            </a:r>
-          </a:p>
-          <a:p>
-            <a:pPr marL="728663" lvl="1" indent="-271463">
-              <a:spcBef>
-                <a:spcPts val="300"/>
-              </a:spcBef>
-            </a:pPr>
-            <a:r>
-              <a:rPr lang="en-GB" sz="1600" kern="1200" dirty="0" smtClean="0">
-                <a:latin typeface="Arial" pitchFamily="34" charset="0"/>
-                <a:ea typeface="ＭＳ Ｐゴシック" pitchFamily="34" charset="-128"/>
-              </a:rPr>
-              <a:t>You are encouraged to speak with the contact person for the corresponding research group in order to obtain additional information</a:t>
             </a:r>
           </a:p>
           <a:p>
@@ -8954,21 +8439,21 @@
                 <a:latin typeface="Arial" pitchFamily="34" charset="0"/>
                 <a:ea typeface="ＭＳ Ｐゴシック" pitchFamily="34" charset="-128"/>
               </a:rPr>
-              <a:t>You may be redirected to </a:t>
-            </a:r>
-            <a:r>
-              <a:rPr lang="en-GB" sz="1600" kern="1200" dirty="0" smtClean="0">
-                <a:latin typeface="Arial" pitchFamily="34" charset="0"/>
-                <a:ea typeface="ＭＳ Ｐゴシック" pitchFamily="34" charset="-128"/>
-              </a:rPr>
-              <a:t>another </a:t>
-            </a:r>
+              <a:t>You are encouraged to speak with the contact person for the corresponding section in order to obtain additional information</a:t>
+            </a:r>
+          </a:p>
+          <a:p>
+            <a:pPr marL="728663" lvl="1" indent="-271463">
+              <a:spcBef>
+                <a:spcPts val="300"/>
+              </a:spcBef>
+            </a:pPr>
             <a:r>
               <a:rPr lang="en-GB" sz="1600" kern="1200" dirty="0">
                 <a:latin typeface="Arial" pitchFamily="34" charset="0"/>
                 <a:ea typeface="ＭＳ Ｐゴシック" pitchFamily="34" charset="-128"/>
               </a:rPr>
-              <a:t>advisor in the research group</a:t>
+              <a:t>You may be redirected to another advisor in the section</a:t>
             </a:r>
           </a:p>
           <a:p>
@@ -8982,55 +8467,70 @@
                 <a:latin typeface="Arial" pitchFamily="34" charset="0"/>
                 <a:ea typeface="ＭＳ Ｐゴシック" pitchFamily="34" charset="-128"/>
               </a:rPr>
-              <a:t>Several </a:t>
-            </a:r>
-            <a:r>
-              <a:rPr lang="en-GB" sz="1600" kern="1200" dirty="0" smtClean="0">
-                <a:latin typeface="Arial" pitchFamily="34" charset="0"/>
-                <a:ea typeface="ＭＳ Ｐゴシック" pitchFamily="34" charset="-128"/>
-              </a:rPr>
-              <a:t>bachelor groups </a:t>
-            </a:r>
+              <a:t>Several bachelor groups can do the same project</a:t>
+            </a:r>
+          </a:p>
+          <a:p>
+            <a:pPr marL="342900" lvl="1" indent="-342900" eaLnBrk="1" hangingPunct="1">
+              <a:spcBef>
+                <a:spcPts val="1200"/>
+              </a:spcBef>
+              <a:buChar char="•"/>
+              <a:defRPr/>
+            </a:pPr>
+            <a:r>
+              <a:rPr lang="en-GB" sz="1800" b="1" dirty="0">
+                <a:solidFill>
+                  <a:srgbClr val="A50021"/>
+                </a:solidFill>
+                <a:cs typeface="ＭＳ Ｐゴシック" charset="0"/>
+              </a:rPr>
+              <a:t>You are also allowed to formulate your own project</a:t>
+            </a:r>
+          </a:p>
+          <a:p>
+            <a:pPr marL="728663" lvl="1" indent="-271463">
+              <a:spcBef>
+                <a:spcPts val="300"/>
+              </a:spcBef>
+            </a:pPr>
             <a:r>
               <a:rPr lang="en-GB" sz="1600" kern="1200" dirty="0">
                 <a:latin typeface="Arial" pitchFamily="34" charset="0"/>
                 <a:ea typeface="ＭＳ Ｐゴシック" pitchFamily="34" charset="-128"/>
               </a:rPr>
-              <a:t>can do the same project</a:t>
-            </a:r>
-          </a:p>
-          <a:p>
-            <a:pPr marL="342900" lvl="1" indent="-342900" eaLnBrk="1" hangingPunct="1">
+              <a:t>If you do this, you must contact the section to obtain approval</a:t>
+            </a:r>
+          </a:p>
+          <a:p>
+            <a:pPr marL="728663" lvl="1" indent="-271463">
+              <a:spcBef>
+                <a:spcPts val="300"/>
+              </a:spcBef>
+            </a:pPr>
+            <a:r>
+              <a:rPr lang="en-GB" sz="1600" kern="1200" dirty="0">
+                <a:latin typeface="Arial" pitchFamily="34" charset="0"/>
+                <a:ea typeface="ＭＳ Ｐゴシック" pitchFamily="34" charset="-128"/>
+              </a:rPr>
+              <a:t>You can also contact a section and ask, whether they are willing to formulate a project proposal within a particular area</a:t>
+            </a:r>
+          </a:p>
+          <a:p>
+            <a:pPr marL="271463" lvl="1" indent="-271463">
               <a:spcBef>
                 <a:spcPts val="1200"/>
               </a:spcBef>
               <a:buChar char="•"/>
-              <a:defRPr/>
-            </a:pPr>
-            <a:r>
-              <a:rPr lang="en-GB" sz="1800" b="1" dirty="0">
+            </a:pPr>
+            <a:r>
+              <a:rPr lang="en-GB" altLang="da-DK" sz="1800" b="1" dirty="0">
                 <a:solidFill>
                   <a:srgbClr val="A50021"/>
                 </a:solidFill>
-                <a:cs typeface="ＭＳ Ｐゴシック" charset="0"/>
-              </a:rPr>
-              <a:t>You are also allowed to formulate your own </a:t>
-            </a:r>
-            <a:r>
-              <a:rPr lang="en-GB" sz="1800" b="1" dirty="0" smtClean="0">
-                <a:solidFill>
-                  <a:srgbClr val="A50021"/>
-                </a:solidFill>
-                <a:cs typeface="ＭＳ Ｐゴシック" charset="0"/>
-              </a:rPr>
-              <a:t>project</a:t>
-            </a:r>
-            <a:endParaRPr lang="en-GB" sz="1800" b="1" dirty="0">
-              <a:solidFill>
-                <a:srgbClr val="A50021"/>
-              </a:solidFill>
-              <a:cs typeface="ＭＳ Ｐゴシック" charset="0"/>
-            </a:endParaRPr>
+              </a:rPr>
+              <a:t>The bachelor projects are performed in groups of 1-3 persons</a:t>
+            </a:r>
           </a:p>
           <a:p>
             <a:pPr marL="728663" lvl="1" indent="-271463">
@@ -9039,11 +8539,8 @@
               </a:spcBef>
             </a:pPr>
             <a:r>
-              <a:rPr lang="en-GB" sz="1600" kern="1200" dirty="0" smtClean="0">
-                <a:latin typeface="Arial" pitchFamily="34" charset="0"/>
-                <a:ea typeface="ＭＳ Ｐゴシック" pitchFamily="34" charset="-128"/>
-              </a:rPr>
-              <a:t>If you do this, you must contact the research group to obtain approval</a:t>
+              <a:rPr lang="en-GB" altLang="da-DK" sz="1600" dirty="0"/>
+              <a:t>It is possible to have mixed groups with both cs and it students</a:t>
             </a:r>
           </a:p>
           <a:p>
@@ -9053,43 +8550,8 @@
               </a:spcBef>
             </a:pPr>
             <a:r>
-              <a:rPr lang="en-GB" sz="1600" kern="1200" dirty="0" smtClean="0">
-                <a:latin typeface="Arial" pitchFamily="34" charset="0"/>
-                <a:ea typeface="ＭＳ Ｐゴシック" pitchFamily="34" charset="-128"/>
-              </a:rPr>
-              <a:t>You can also contact a research group and ask, whether they are willing to formulate a project proposal within a particular area</a:t>
-            </a:r>
-          </a:p>
-          <a:p>
-            <a:pPr marL="271463" lvl="1" indent="-271463">
-              <a:spcBef>
-                <a:spcPts val="1200"/>
-              </a:spcBef>
-              <a:buChar char="•"/>
-            </a:pPr>
-            <a:r>
-              <a:rPr lang="en-GB" altLang="da-DK" sz="1800" b="1" dirty="0">
-                <a:solidFill>
-                  <a:srgbClr val="A50021"/>
-                </a:solidFill>
-              </a:rPr>
-              <a:t>The bachelor projects are performed in groups of </a:t>
-            </a:r>
-            <a:r>
-              <a:rPr lang="en-GB" altLang="da-DK" sz="1800" b="1" dirty="0" smtClean="0">
-                <a:solidFill>
-                  <a:srgbClr val="A50021"/>
-                </a:solidFill>
-              </a:rPr>
-              <a:t>1-3 </a:t>
-            </a:r>
-            <a:r>
-              <a:rPr lang="en-GB" altLang="da-DK" sz="1800" b="1" dirty="0">
-                <a:solidFill>
-                  <a:srgbClr val="A50021"/>
-                </a:solidFill>
-              </a:rPr>
-              <a:t>persons</a:t>
+              <a:rPr lang="en-GB" altLang="da-DK" sz="1600" dirty="0"/>
+              <a:t>It is more difficult to mix 10ECTS and 15 ECTS</a:t>
             </a:r>
           </a:p>
           <a:p>
@@ -9099,37 +8561,7 @@
               </a:spcBef>
             </a:pPr>
             <a:r>
-              <a:rPr lang="en-GB" altLang="da-DK" sz="1600" dirty="0" smtClean="0"/>
-              <a:t>It is possible to have mixed groups with both cs and it students</a:t>
-            </a:r>
-          </a:p>
-          <a:p>
-            <a:pPr marL="728663" lvl="1" indent="-271463">
-              <a:spcBef>
-                <a:spcPts val="300"/>
-              </a:spcBef>
-            </a:pPr>
-            <a:r>
-              <a:rPr lang="en-GB" altLang="da-DK" sz="1600" dirty="0" smtClean="0"/>
-              <a:t>It is </a:t>
-            </a:r>
-            <a:r>
-              <a:rPr lang="en-GB" altLang="da-DK" sz="1600" dirty="0" smtClean="0"/>
-              <a:t>more difficult </a:t>
-            </a:r>
-            <a:r>
-              <a:rPr lang="en-GB" altLang="da-DK" sz="1600" dirty="0" smtClean="0"/>
-              <a:t>to mix 10ECTS and 15 ECTS</a:t>
-            </a:r>
-          </a:p>
-          <a:p>
-            <a:pPr marL="728663" lvl="1" indent="-271463">
-              <a:spcBef>
-                <a:spcPts val="300"/>
-              </a:spcBef>
-            </a:pPr>
-            <a:r>
-              <a:rPr lang="en-GB" altLang="da-DK" sz="1600" dirty="0" smtClean="0"/>
+              <a:rPr lang="en-GB" altLang="da-DK" sz="1600" dirty="0"/>
               <a:t>Groups with 4 or more persons are not allowed (by the formal rules)</a:t>
             </a:r>
           </a:p>
@@ -9220,13 +8652,6 @@
   <p:clrMapOvr>
     <a:masterClrMapping/>
   </p:clrMapOvr>
-  <p:timing>
-    <p:tnLst>
-      <p:par>
-        <p:cTn id="1" dur="indefinite" restart="never" nodeType="tmRoot"/>
-      </p:par>
-    </p:tnLst>
-  </p:timing>
 </p:sld>
 </file>
 
@@ -9271,10 +8696,9 @@
               <a:defRPr/>
             </a:pPr>
             <a:r>
-              <a:rPr lang="en-GB" altLang="da-DK" sz="2800" spc="-50" dirty="0" smtClean="0"/>
+              <a:rPr lang="en-GB" altLang="da-DK" sz="2800" spc="-50" dirty="0"/>
               <a:t>We strongly recommend groups with 2-3 persons</a:t>
             </a:r>
-            <a:endParaRPr lang="en-GB" altLang="da-DK" sz="2800" spc="-50" dirty="0"/>
           </a:p>
         </p:txBody>
       </p:sp>
@@ -9306,7 +8730,7 @@
               <a:buChar char="•"/>
             </a:pPr>
             <a:r>
-              <a:rPr lang="en-GB" altLang="da-DK" sz="1800" b="1" dirty="0" smtClean="0">
+              <a:rPr lang="en-GB" altLang="da-DK" sz="1800" b="1" dirty="0">
                 <a:solidFill>
                   <a:srgbClr val="A50021"/>
                 </a:solidFill>
@@ -9321,7 +8745,7 @@
               </a:spcBef>
             </a:pPr>
             <a:r>
-              <a:rPr lang="en-GB" altLang="da-DK" sz="1600" dirty="0" smtClean="0"/>
+              <a:rPr lang="en-GB" altLang="da-DK" sz="1600" dirty="0"/>
               <a:t>It is an important job competence to be able to work efficiently with other people</a:t>
             </a:r>
           </a:p>
@@ -9333,120 +8757,60 @@
               <a:buChar char="•"/>
             </a:pPr>
             <a:r>
-              <a:rPr lang="en-GB" altLang="da-DK" sz="1800" b="1" dirty="0" smtClean="0">
+              <a:rPr lang="en-GB" altLang="da-DK" sz="1800" b="1" dirty="0">
                 <a:solidFill>
                   <a:srgbClr val="A50021"/>
                 </a:solidFill>
               </a:rPr>
-              <a:t>Groups </a:t>
-            </a:r>
+              <a:t>Groups are much more stable and solid than individuals</a:t>
+            </a:r>
+          </a:p>
+          <a:p>
+            <a:pPr marL="728663" lvl="1" indent="-271463">
+              <a:spcBef>
+                <a:spcPts val="300"/>
+              </a:spcBef>
+            </a:pPr>
+            <a:r>
+              <a:rPr lang="en-GB" altLang="da-DK" sz="1600" dirty="0"/>
+              <a:t>If one group member has a "bad day", gets depressed, or makes a significant misjudgement, the other group members are likely to get her/him "back on track"</a:t>
+            </a:r>
+          </a:p>
+          <a:p>
+            <a:pPr marL="728663" lvl="1" indent="-271463">
+              <a:spcBef>
+                <a:spcPts val="300"/>
+              </a:spcBef>
+            </a:pPr>
+            <a:r>
+              <a:rPr lang="en-GB" altLang="da-DK" sz="1600" spc="-40" dirty="0"/>
+              <a:t>The chances of a group "getting stuck" is </a:t>
+            </a:r>
+            <a:r>
+              <a:rPr lang="en-GB" altLang="da-DK" sz="1600" b="1" spc="-40" dirty="0"/>
+              <a:t>much smaller</a:t>
+            </a:r>
+            <a:r>
+              <a:rPr lang="en-GB" altLang="da-DK" sz="1600" spc="-40" dirty="0"/>
+              <a:t> than for a person working alone</a:t>
+            </a:r>
+          </a:p>
+          <a:p>
+            <a:pPr marL="271463" lvl="1" indent="-271463">
+              <a:spcBef>
+                <a:spcPts val="1200"/>
+              </a:spcBef>
+              <a:buChar char="•"/>
+            </a:pPr>
             <a:r>
               <a:rPr lang="en-GB" altLang="da-DK" sz="1800" b="1" dirty="0">
                 <a:solidFill>
                   <a:srgbClr val="A50021"/>
                 </a:solidFill>
               </a:rPr>
-              <a:t>are much more stable and solid than </a:t>
-            </a:r>
-            <a:r>
-              <a:rPr lang="en-GB" altLang="da-DK" sz="1800" b="1" dirty="0" smtClean="0">
-                <a:solidFill>
-                  <a:srgbClr val="A50021"/>
-                </a:solidFill>
-              </a:rPr>
-              <a:t>individuals</a:t>
-            </a:r>
-          </a:p>
-          <a:p>
-            <a:pPr marL="728663" lvl="1" indent="-271463">
-              <a:spcBef>
-                <a:spcPts val="300"/>
-              </a:spcBef>
-            </a:pPr>
-            <a:r>
-              <a:rPr lang="en-GB" altLang="da-DK" sz="1600" dirty="0"/>
-              <a:t>If one </a:t>
-            </a:r>
-            <a:r>
-              <a:rPr lang="en-GB" altLang="da-DK" sz="1600" dirty="0" smtClean="0"/>
-              <a:t>group </a:t>
-            </a:r>
-            <a:r>
-              <a:rPr lang="en-GB" altLang="da-DK" sz="1600" dirty="0"/>
-              <a:t>member has a "bad day", gets </a:t>
-            </a:r>
-            <a:r>
-              <a:rPr lang="en-GB" altLang="da-DK" sz="1600" dirty="0" smtClean="0"/>
-              <a:t>depressed, </a:t>
-            </a:r>
-            <a:r>
-              <a:rPr lang="en-GB" altLang="da-DK" sz="1600" dirty="0"/>
-              <a:t>or makes a significant misjudgement, the other group members </a:t>
-            </a:r>
-            <a:r>
-              <a:rPr lang="en-GB" altLang="da-DK" sz="1600" dirty="0" smtClean="0"/>
-              <a:t>are </a:t>
-            </a:r>
-            <a:r>
-              <a:rPr lang="en-GB" altLang="da-DK" sz="1600" dirty="0"/>
-              <a:t>likely to get </a:t>
-            </a:r>
-            <a:r>
-              <a:rPr lang="en-GB" altLang="da-DK" sz="1600" dirty="0" smtClean="0"/>
-              <a:t>her/him "back </a:t>
-            </a:r>
-            <a:r>
-              <a:rPr lang="en-GB" altLang="da-DK" sz="1600" dirty="0"/>
-              <a:t>on </a:t>
-            </a:r>
-            <a:r>
-              <a:rPr lang="en-GB" altLang="da-DK" sz="1600" dirty="0" smtClean="0"/>
-              <a:t>track"</a:t>
-            </a:r>
-          </a:p>
-          <a:p>
-            <a:pPr marL="728663" lvl="1" indent="-271463">
-              <a:spcBef>
-                <a:spcPts val="300"/>
-              </a:spcBef>
-            </a:pPr>
-            <a:r>
-              <a:rPr lang="en-GB" altLang="da-DK" sz="1600" spc="-40" dirty="0" smtClean="0"/>
-              <a:t>The chances of a group "getting stuck" is </a:t>
-            </a:r>
-            <a:r>
-              <a:rPr lang="en-GB" altLang="da-DK" sz="1600" b="1" spc="-40" dirty="0" smtClean="0"/>
-              <a:t>much smaller</a:t>
-            </a:r>
-            <a:r>
-              <a:rPr lang="en-GB" altLang="da-DK" sz="1600" spc="-40" dirty="0" smtClean="0"/>
-              <a:t> than for a person working alone</a:t>
-            </a:r>
-          </a:p>
-          <a:p>
-            <a:pPr marL="271463" lvl="1" indent="-271463">
-              <a:spcBef>
-                <a:spcPts val="1200"/>
-              </a:spcBef>
-              <a:buChar char="•"/>
-            </a:pPr>
-            <a:r>
-              <a:rPr lang="en-GB" altLang="da-DK" sz="1800" b="1" dirty="0">
-                <a:solidFill>
-                  <a:srgbClr val="A50021"/>
-                </a:solidFill>
-              </a:rPr>
-              <a:t>Groups produce better </a:t>
-            </a:r>
-            <a:r>
-              <a:rPr lang="en-GB" altLang="da-DK" sz="1800" b="1" dirty="0" smtClean="0">
-                <a:solidFill>
-                  <a:srgbClr val="A50021"/>
-                </a:solidFill>
-              </a:rPr>
-              <a:t>results</a:t>
-            </a:r>
-            <a:endParaRPr lang="en-GB" altLang="da-DK" sz="1600" dirty="0" smtClean="0"/>
+              <a:t>Groups produce better results</a:t>
+            </a:r>
+            <a:endParaRPr lang="en-GB" altLang="da-DK" sz="1600" dirty="0"/>
           </a:p>
           <a:p>
             <a:pPr marL="728663" lvl="1" indent="-271463">
@@ -9488,7 +8852,7 @@
               </a:spcBef>
             </a:pPr>
             <a:r>
-              <a:rPr lang="en-GB" altLang="da-DK" sz="1600" dirty="0" smtClean="0"/>
+              <a:rPr lang="en-GB" altLang="da-DK" sz="1600" dirty="0"/>
               <a:t>The discussions in a group improve the outcome and the result</a:t>
             </a:r>
           </a:p>
@@ -9505,15 +8869,7 @@
                   <a:srgbClr val="A50021"/>
                 </a:solidFill>
               </a:rPr>
-              <a:t>Groups get </a:t>
-            </a:r>
-            <a:r>
-              <a:rPr lang="en-US" altLang="da-DK" sz="1800" b="1" dirty="0" smtClean="0">
-                <a:solidFill>
-                  <a:srgbClr val="A50021"/>
-                </a:solidFill>
-              </a:rPr>
-              <a:t>higher grades</a:t>
+              <a:t>Groups get higher grades</a:t>
             </a:r>
           </a:p>
           <a:p>
@@ -9523,7 +8879,7 @@
               </a:spcBef>
             </a:pPr>
             <a:r>
-              <a:rPr lang="en-GB" altLang="da-DK" sz="1600" dirty="0" smtClean="0"/>
+              <a:rPr lang="en-GB" altLang="da-DK" sz="1600" dirty="0"/>
               <a:t>Statistics from spring 2019:   3-persons: 9,9,   2-persons: 9,4,   1-person: 7,8</a:t>
             </a:r>
           </a:p>
@@ -9534,10 +8890,9 @@
               </a:spcBef>
             </a:pPr>
             <a:r>
-              <a:rPr lang="en-GB" altLang="da-DK" sz="1600" dirty="0" smtClean="0"/>
+              <a:rPr lang="en-GB" altLang="da-DK" sz="1600" dirty="0"/>
               <a:t>To work alone you need to contact the intended advisor to obtain approval</a:t>
             </a:r>
-            <a:endParaRPr lang="en-GB" altLang="da-DK" sz="1600" dirty="0"/>
           </a:p>
         </p:txBody>
       </p:sp>
@@ -9580,13 +8935,6 @@
   <p:clrMapOvr>
     <a:masterClrMapping/>
   </p:clrMapOvr>
-  <p:timing>
-    <p:tnLst>
-      <p:par>
-        <p:cTn id="1" dur="indefinite" restart="never" nodeType="tmRoot"/>
-      </p:par>
-    </p:tnLst>
-  </p:timing>
 </p:sld>
 </file>
 
@@ -9631,7 +8979,7 @@
               <a:defRPr/>
             </a:pPr>
             <a:r>
-              <a:rPr lang="en-GB" altLang="da-DK" sz="2800" dirty="0" smtClean="0"/>
+              <a:rPr lang="en-GB" altLang="da-DK" sz="2800" dirty="0"/>
               <a:t>Choice of partners and projects</a:t>
             </a:r>
           </a:p>
@@ -9665,7 +9013,7 @@
               <a:buChar char="•"/>
             </a:pPr>
             <a:r>
-              <a:rPr lang="en-GB" altLang="da-DK" sz="1800" b="1" dirty="0" smtClean="0">
+              <a:rPr lang="en-GB" altLang="da-DK" sz="1800" b="1" dirty="0">
                 <a:solidFill>
                   <a:srgbClr val="A50021"/>
                 </a:solidFill>
@@ -9679,26 +9027,26 @@
                 <a:spcPts val="600"/>
               </a:spcBef>
             </a:pPr>
-            <a:r>
-              <a:rPr lang="en-GB" altLang="da-DK" sz="1600" kern="1200" dirty="0" smtClean="0">
-                <a:latin typeface="Arial" pitchFamily="34" charset="0"/>
-                <a:ea typeface="ＭＳ Ｐゴシック" pitchFamily="34" charset="-128"/>
-              </a:rPr>
-              <a:t>You should agree upon the </a:t>
-            </a:r>
             <a:r>
               <a:rPr lang="en-GB" altLang="da-DK" sz="1600" kern="1200" dirty="0">
                 <a:latin typeface="Arial" pitchFamily="34" charset="0"/>
                 <a:ea typeface="ＭＳ Ｐゴシック" pitchFamily="34" charset="-128"/>
               </a:rPr>
-              <a:t>level of </a:t>
-            </a:r>
-            <a:r>
-              <a:rPr lang="en-GB" altLang="da-DK" sz="1600" kern="1200" dirty="0" smtClean="0">
+              <a:t>You should agree upon the level of ambition</a:t>
+            </a:r>
+          </a:p>
+          <a:p>
+            <a:pPr marL="728663" lvl="1" indent="-271463">
+              <a:spcBef>
+                <a:spcPts val="600"/>
+              </a:spcBef>
+            </a:pPr>
+            <a:r>
+              <a:rPr lang="en-GB" altLang="da-DK" sz="1600" kern="1200" dirty="0">
                 <a:latin typeface="Arial" pitchFamily="34" charset="0"/>
                 <a:ea typeface="ＭＳ Ｐゴシック" pitchFamily="34" charset="-128"/>
               </a:rPr>
-              <a:t>ambition</a:t>
+              <a:t>Your time schedules should allow you to meet and work together many hours each week (this is not trivial, so it should be checked/planned)</a:t>
             </a:r>
           </a:p>
           <a:p>
@@ -9708,25 +9056,11 @@
               </a:spcBef>
             </a:pPr>
             <a:r>
-              <a:rPr lang="en-GB" altLang="da-DK" sz="1600" kern="1200" dirty="0" smtClean="0">
+              <a:rPr lang="en-GB" altLang="da-DK" sz="1600" kern="1200" dirty="0">
                 <a:latin typeface="Arial" pitchFamily="34" charset="0"/>
                 <a:ea typeface="ＭＳ Ｐゴシック" pitchFamily="34" charset="-128"/>
               </a:rPr>
-              <a:t>Your </a:t>
-            </a:r>
-            <a:r>
-              <a:rPr lang="en-GB" altLang="da-DK" sz="1600" kern="1200" dirty="0" smtClean="0">
-                <a:latin typeface="Arial" pitchFamily="34" charset="0"/>
-                <a:ea typeface="ＭＳ Ｐゴシック" pitchFamily="34" charset="-128"/>
-              </a:rPr>
-              <a:t>time schedules </a:t>
-            </a:r>
-            <a:r>
-              <a:rPr lang="en-GB" altLang="da-DK" sz="1600" kern="1200" dirty="0" smtClean="0">
-                <a:latin typeface="Arial" pitchFamily="34" charset="0"/>
-                <a:ea typeface="ＭＳ Ｐゴシック" pitchFamily="34" charset="-128"/>
-              </a:rPr>
-              <a:t>should allow you to meet and work together many hours each week (this is not trivial, so it should be checked/planned)</a:t>
+              <a:t>It is fruitful that group members span different backgrounds and knowledge</a:t>
             </a:r>
           </a:p>
           <a:p>
@@ -9735,196 +9069,80 @@
                 <a:spcPts val="600"/>
               </a:spcBef>
             </a:pPr>
-            <a:r>
-              <a:rPr lang="en-GB" altLang="da-DK" sz="1600" kern="1200" dirty="0" smtClean="0">
-                <a:latin typeface="Arial" pitchFamily="34" charset="0"/>
-                <a:ea typeface="ＭＳ Ｐゴシック" pitchFamily="34" charset="-128"/>
-              </a:rPr>
-              <a:t>It is fruitful that group members span different backgrounds and knowledge</a:t>
-            </a:r>
-          </a:p>
-          <a:p>
-            <a:pPr marL="728663" lvl="1" indent="-271463">
-              <a:spcBef>
-                <a:spcPts val="600"/>
-              </a:spcBef>
-            </a:pPr>
-            <a:r>
-              <a:rPr lang="en-GB" sz="1600" kern="1200" dirty="0" smtClean="0">
-                <a:latin typeface="Arial" pitchFamily="34" charset="0"/>
-                <a:ea typeface="ＭＳ Ｐゴシック" pitchFamily="34" charset="-128"/>
-              </a:rPr>
-              <a:t>The discussion forum (on </a:t>
-            </a:r>
             <a:r>
               <a:rPr lang="en-GB" sz="1600" kern="1200" dirty="0">
                 <a:latin typeface="Arial" pitchFamily="34" charset="0"/>
                 <a:ea typeface="ＭＳ Ｐゴシック" pitchFamily="34" charset="-128"/>
               </a:rPr>
-              <a:t>the </a:t>
-            </a:r>
-            <a:r>
-              <a:rPr lang="en-GB" sz="1600" kern="1200" dirty="0" smtClean="0">
+              <a:t>The discussion forum (on the Brightspace page) has a topic, where you can advertise for students who may want to join you for a particular project</a:t>
+            </a:r>
+          </a:p>
+          <a:p>
+            <a:pPr marL="271463" lvl="1" indent="-271463">
+              <a:spcBef>
+                <a:spcPts val="1800"/>
+              </a:spcBef>
+              <a:buChar char="•"/>
+            </a:pPr>
+            <a:r>
+              <a:rPr lang="en-GB" altLang="da-DK" sz="1800" b="1" dirty="0">
+                <a:solidFill>
+                  <a:srgbClr val="A50021"/>
+                </a:solidFill>
+              </a:rPr>
+              <a:t>It is much more important to choose good partners than to choose a</a:t>
+            </a:r>
+            <a:br>
+              <a:rPr lang="en-GB" altLang="da-DK" sz="1800" b="1" dirty="0">
+                <a:solidFill>
+                  <a:srgbClr val="A50021"/>
+                </a:solidFill>
+              </a:rPr>
+            </a:br>
+            <a:r>
+              <a:rPr lang="en-GB" altLang="da-DK" sz="1800" b="1" dirty="0">
+                <a:solidFill>
+                  <a:srgbClr val="A50021"/>
+                </a:solidFill>
+              </a:rPr>
+              <a:t>particular project</a:t>
+            </a:r>
+          </a:p>
+          <a:p>
+            <a:pPr marL="728663" lvl="1" indent="-271463">
+              <a:spcBef>
+                <a:spcPts val="600"/>
+              </a:spcBef>
+            </a:pPr>
+            <a:r>
+              <a:rPr lang="en-GB" altLang="da-DK" sz="1600" kern="1200" dirty="0">
                 <a:latin typeface="Arial" pitchFamily="34" charset="0"/>
                 <a:ea typeface="ＭＳ Ｐゴシック" pitchFamily="34" charset="-128"/>
               </a:rPr>
-              <a:t>Brightspace </a:t>
-            </a:r>
-            <a:r>
-              <a:rPr lang="en-GB" sz="1600" kern="1200" dirty="0">
+              <a:t>Many projects within a research area (or even neighbouring areas) require and train the same skills and competences</a:t>
+            </a:r>
+          </a:p>
+          <a:p>
+            <a:pPr marL="728663" lvl="1" indent="-271463">
+              <a:spcBef>
+                <a:spcPts val="600"/>
+              </a:spcBef>
+            </a:pPr>
+            <a:r>
+              <a:rPr lang="en-GB" altLang="da-DK" sz="1600" kern="1200" dirty="0">
                 <a:latin typeface="Arial" pitchFamily="34" charset="0"/>
                 <a:ea typeface="ＭＳ Ｐゴシック" pitchFamily="34" charset="-128"/>
               </a:rPr>
-              <a:t>page) </a:t>
-            </a:r>
-            <a:r>
-              <a:rPr lang="en-GB" sz="1600" kern="1200" dirty="0" smtClean="0">
-                <a:latin typeface="Arial" pitchFamily="34" charset="0"/>
-                <a:ea typeface="ＭＳ Ｐゴシック" pitchFamily="34" charset="-128"/>
-              </a:rPr>
-              <a:t>has a topic, where you can advertise for </a:t>
-            </a:r>
-            <a:r>
-              <a:rPr lang="en-GB" sz="1600" kern="1200" dirty="0">
-                <a:latin typeface="Arial" pitchFamily="34" charset="0"/>
-                <a:ea typeface="ＭＳ Ｐゴシック" pitchFamily="34" charset="-128"/>
-              </a:rPr>
-              <a:t>students who may want to join you for a particular </a:t>
-            </a:r>
-            <a:r>
-              <a:rPr lang="en-GB" sz="1600" kern="1200" dirty="0" smtClean="0">
-                <a:latin typeface="Arial" pitchFamily="34" charset="0"/>
-                <a:ea typeface="ＭＳ Ｐゴシック" pitchFamily="34" charset="-128"/>
-              </a:rPr>
-              <a:t>project</a:t>
-            </a:r>
-            <a:endParaRPr lang="en-GB" sz="1600" kern="1200" dirty="0">
-              <a:latin typeface="Arial" pitchFamily="34" charset="0"/>
-              <a:ea typeface="ＭＳ Ｐゴシック" pitchFamily="34" charset="-128"/>
-            </a:endParaRPr>
-          </a:p>
-          <a:p>
-            <a:pPr marL="271463" lvl="1" indent="-271463">
-              <a:spcBef>
-                <a:spcPts val="1800"/>
-              </a:spcBef>
-              <a:buChar char="•"/>
-            </a:pPr>
-            <a:r>
-              <a:rPr lang="en-GB" altLang="da-DK" sz="1800" b="1" dirty="0" smtClean="0">
-                <a:solidFill>
-                  <a:srgbClr val="A50021"/>
-                </a:solidFill>
-              </a:rPr>
-              <a:t>It </a:t>
-            </a:r>
-            <a:r>
-              <a:rPr lang="en-GB" altLang="da-DK" sz="1800" b="1" dirty="0">
-                <a:solidFill>
-                  <a:srgbClr val="A50021"/>
-                </a:solidFill>
-              </a:rPr>
-              <a:t>is </a:t>
-            </a:r>
-            <a:r>
-              <a:rPr lang="en-GB" altLang="da-DK" sz="1800" b="1" dirty="0" smtClean="0">
-                <a:solidFill>
-                  <a:srgbClr val="A50021"/>
-                </a:solidFill>
-              </a:rPr>
-              <a:t>much more </a:t>
-            </a:r>
-            <a:r>
-              <a:rPr lang="en-GB" altLang="da-DK" sz="1800" b="1" dirty="0">
-                <a:solidFill>
-                  <a:srgbClr val="A50021"/>
-                </a:solidFill>
-              </a:rPr>
-              <a:t>important to </a:t>
-            </a:r>
-            <a:r>
-              <a:rPr lang="en-GB" altLang="da-DK" sz="1800" b="1" dirty="0" smtClean="0">
-                <a:solidFill>
-                  <a:srgbClr val="A50021"/>
-                </a:solidFill>
-              </a:rPr>
-              <a:t>choose </a:t>
-            </a:r>
-            <a:r>
-              <a:rPr lang="en-GB" altLang="da-DK" sz="1800" b="1" dirty="0">
-                <a:solidFill>
-                  <a:srgbClr val="A50021"/>
-                </a:solidFill>
-              </a:rPr>
-              <a:t>good partners than </a:t>
-            </a:r>
-            <a:r>
-              <a:rPr lang="en-GB" altLang="da-DK" sz="1800" b="1" dirty="0" smtClean="0">
-                <a:solidFill>
-                  <a:srgbClr val="A50021"/>
-                </a:solidFill>
-              </a:rPr>
-              <a:t>to choose a</a:t>
-            </a:r>
-            <a:br>
-              <a:rPr lang="en-GB" altLang="da-DK" sz="1800" b="1" dirty="0" smtClean="0">
-                <a:solidFill>
-                  <a:srgbClr val="A50021"/>
-                </a:solidFill>
-              </a:rPr>
-            </a:br>
-            <a:r>
-              <a:rPr lang="en-GB" altLang="da-DK" sz="1800" b="1" dirty="0" smtClean="0">
-                <a:solidFill>
-                  <a:srgbClr val="A50021"/>
-                </a:solidFill>
-              </a:rPr>
-              <a:t>particular </a:t>
-            </a:r>
-            <a:r>
-              <a:rPr lang="en-GB" altLang="da-DK" sz="1800" b="1" dirty="0">
-                <a:solidFill>
-                  <a:srgbClr val="A50021"/>
-                </a:solidFill>
-              </a:rPr>
-              <a:t>project</a:t>
+              <a:t>The choice of section may be important, but the choice of the actual project within that section is often of much less importance</a:t>
             </a:r>
           </a:p>
           <a:p>
             <a:pPr marL="728663" lvl="1" indent="-271463">
               <a:spcBef>
-                <a:spcPts val="600"/>
-              </a:spcBef>
-            </a:pPr>
-            <a:r>
-              <a:rPr lang="en-GB" altLang="da-DK" sz="1600" kern="1200" dirty="0" smtClean="0">
-                <a:latin typeface="Arial" pitchFamily="34" charset="0"/>
-                <a:ea typeface="ＭＳ Ｐゴシック" pitchFamily="34" charset="-128"/>
-              </a:rPr>
-              <a:t>Many projects within a research area (or even neighbouring areas) require and train the same skills and competences</a:t>
-            </a:r>
-          </a:p>
-          <a:p>
-            <a:pPr marL="728663" lvl="1" indent="-271463">
-              <a:spcBef>
-                <a:spcPts val="600"/>
-              </a:spcBef>
-            </a:pPr>
-            <a:r>
-              <a:rPr lang="en-GB" altLang="da-DK" sz="1600" kern="1200" dirty="0" smtClean="0">
-                <a:latin typeface="Arial" pitchFamily="34" charset="0"/>
-                <a:ea typeface="ＭＳ Ｐゴシック" pitchFamily="34" charset="-128"/>
-              </a:rPr>
-              <a:t>The choice of a research group may be vital, but the choice of the actual project within that group is often of much less importance</a:t>
-            </a:r>
-          </a:p>
-          <a:p>
-            <a:pPr marL="728663" lvl="1" indent="-271463">
-              <a:spcBef>
                 <a:spcPts val="300"/>
               </a:spcBef>
             </a:pPr>
-            <a:endParaRPr lang="en-GB" altLang="da-DK" sz="1600" kern="1200" dirty="0" smtClean="0">
+            <a:endParaRPr lang="en-GB" altLang="da-DK" sz="1600" kern="1200" dirty="0">
               <a:latin typeface="Arial" pitchFamily="34" charset="0"/>
               <a:ea typeface="ＭＳ Ｐゴシック" pitchFamily="34" charset="-128"/>
             </a:endParaRPr>
@@ -9981,13 +9199,6 @@
   <p:clrMapOvr>
     <a:masterClrMapping/>
   </p:clrMapOvr>
-  <p:timing>
-    <p:tnLst>
-      <p:par>
-        <p:cTn id="1" dur="indefinite" restart="never" nodeType="tmRoot"/>
-      </p:par>
-    </p:tnLst>
-  </p:timing>
 </p:sld>
 </file>
 
@@ -10032,7 +9243,7 @@
               <a:defRPr/>
             </a:pPr>
             <a:r>
-              <a:rPr lang="en-GB" altLang="da-DK" sz="2800" dirty="0" smtClean="0"/>
+              <a:rPr lang="en-GB" altLang="da-DK" sz="2800" dirty="0"/>
               <a:t>Registration of groups</a:t>
             </a:r>
           </a:p>
@@ -10066,28 +9277,12 @@
               <a:buChar char="•"/>
             </a:pPr>
             <a:r>
-              <a:rPr lang="en-GB" sz="1800" b="1" dirty="0" smtClean="0">
+              <a:rPr lang="en-GB" sz="1800" b="1" dirty="0">
                 <a:solidFill>
                   <a:srgbClr val="A50021"/>
                 </a:solidFill>
               </a:rPr>
-              <a:t>When </a:t>
-            </a:r>
-            <a:r>
-              <a:rPr lang="en-GB" sz="1800" b="1" dirty="0">
-                <a:solidFill>
-                  <a:srgbClr val="A50021"/>
-                </a:solidFill>
-              </a:rPr>
-              <a:t>you </a:t>
-            </a:r>
-            <a:r>
-              <a:rPr lang="en-GB" sz="1800" b="1" dirty="0" smtClean="0">
-                <a:solidFill>
-                  <a:srgbClr val="A50021"/>
-                </a:solidFill>
-              </a:rPr>
-              <a:t>have formed a group and chosen the research group in which you want to do your bachelor project, you must register your group</a:t>
+              <a:t>When you have formed a group and chosen the section with which you want to do your bachelor project, you must register your group</a:t>
             </a:r>
           </a:p>
           <a:p>
@@ -10097,28 +9292,28 @@
               </a:spcBef>
             </a:pPr>
             <a:r>
-              <a:rPr lang="en-GB" sz="1600" dirty="0" smtClean="0"/>
+              <a:rPr lang="en-GB" sz="1600" dirty="0"/>
               <a:t>Registration will be open on </a:t>
             </a:r>
             <a:r>
-              <a:rPr lang="en-GB" sz="1600" b="1" dirty="0" smtClean="0">
+              <a:rPr lang="en-GB" sz="1600" b="1" dirty="0">
                 <a:solidFill>
                   <a:srgbClr val="008000"/>
                 </a:solidFill>
               </a:rPr>
-              <a:t>Monday December 2 </a:t>
+              <a:t>Monday December 8 </a:t>
             </a:r>
             <a:r>
               <a:rPr lang="en-GB" sz="1600" dirty="0"/>
               <a:t>and the registration must be done before</a:t>
             </a:r>
             <a:r>
-              <a:rPr lang="en-GB" sz="1600" b="1" dirty="0" smtClean="0">
+              <a:rPr lang="en-GB" sz="1600" b="1" dirty="0">
                 <a:solidFill>
                   <a:srgbClr val="008000"/>
                 </a:solidFill>
               </a:rPr>
-              <a:t> Sunday January 12.</a:t>
+              <a:t> Sunday January 11.</a:t>
             </a:r>
           </a:p>
           <a:p>
@@ -10128,12 +9323,8 @@
               </a:spcBef>
             </a:pPr>
             <a:r>
-              <a:rPr lang="en-GB" sz="1600" dirty="0" smtClean="0"/>
-              <a:t>For </a:t>
-            </a:r>
-            <a:r>
               <a:rPr lang="en-GB" sz="1600" dirty="0"/>
-              <a:t>more details see the Brightspace page </a:t>
+              <a:t>For more details see the Brightspace page </a:t>
             </a:r>
             <a:r>
               <a:rPr lang="en-GB" sz="1600" b="1" dirty="0">
@@ -10145,29 +9336,8 @@
             </a:r>
             <a:r>
               <a:rPr lang="en-GB" sz="1600" dirty="0"/>
-              <a:t> </a:t>
-            </a:r>
-            <a:r>
-              <a:rPr lang="en-GB" sz="1600" dirty="0" smtClean="0"/>
-              <a:t>which </a:t>
-            </a:r>
-            <a:r>
-              <a:rPr lang="en-GB" sz="1600" dirty="0"/>
-              <a:t>will become </a:t>
-            </a:r>
-            <a:r>
-              <a:rPr lang="en-GB" sz="1600" dirty="0" smtClean="0"/>
-              <a:t>available </a:t>
-            </a:r>
-            <a:r>
-              <a:rPr lang="en-GB" sz="1600" dirty="0"/>
-              <a:t>on Monday December </a:t>
-            </a:r>
-            <a:r>
-              <a:rPr lang="en-GB" sz="1600" dirty="0" smtClean="0"/>
-              <a:t>2</a:t>
-            </a:r>
-            <a:endParaRPr lang="en-GB" sz="1600" dirty="0"/>
+              <a:t> which will become available on Monday December 8</a:t>
+            </a:r>
           </a:p>
           <a:p>
             <a:pPr marL="728663" lvl="1" indent="-271463">
@@ -10197,17 +9367,13 @@
                   <a:srgbClr val="008000"/>
                 </a:solidFill>
               </a:rPr>
-              <a:t>research group</a:t>
+              <a:t>section</a:t>
             </a:r>
             <a:r>
               <a:rPr lang="en-GB" sz="1600" dirty="0"/>
-              <a:t> you want to work </a:t>
-            </a:r>
-            <a:r>
-              <a:rPr lang="en-GB" sz="1600" dirty="0" smtClean="0"/>
-              <a:t>with</a:t>
-            </a:r>
-            <a:endParaRPr lang="en-GB" sz="1600" b="1" dirty="0" smtClean="0">
+              <a:t> you want to work with</a:t>
+            </a:r>
+            <a:endParaRPr lang="en-GB" sz="1600" b="1" dirty="0">
               <a:solidFill>
                 <a:srgbClr val="008000"/>
               </a:solidFill>
@@ -10221,36 +9387,12 @@
               <a:buChar char="•"/>
             </a:pPr>
             <a:r>
-              <a:rPr lang="en-GB" sz="1800" b="1" dirty="0" smtClean="0">
+              <a:rPr lang="en-GB" sz="1800" b="1" dirty="0">
                 <a:solidFill>
                   <a:srgbClr val="A50021"/>
                 </a:solidFill>
               </a:rPr>
-              <a:t>Each </a:t>
-            </a:r>
-            <a:r>
-              <a:rPr lang="en-GB" sz="1800" b="1" dirty="0">
-                <a:solidFill>
-                  <a:srgbClr val="A50021"/>
-                </a:solidFill>
-              </a:rPr>
-              <a:t>research group </a:t>
-            </a:r>
-            <a:r>
-              <a:rPr lang="en-GB" sz="1800" b="1" dirty="0" smtClean="0">
-                <a:solidFill>
-                  <a:srgbClr val="A50021"/>
-                </a:solidFill>
-              </a:rPr>
-              <a:t>has </a:t>
-            </a:r>
-            <a:r>
-              <a:rPr lang="en-GB" sz="1800" b="1" dirty="0">
-                <a:solidFill>
-                  <a:srgbClr val="A50021"/>
-                </a:solidFill>
-              </a:rPr>
-              <a:t>a limited number of groups that they will be able to supervise</a:t>
+              <a:t>Each section has a limited number of groups that they will be able to supervise</a:t>
             </a:r>
           </a:p>
           <a:p>
@@ -10260,24 +9402,27 @@
               </a:spcBef>
             </a:pPr>
             <a:r>
-              <a:rPr lang="en-GB" sz="1600" dirty="0" smtClean="0"/>
-              <a:t>Groups are </a:t>
-            </a:r>
-            <a:r>
               <a:rPr lang="en-GB" sz="1600" dirty="0"/>
-              <a:t>accepted on a first come first served </a:t>
-            </a:r>
-            <a:r>
-              <a:rPr lang="en-GB" sz="1600" dirty="0" smtClean="0"/>
-              <a:t>basis, and hence </a:t>
-            </a:r>
+              <a:t>Groups are accepted on a first come first served basis, and hence it is strongly </a:t>
+            </a:r>
+            <a:r>
+              <a:rPr lang="en-GB" sz="1600" b="1" dirty="0">
+                <a:solidFill>
+                  <a:srgbClr val="008000"/>
+                </a:solidFill>
+              </a:rPr>
+              <a:t>recommended to register as early as possible</a:t>
+            </a:r>
+          </a:p>
+          <a:p>
+            <a:pPr marL="728663" lvl="1" indent="-271463">
+              <a:spcBef>
+                <a:spcPts val="300"/>
+              </a:spcBef>
+            </a:pPr>
             <a:r>
               <a:rPr lang="en-GB" sz="1600" dirty="0"/>
-              <a:t>it </a:t>
-            </a:r>
-            <a:r>
-              <a:rPr lang="en-GB" sz="1600" dirty="0" smtClean="0"/>
-              <a:t>is strongly </a:t>
+              <a:t>The </a:t>
             </a:r>
             <a:r>
               <a:rPr lang="en-GB" sz="1600" b="1" dirty="0">
@@ -10285,42 +9430,11 @@
                   <a:srgbClr val="008000"/>
                 </a:solidFill>
               </a:rPr>
-              <a:t>recommended to register as early as </a:t>
-            </a:r>
-            <a:r>
-              <a:rPr lang="en-GB" sz="1600" b="1" dirty="0" smtClean="0">
-                <a:solidFill>
-                  <a:srgbClr val="008000"/>
-                </a:solidFill>
-              </a:rPr>
-              <a:t>possible</a:t>
-            </a:r>
-          </a:p>
-          <a:p>
-            <a:pPr marL="728663" lvl="1" indent="-271463">
-              <a:spcBef>
-                <a:spcPts val="300"/>
-              </a:spcBef>
-            </a:pPr>
-            <a:r>
-              <a:rPr lang="en-GB" sz="1600" dirty="0" smtClean="0"/>
-              <a:t>The </a:t>
-            </a:r>
-            <a:r>
-              <a:rPr lang="en-GB" sz="1600" b="1" dirty="0">
-                <a:solidFill>
-                  <a:srgbClr val="008000"/>
-                </a:solidFill>
-              </a:rPr>
               <a:t>maximal number</a:t>
             </a:r>
             <a:r>
               <a:rPr lang="en-GB" sz="1600" dirty="0"/>
-              <a:t> of groups for each research group </a:t>
-            </a:r>
-            <a:r>
-              <a:rPr lang="en-GB" sz="1600" dirty="0" smtClean="0"/>
-              <a:t>is 12</a:t>
+              <a:t> of groups for each section is 20, except for the CC section where it is 12</a:t>
             </a:r>
             <a:endParaRPr lang="en-GB" sz="1600" b="1" dirty="0">
               <a:solidFill>
@@ -10369,13 +9483,6 @@
   <p:clrMapOvr>
     <a:masterClrMapping/>
   </p:clrMapOvr>
-  <p:timing>
-    <p:tnLst>
-      <p:par>
-        <p:cTn id="1" dur="indefinite" restart="never" nodeType="tmRoot"/>
-      </p:par>
-    </p:tnLst>
-  </p:timing>
 </p:sld>
 </file>
 

--- a/web/b26/0 Information Meeting.pptx
+++ b/web/b26/0 Information Meeting.pptx
@@ -206,20 +206,12 @@
 </p:presentation>
 </file>
 
-<file path=ppt/revisionInfo.xml><?xml version="1.0" encoding="utf-8"?>
-<p1510:revInfo xmlns:a="http://schemas.openxmlformats.org/drawingml/2006/main" xmlns:r="http://schemas.openxmlformats.org/officeDocument/2006/relationships" xmlns:p1510="http://schemas.microsoft.com/office/powerpoint/2015/10/main">
-  <p1510:revLst>
-    <p1510:client id="{8C1C0B5B-3CA8-4923-967D-A7F68D807474}" v="10" dt="2025-10-14T08:29:16.307"/>
-  </p1510:revLst>
-</p1510:revInfo>
-</file>
-
 <file path=ppt/changesInfos/changesInfo1.xml><?xml version="1.0" encoding="utf-8"?>
 <pc:chgInfo xmlns:a="http://schemas.openxmlformats.org/drawingml/2006/main" xmlns:r="http://schemas.openxmlformats.org/officeDocument/2006/relationships" xmlns:ac="http://schemas.microsoft.com/office/drawing/2013/main/command" xmlns:pc="http://schemas.microsoft.com/office/powerpoint/2013/main/command">
   <pc:docChgLst>
     <pc:chgData name="Kurt Jensen" userId="536d7847-4321-45c6-997a-4b9f60543789" providerId="ADAL" clId="{E17C5AF6-11E3-421A-B6F2-416B0C981305}"/>
     <pc:docChg chg="undo custSel modSld">
-      <pc:chgData name="Kurt Jensen" userId="536d7847-4321-45c6-997a-4b9f60543789" providerId="ADAL" clId="{E17C5AF6-11E3-421A-B6F2-416B0C981305}" dt="2025-10-14T08:39:38.778" v="300" actId="20577"/>
+      <pc:chgData name="Kurt Jensen" userId="536d7847-4321-45c6-997a-4b9f60543789" providerId="ADAL" clId="{E17C5AF6-11E3-421A-B6F2-416B0C981305}" dt="2025-11-12T11:55:04.990" v="303" actId="20577"/>
       <pc:docMkLst>
         <pc:docMk/>
       </pc:docMkLst>
@@ -337,13 +329,13 @@
         </pc:spChg>
       </pc:sldChg>
       <pc:sldChg chg="modSp mod">
-        <pc:chgData name="Kurt Jensen" userId="536d7847-4321-45c6-997a-4b9f60543789" providerId="ADAL" clId="{E17C5AF6-11E3-421A-B6F2-416B0C981305}" dt="2025-10-14T08:25:30.084" v="42" actId="20577"/>
+        <pc:chgData name="Kurt Jensen" userId="536d7847-4321-45c6-997a-4b9f60543789" providerId="ADAL" clId="{E17C5AF6-11E3-421A-B6F2-416B0C981305}" dt="2025-11-12T11:55:04.990" v="303" actId="20577"/>
         <pc:sldMkLst>
           <pc:docMk/>
           <pc:sldMk cId="320053938" sldId="413"/>
         </pc:sldMkLst>
         <pc:spChg chg="mod">
-          <ac:chgData name="Kurt Jensen" userId="536d7847-4321-45c6-997a-4b9f60543789" providerId="ADAL" clId="{E17C5AF6-11E3-421A-B6F2-416B0C981305}" dt="2025-10-14T08:25:30.084" v="42" actId="20577"/>
+          <ac:chgData name="Kurt Jensen" userId="536d7847-4321-45c6-997a-4b9f60543789" providerId="ADAL" clId="{E17C5AF6-11E3-421A-B6F2-416B0C981305}" dt="2025-11-12T11:55:04.990" v="303" actId="20577"/>
           <ac:spMkLst>
             <pc:docMk/>
             <pc:sldMk cId="320053938" sldId="413"/>
@@ -6977,7 +6969,23 @@
                   <a:srgbClr val="A50021"/>
                 </a:solidFill>
               </a:rPr>
-              <a:t>There will be a total of ??? students doing their cs / it bachelor project in the Spring of 2026</a:t>
+              <a:t>There will be a total </a:t>
+            </a:r>
+            <a:r>
+              <a:rPr lang="en-GB" altLang="da-DK" sz="1800" b="1">
+                <a:solidFill>
+                  <a:srgbClr val="A50021"/>
+                </a:solidFill>
+              </a:rPr>
+              <a:t>of 126 </a:t>
+            </a:r>
+            <a:r>
+              <a:rPr lang="en-GB" altLang="da-DK" sz="1800" b="1" dirty="0">
+                <a:solidFill>
+                  <a:srgbClr val="A50021"/>
+                </a:solidFill>
+              </a:rPr>
+              <a:t>students doing their cs / it bachelor project in the Spring of 2026</a:t>
             </a:r>
           </a:p>
           <a:p>

--- a/web/b26/0 Information Meeting.pptx
+++ b/web/b26/0 Information Meeting.pptx
@@ -211,71 +211,18 @@
   <pc:docChgLst>
     <pc:chgData name="Kurt Jensen" userId="536d7847-4321-45c6-997a-4b9f60543789" providerId="ADAL" clId="{E17C5AF6-11E3-421A-B6F2-416B0C981305}"/>
     <pc:docChg chg="undo custSel modSld">
-      <pc:chgData name="Kurt Jensen" userId="536d7847-4321-45c6-997a-4b9f60543789" providerId="ADAL" clId="{E17C5AF6-11E3-421A-B6F2-416B0C981305}" dt="2025-11-12T11:55:04.990" v="303" actId="20577"/>
+      <pc:chgData name="Kurt Jensen" userId="536d7847-4321-45c6-997a-4b9f60543789" providerId="ADAL" clId="{E17C5AF6-11E3-421A-B6F2-416B0C981305}" dt="2025-11-24T07:12:55.011" v="310" actId="20577"/>
       <pc:docMkLst>
         <pc:docMk/>
       </pc:docMkLst>
       <pc:sldChg chg="modSp mod">
-        <pc:chgData name="Kurt Jensen" userId="536d7847-4321-45c6-997a-4b9f60543789" providerId="ADAL" clId="{E17C5AF6-11E3-421A-B6F2-416B0C981305}" dt="2025-10-14T08:29:52.301" v="144" actId="5793"/>
-        <pc:sldMkLst>
-          <pc:docMk/>
-          <pc:sldMk cId="0" sldId="314"/>
-        </pc:sldMkLst>
-        <pc:spChg chg="mod">
-          <ac:chgData name="Kurt Jensen" userId="536d7847-4321-45c6-997a-4b9f60543789" providerId="ADAL" clId="{E17C5AF6-11E3-421A-B6F2-416B0C981305}" dt="2025-10-14T08:29:52.301" v="144" actId="5793"/>
-          <ac:spMkLst>
-            <pc:docMk/>
-            <pc:sldMk cId="0" sldId="314"/>
-            <ac:spMk id="10244" creationId="{00000000-0000-0000-0000-000000000000}"/>
-          </ac:spMkLst>
-        </pc:spChg>
-      </pc:sldChg>
-      <pc:sldChg chg="modSp mod">
-        <pc:chgData name="Kurt Jensen" userId="536d7847-4321-45c6-997a-4b9f60543789" providerId="ADAL" clId="{E17C5AF6-11E3-421A-B6F2-416B0C981305}" dt="2025-10-14T08:25:13.751" v="39" actId="313"/>
-        <pc:sldMkLst>
-          <pc:docMk/>
-          <pc:sldMk cId="3828024737" sldId="375"/>
-        </pc:sldMkLst>
-        <pc:spChg chg="mod">
-          <ac:chgData name="Kurt Jensen" userId="536d7847-4321-45c6-997a-4b9f60543789" providerId="ADAL" clId="{E17C5AF6-11E3-421A-B6F2-416B0C981305}" dt="2025-10-14T08:25:13.751" v="39" actId="313"/>
-          <ac:spMkLst>
-            <pc:docMk/>
-            <pc:sldMk cId="3828024737" sldId="375"/>
-            <ac:spMk id="4" creationId="{00000000-0000-0000-0000-000000000000}"/>
-          </ac:spMkLst>
-        </pc:spChg>
-        <pc:spChg chg="mod">
-          <ac:chgData name="Kurt Jensen" userId="536d7847-4321-45c6-997a-4b9f60543789" providerId="ADAL" clId="{E17C5AF6-11E3-421A-B6F2-416B0C981305}" dt="2025-10-14T08:23:52.795" v="35" actId="20577"/>
-          <ac:spMkLst>
-            <pc:docMk/>
-            <pc:sldMk cId="3828024737" sldId="375"/>
-            <ac:spMk id="8" creationId="{00000000-0000-0000-0000-000000000000}"/>
-          </ac:spMkLst>
-        </pc:spChg>
-      </pc:sldChg>
-      <pc:sldChg chg="modSp mod">
-        <pc:chgData name="Kurt Jensen" userId="536d7847-4321-45c6-997a-4b9f60543789" providerId="ADAL" clId="{E17C5AF6-11E3-421A-B6F2-416B0C981305}" dt="2025-10-14T08:25:03.132" v="38" actId="20577"/>
-        <pc:sldMkLst>
-          <pc:docMk/>
-          <pc:sldMk cId="2366877051" sldId="403"/>
-        </pc:sldMkLst>
-        <pc:spChg chg="mod">
-          <ac:chgData name="Kurt Jensen" userId="536d7847-4321-45c6-997a-4b9f60543789" providerId="ADAL" clId="{E17C5AF6-11E3-421A-B6F2-416B0C981305}" dt="2025-10-14T08:25:03.132" v="38" actId="20577"/>
-          <ac:spMkLst>
-            <pc:docMk/>
-            <pc:sldMk cId="2366877051" sldId="403"/>
-            <ac:spMk id="10244" creationId="{00000000-0000-0000-0000-000000000000}"/>
-          </ac:spMkLst>
-        </pc:spChg>
-      </pc:sldChg>
-      <pc:sldChg chg="modSp mod">
-        <pc:chgData name="Kurt Jensen" userId="536d7847-4321-45c6-997a-4b9f60543789" providerId="ADAL" clId="{E17C5AF6-11E3-421A-B6F2-416B0C981305}" dt="2025-10-14T08:22:54.862" v="8" actId="313"/>
+        <pc:chgData name="Kurt Jensen" userId="536d7847-4321-45c6-997a-4b9f60543789" providerId="ADAL" clId="{E17C5AF6-11E3-421A-B6F2-416B0C981305}" dt="2025-11-24T07:12:55.011" v="310" actId="20577"/>
         <pc:sldMkLst>
           <pc:docMk/>
           <pc:sldMk cId="1768001902" sldId="404"/>
         </pc:sldMkLst>
         <pc:spChg chg="mod">
-          <ac:chgData name="Kurt Jensen" userId="536d7847-4321-45c6-997a-4b9f60543789" providerId="ADAL" clId="{E17C5AF6-11E3-421A-B6F2-416B0C981305}" dt="2025-10-14T08:22:54.862" v="8" actId="313"/>
+          <ac:chgData name="Kurt Jensen" userId="536d7847-4321-45c6-997a-4b9f60543789" providerId="ADAL" clId="{E17C5AF6-11E3-421A-B6F2-416B0C981305}" dt="2025-11-24T07:12:55.011" v="310" actId="20577"/>
           <ac:spMkLst>
             <pc:docMk/>
             <pc:sldMk cId="1768001902" sldId="404"/>
@@ -284,77 +231,17 @@
         </pc:spChg>
       </pc:sldChg>
       <pc:sldChg chg="modSp mod">
-        <pc:chgData name="Kurt Jensen" userId="536d7847-4321-45c6-997a-4b9f60543789" providerId="ADAL" clId="{E17C5AF6-11E3-421A-B6F2-416B0C981305}" dt="2025-10-14T08:35:02.147" v="221" actId="20577"/>
-        <pc:sldMkLst>
-          <pc:docMk/>
-          <pc:sldMk cId="3803037258" sldId="405"/>
-        </pc:sldMkLst>
-        <pc:spChg chg="mod">
-          <ac:chgData name="Kurt Jensen" userId="536d7847-4321-45c6-997a-4b9f60543789" providerId="ADAL" clId="{E17C5AF6-11E3-421A-B6F2-416B0C981305}" dt="2025-10-14T08:35:02.147" v="221" actId="20577"/>
-          <ac:spMkLst>
-            <pc:docMk/>
-            <pc:sldMk cId="3803037258" sldId="405"/>
-            <ac:spMk id="10244" creationId="{00000000-0000-0000-0000-000000000000}"/>
-          </ac:spMkLst>
-        </pc:spChg>
-      </pc:sldChg>
-      <pc:sldChg chg="modSp mod">
-        <pc:chgData name="Kurt Jensen" userId="536d7847-4321-45c6-997a-4b9f60543789" providerId="ADAL" clId="{E17C5AF6-11E3-421A-B6F2-416B0C981305}" dt="2025-10-14T08:33:15.987" v="161" actId="20577"/>
-        <pc:sldMkLst>
-          <pc:docMk/>
-          <pc:sldMk cId="3172758156" sldId="408"/>
-        </pc:sldMkLst>
-        <pc:spChg chg="mod">
-          <ac:chgData name="Kurt Jensen" userId="536d7847-4321-45c6-997a-4b9f60543789" providerId="ADAL" clId="{E17C5AF6-11E3-421A-B6F2-416B0C981305}" dt="2025-10-14T08:33:15.987" v="161" actId="20577"/>
-          <ac:spMkLst>
-            <pc:docMk/>
-            <pc:sldMk cId="3172758156" sldId="408"/>
-            <ac:spMk id="10244" creationId="{00000000-0000-0000-0000-000000000000}"/>
-          </ac:spMkLst>
-        </pc:spChg>
-      </pc:sldChg>
-      <pc:sldChg chg="modSp mod">
-        <pc:chgData name="Kurt Jensen" userId="536d7847-4321-45c6-997a-4b9f60543789" providerId="ADAL" clId="{E17C5AF6-11E3-421A-B6F2-416B0C981305}" dt="2025-10-14T08:39:38.778" v="300" actId="20577"/>
-        <pc:sldMkLst>
-          <pc:docMk/>
-          <pc:sldMk cId="2489968259" sldId="409"/>
-        </pc:sldMkLst>
-        <pc:spChg chg="mod">
-          <ac:chgData name="Kurt Jensen" userId="536d7847-4321-45c6-997a-4b9f60543789" providerId="ADAL" clId="{E17C5AF6-11E3-421A-B6F2-416B0C981305}" dt="2025-10-14T08:39:38.778" v="300" actId="20577"/>
-          <ac:spMkLst>
-            <pc:docMk/>
-            <pc:sldMk cId="2489968259" sldId="409"/>
-            <ac:spMk id="10244" creationId="{00000000-0000-0000-0000-000000000000}"/>
-          </ac:spMkLst>
-        </pc:spChg>
-      </pc:sldChg>
-      <pc:sldChg chg="modSp mod">
-        <pc:chgData name="Kurt Jensen" userId="536d7847-4321-45c6-997a-4b9f60543789" providerId="ADAL" clId="{E17C5AF6-11E3-421A-B6F2-416B0C981305}" dt="2025-11-12T11:55:04.990" v="303" actId="20577"/>
+        <pc:chgData name="Kurt Jensen" userId="536d7847-4321-45c6-997a-4b9f60543789" providerId="ADAL" clId="{E17C5AF6-11E3-421A-B6F2-416B0C981305}" dt="2025-11-24T07:08:00.870" v="305" actId="20577"/>
         <pc:sldMkLst>
           <pc:docMk/>
           <pc:sldMk cId="320053938" sldId="413"/>
         </pc:sldMkLst>
         <pc:spChg chg="mod">
-          <ac:chgData name="Kurt Jensen" userId="536d7847-4321-45c6-997a-4b9f60543789" providerId="ADAL" clId="{E17C5AF6-11E3-421A-B6F2-416B0C981305}" dt="2025-11-12T11:55:04.990" v="303" actId="20577"/>
+          <ac:chgData name="Kurt Jensen" userId="536d7847-4321-45c6-997a-4b9f60543789" providerId="ADAL" clId="{E17C5AF6-11E3-421A-B6F2-416B0C981305}" dt="2025-11-24T07:08:00.870" v="305" actId="20577"/>
           <ac:spMkLst>
             <pc:docMk/>
             <pc:sldMk cId="320053938" sldId="413"/>
             <ac:spMk id="8" creationId="{00000000-0000-0000-0000-000000000000}"/>
-          </ac:spMkLst>
-        </pc:spChg>
-      </pc:sldChg>
-      <pc:sldChg chg="modSp mod">
-        <pc:chgData name="Kurt Jensen" userId="536d7847-4321-45c6-997a-4b9f60543789" providerId="ADAL" clId="{E17C5AF6-11E3-421A-B6F2-416B0C981305}" dt="2025-10-14T08:36:03.637" v="253" actId="20577"/>
-        <pc:sldMkLst>
-          <pc:docMk/>
-          <pc:sldMk cId="4189121652" sldId="414"/>
-        </pc:sldMkLst>
-        <pc:spChg chg="mod">
-          <ac:chgData name="Kurt Jensen" userId="536d7847-4321-45c6-997a-4b9f60543789" providerId="ADAL" clId="{E17C5AF6-11E3-421A-B6F2-416B0C981305}" dt="2025-10-14T08:36:03.637" v="253" actId="20577"/>
-          <ac:spMkLst>
-            <pc:docMk/>
-            <pc:sldMk cId="4189121652" sldId="414"/>
-            <ac:spMk id="10244" creationId="{00000000-0000-0000-0000-000000000000}"/>
           </ac:spMkLst>
         </pc:spChg>
       </pc:sldChg>
@@ -6969,23 +6856,7 @@
                   <a:srgbClr val="A50021"/>
                 </a:solidFill>
               </a:rPr>
-              <a:t>There will be a total </a:t>
-            </a:r>
-            <a:r>
-              <a:rPr lang="en-GB" altLang="da-DK" sz="1800" b="1">
-                <a:solidFill>
-                  <a:srgbClr val="A50021"/>
-                </a:solidFill>
-              </a:rPr>
-              <a:t>of 126 </a:t>
-            </a:r>
-            <a:r>
-              <a:rPr lang="en-GB" altLang="da-DK" sz="1800" b="1" dirty="0">
-                <a:solidFill>
-                  <a:srgbClr val="A50021"/>
-                </a:solidFill>
-              </a:rPr>
-              <a:t>students doing their cs / it bachelor project in the Spring of 2026</a:t>
+              <a:t>There will be a total of 130 students doing their cs / it bachelor project in the Spring of 2026</a:t>
             </a:r>
           </a:p>
           <a:p>
@@ -8447,7 +8318,7 @@
                 <a:latin typeface="Arial" pitchFamily="34" charset="0"/>
                 <a:ea typeface="ＭＳ Ｐゴシック" pitchFamily="34" charset="-128"/>
               </a:rPr>
-              <a:t>You are encouraged to speak with the contact person for the corresponding section in order to obtain additional information</a:t>
+              <a:t>You are encouraged to speak with the contact person(s) for the corresponding section to obtain additional information</a:t>
             </a:r>
           </a:p>
           <a:p>
@@ -8570,8 +8441,13 @@
             </a:pPr>
             <a:r>
               <a:rPr lang="en-GB" altLang="da-DK" sz="1600" dirty="0"/>
-              <a:t>Groups with 4 or more persons are not allowed (by the formal rules)</a:t>
-            </a:r>
+              <a:t>Groups with 4 or more persons are </a:t>
+            </a:r>
+            <a:r>
+              <a:rPr lang="en-GB" altLang="da-DK" sz="1600"/>
+              <a:t>not allowed</a:t>
+            </a:r>
+            <a:endParaRPr lang="en-GB" altLang="da-DK" sz="1600" dirty="0"/>
           </a:p>
           <a:p>
             <a:pPr marL="271463" lvl="1" indent="-271463">
